--- a/DsDotNet/src/UnitTest/UnitTest.Model/ImportOfficeExample/Sample/Sub/Line.pptx
+++ b/DsDotNet/src/UnitTest/UnitTest.Model/ImportOfficeExample/Sample/Sub/Line.pptx
@@ -11,7 +11,7 @@
     <p:handoutMasterId r:id="rId5"/>
   </p:handoutMasterIdLst>
   <p:sldIdLst>
-    <p:sldId id="627" r:id="rId2"/>
+    <p:sldId id="629" r:id="rId2"/>
     <p:sldId id="628" r:id="rId3"/>
   </p:sldIdLst>
   <p:sldSz cx="12192000" cy="6858000"/>
@@ -216,7 +216,7 @@
           <a:p>
             <a:fld id="{DD503887-5801-43A0-AEF9-041E8DDC2558}" type="datetimeFigureOut">
               <a:rPr lang="ko-KR" altLang="en-US" smtClean="0"/>
-              <a:t>2023-09-04</a:t>
+              <a:t>2023-11-02</a:t>
             </a:fld>
             <a:endParaRPr lang="ko-KR" altLang="en-US"/>
           </a:p>
@@ -393,7 +393,7 @@
           <a:p>
             <a:fld id="{95336A0E-57B1-4D4C-BD9B-2F72B5943464}" type="datetimeFigureOut">
               <a:rPr lang="ko-KR" altLang="en-US" smtClean="0"/>
-              <a:t>2023-09-04</a:t>
+              <a:t>2023-11-02</a:t>
             </a:fld>
             <a:endParaRPr lang="ko-KR" altLang="en-US"/>
           </a:p>
@@ -2212,7 +2212,7 @@
 </file>
 
 <file path=ppt/slides/slide1.xml><?xml version="1.0" encoding="utf-8"?>
-<p:sld xmlns:a="http://schemas.openxmlformats.org/drawingml/2006/main" xmlns:r="http://schemas.openxmlformats.org/officeDocument/2006/relationships" xmlns:p="http://schemas.openxmlformats.org/presentationml/2006/main" show="0">
+<p:sld xmlns:a="http://schemas.openxmlformats.org/drawingml/2006/main" xmlns:r="http://schemas.openxmlformats.org/officeDocument/2006/relationships" xmlns:p="http://schemas.openxmlformats.org/presentationml/2006/main">
   <p:cSld>
     <p:spTree>
       <p:nvGrpSpPr>
@@ -2230,10 +2230,10 @@
       </p:grpSpPr>
       <p:sp>
         <p:nvSpPr>
-          <p:cNvPr id="2" name="제목 1">
+          <p:cNvPr id="3" name="제목 2">
             <a:extLst>
               <a:ext uri="{FF2B5EF4-FFF2-40B4-BE49-F238E27FC236}">
-                <a16:creationId xmlns:a16="http://schemas.microsoft.com/office/drawing/2014/main" id="{BDFD826C-604B-8DE4-94EF-1D510B4C6824}"/>
+                <a16:creationId xmlns:a16="http://schemas.microsoft.com/office/drawing/2014/main" id="{F75989E0-AEB5-2044-9BFD-13B6F8CC9299}"/>
               </a:ext>
             </a:extLst>
           </p:cNvPr>
@@ -2241,3784 +2241,76 @@
             <a:spLocks noGrp="1"/>
           </p:cNvSpPr>
           <p:nvPr>
-            <p:ph type="title"/>
+            <p:ph type="ctrTitle"/>
           </p:nvPr>
         </p:nvSpPr>
-        <p:spPr>
-          <a:xfrm>
-            <a:off x="565427" y="549150"/>
-            <a:ext cx="11090275" cy="529248"/>
-          </a:xfrm>
-        </p:spPr>
+        <p:spPr/>
         <p:txBody>
           <a:bodyPr/>
           <a:lstStyle/>
           <a:p>
             <a:r>
               <a:rPr lang="en-US" altLang="ko-KR" dirty="0"/>
-              <a:t>Digital Twin Factory</a:t>
+              <a:t>Line</a:t>
             </a:r>
             <a:endParaRPr lang="ko-KR" altLang="en-US" dirty="0"/>
           </a:p>
         </p:txBody>
       </p:sp>
+      <p:pic>
+        <p:nvPicPr>
+          <p:cNvPr id="9" name="그림 개체 틀 8">
+            <a:extLst>
+              <a:ext uri="{FF2B5EF4-FFF2-40B4-BE49-F238E27FC236}">
+                <a16:creationId xmlns:a16="http://schemas.microsoft.com/office/drawing/2014/main" id="{63A1F6DC-32D7-A7D7-FC5E-F49D4B168390}"/>
+              </a:ext>
+            </a:extLst>
+          </p:cNvPr>
+          <p:cNvPicPr>
+            <a:picLocks noGrp="1" noChangeAspect="1"/>
+          </p:cNvPicPr>
+          <p:nvPr>
+            <p:ph type="pic" sz="quarter" idx="13"/>
+          </p:nvPr>
+        </p:nvPicPr>
+        <p:blipFill>
+          <a:blip r:embed="rId2"/>
+          <a:srcRect t="1031" b="1031"/>
+          <a:stretch/>
+        </p:blipFill>
+        <p:spPr/>
+      </p:pic>
       <p:sp>
         <p:nvSpPr>
-          <p:cNvPr id="19" name="TextBox 18">
+          <p:cNvPr id="5" name="텍스트 개체 틀 4">
             <a:extLst>
               <a:ext uri="{FF2B5EF4-FFF2-40B4-BE49-F238E27FC236}">
-                <a16:creationId xmlns:a16="http://schemas.microsoft.com/office/drawing/2014/main" id="{0016653B-561D-9A2F-AC33-18835A4597CB}"/>
-              </a:ext>
-            </a:extLst>
-          </p:cNvPr>
-          <p:cNvSpPr txBox="1"/>
-          <p:nvPr/>
-        </p:nvSpPr>
-        <p:spPr>
-          <a:xfrm>
-            <a:off x="365288" y="1777627"/>
-            <a:ext cx="697557" cy="415498"/>
-          </a:xfrm>
-          <a:prstGeom prst="rect">
-            <a:avLst/>
-          </a:prstGeom>
-          <a:noFill/>
-        </p:spPr>
-        <p:txBody>
-          <a:bodyPr wrap="square" rtlCol="0">
-            <a:spAutoFit/>
-          </a:bodyPr>
-          <a:lstStyle>
-            <a:defPPr>
-              <a:defRPr lang="ko-KR"/>
-            </a:defPPr>
-            <a:lvl1pPr>
-              <a:defRPr sz="1000"/>
-            </a:lvl1pPr>
-          </a:lstStyle>
-          <a:p>
-            <a:pPr marL="0" marR="0" lvl="0" indent="0" algn="l" defTabSz="914400" rtl="0" eaLnBrk="1" fontAlgn="auto" latinLnBrk="0" hangingPunct="1">
-              <a:lnSpc>
-                <a:spcPct val="100000"/>
-              </a:lnSpc>
-              <a:spcBef>
-                <a:spcPts val="0"/>
-              </a:spcBef>
-              <a:spcAft>
-                <a:spcPts val="0"/>
-              </a:spcAft>
-              <a:buClrTx/>
-              <a:buSzTx/>
-              <a:buFontTx/>
-              <a:buNone/>
-              <a:tabLst/>
-              <a:defRPr/>
-            </a:pPr>
-            <a:r>
-              <a:rPr kumimoji="0" lang="en-US" altLang="ko-KR" sz="700" b="0" i="0" u="none" strike="noStrike" kern="1200" cap="none" spc="0" normalizeH="0" baseline="0" noProof="0" dirty="0">
-                <a:ln>
-                  <a:noFill/>
-                </a:ln>
-                <a:solidFill>
-                  <a:prstClr val="white"/>
-                </a:solidFill>
-                <a:effectLst/>
-                <a:uLnTx/>
-                <a:uFillTx/>
-                <a:latin typeface="맑은 고딕"/>
-                <a:ea typeface="+mn-ea"/>
-                <a:cs typeface="+mn-cs"/>
-              </a:rPr>
-              <a:t>Start A</a:t>
-            </a:r>
-          </a:p>
-          <a:p>
-            <a:pPr marL="0" marR="0" lvl="0" indent="0" algn="l" defTabSz="914400" rtl="0" eaLnBrk="1" fontAlgn="auto" latinLnBrk="0" hangingPunct="1">
-              <a:lnSpc>
-                <a:spcPct val="100000"/>
-              </a:lnSpc>
-              <a:spcBef>
-                <a:spcPts val="0"/>
-              </a:spcBef>
-              <a:spcAft>
-                <a:spcPts val="0"/>
-              </a:spcAft>
-              <a:buClrTx/>
-              <a:buSzTx/>
-              <a:buFontTx/>
-              <a:buNone/>
-              <a:tabLst/>
-              <a:defRPr/>
-            </a:pPr>
-            <a:r>
-              <a:rPr kumimoji="0" lang="en-US" altLang="ko-KR" sz="700" b="0" i="0" u="none" strike="noStrike" kern="1200" cap="none" spc="0" normalizeH="0" baseline="0" noProof="0" dirty="0">
-                <a:ln>
-                  <a:noFill/>
-                </a:ln>
-                <a:solidFill>
-                  <a:prstClr val="white"/>
-                </a:solidFill>
-                <a:effectLst/>
-                <a:uLnTx/>
-                <a:uFillTx/>
-                <a:latin typeface="맑은 고딕"/>
-                <a:ea typeface="+mn-ea"/>
-                <a:cs typeface="+mn-cs"/>
-              </a:rPr>
-              <a:t>(System Read Port)</a:t>
-            </a:r>
-            <a:endParaRPr kumimoji="0" lang="ko-KR" altLang="en-US" sz="700" b="0" i="0" u="none" strike="noStrike" kern="1200" cap="none" spc="0" normalizeH="0" baseline="0" noProof="0" dirty="0">
-              <a:ln>
-                <a:noFill/>
-              </a:ln>
-              <a:solidFill>
-                <a:prstClr val="white"/>
-              </a:solidFill>
-              <a:effectLst/>
-              <a:uLnTx/>
-              <a:uFillTx/>
-              <a:latin typeface="맑은 고딕"/>
-              <a:ea typeface="+mn-ea"/>
-              <a:cs typeface="+mn-cs"/>
-            </a:endParaRPr>
-          </a:p>
-        </p:txBody>
-      </p:sp>
-      <p:grpSp>
-        <p:nvGrpSpPr>
-          <p:cNvPr id="20" name="그룹 19">
-            <a:extLst>
-              <a:ext uri="{FF2B5EF4-FFF2-40B4-BE49-F238E27FC236}">
-                <a16:creationId xmlns:a16="http://schemas.microsoft.com/office/drawing/2014/main" id="{340024B0-FD58-FB67-F872-0CD887081F80}"/>
-              </a:ext>
-            </a:extLst>
-          </p:cNvPr>
-          <p:cNvGrpSpPr/>
-          <p:nvPr/>
-        </p:nvGrpSpPr>
-        <p:grpSpPr>
-          <a:xfrm>
-            <a:off x="8274522" y="3631500"/>
-            <a:ext cx="2973110" cy="2274740"/>
-            <a:chOff x="2910408" y="4421884"/>
-            <a:chExt cx="2164014" cy="1603131"/>
-          </a:xfrm>
-        </p:grpSpPr>
-        <p:pic>
-          <p:nvPicPr>
-            <p:cNvPr id="21" name="그림 20">
-              <a:extLst>
-                <a:ext uri="{FF2B5EF4-FFF2-40B4-BE49-F238E27FC236}">
-                  <a16:creationId xmlns:a16="http://schemas.microsoft.com/office/drawing/2014/main" id="{E3BA04E4-B63E-285D-B07F-53F91ADE2303}"/>
-                </a:ext>
-              </a:extLst>
-            </p:cNvPr>
-            <p:cNvPicPr>
-              <a:picLocks noChangeAspect="1"/>
-            </p:cNvPicPr>
-            <p:nvPr/>
-          </p:nvPicPr>
-          <p:blipFill>
-            <a:blip r:embed="rId2">
-              <a:alphaModFix amt="50000"/>
-            </a:blip>
-            <a:stretch>
-              <a:fillRect/>
-            </a:stretch>
-          </p:blipFill>
-          <p:spPr>
-            <a:xfrm flipH="1">
-              <a:off x="2910408" y="4424716"/>
-              <a:ext cx="2164014" cy="1600299"/>
-            </a:xfrm>
-            <a:prstGeom prst="rect">
-              <a:avLst/>
-            </a:prstGeom>
-          </p:spPr>
-        </p:pic>
-        <p:grpSp>
-          <p:nvGrpSpPr>
-            <p:cNvPr id="22" name="그룹 21">
-              <a:extLst>
-                <a:ext uri="{FF2B5EF4-FFF2-40B4-BE49-F238E27FC236}">
-                  <a16:creationId xmlns:a16="http://schemas.microsoft.com/office/drawing/2014/main" id="{C5407289-6658-5134-BF82-F0777520F183}"/>
-                </a:ext>
-              </a:extLst>
-            </p:cNvPr>
-            <p:cNvGrpSpPr/>
-            <p:nvPr/>
-          </p:nvGrpSpPr>
-          <p:grpSpPr>
-            <a:xfrm>
-              <a:off x="2910408" y="4421884"/>
-              <a:ext cx="2164014" cy="1603131"/>
-              <a:chOff x="5650523" y="934978"/>
-              <a:chExt cx="4589585" cy="3144653"/>
-            </a:xfrm>
-          </p:grpSpPr>
-          <p:sp>
-            <p:nvSpPr>
-              <p:cNvPr id="23" name="직사각형 22">
-                <a:extLst>
-                  <a:ext uri="{FF2B5EF4-FFF2-40B4-BE49-F238E27FC236}">
-                    <a16:creationId xmlns:a16="http://schemas.microsoft.com/office/drawing/2014/main" id="{05D7BC40-DCE3-071D-933D-03AD448248DE}"/>
-                  </a:ext>
-                </a:extLst>
-              </p:cNvPr>
-              <p:cNvSpPr/>
-              <p:nvPr/>
-            </p:nvSpPr>
-            <p:spPr>
-              <a:xfrm>
-                <a:off x="8022890" y="2741221"/>
-                <a:ext cx="1872203" cy="378636"/>
-              </a:xfrm>
-              <a:prstGeom prst="rect">
-                <a:avLst/>
-              </a:prstGeom>
-              <a:ln w="12700">
-                <a:prstDash val="dash"/>
-                <a:tailEnd type="none" w="lg" len="lg"/>
-              </a:ln>
-            </p:spPr>
-            <p:style>
-              <a:lnRef idx="3">
-                <a:schemeClr val="dk1"/>
-              </a:lnRef>
-              <a:fillRef idx="0">
-                <a:schemeClr val="dk1"/>
-              </a:fillRef>
-              <a:effectRef idx="2">
-                <a:schemeClr val="dk1"/>
-              </a:effectRef>
-              <a:fontRef idx="minor">
-                <a:schemeClr val="tx1"/>
-              </a:fontRef>
-            </p:style>
-            <p:txBody>
-              <a:bodyPr rtlCol="0" anchor="b"/>
-              <a:lstStyle/>
-              <a:p>
-                <a:pPr marL="0" marR="0" lvl="0" indent="0" algn="r" defTabSz="914400" rtl="0" eaLnBrk="1" fontAlgn="auto" latinLnBrk="0" hangingPunct="1">
-                  <a:lnSpc>
-                    <a:spcPct val="100000"/>
-                  </a:lnSpc>
-                  <a:spcBef>
-                    <a:spcPts val="0"/>
-                  </a:spcBef>
-                  <a:spcAft>
-                    <a:spcPts val="0"/>
-                  </a:spcAft>
-                  <a:buClrTx/>
-                  <a:buSzTx/>
-                  <a:buFontTx/>
-                  <a:buNone/>
-                  <a:tabLst/>
-                  <a:defRPr/>
-                </a:pPr>
-                <a:r>
-                  <a:rPr kumimoji="0" lang="en-US" altLang="ko-KR" sz="800" b="0" i="0" u="none" strike="noStrike" kern="1200" cap="none" spc="0" normalizeH="0" baseline="0" noProof="0">
-                    <a:ln>
-                      <a:noFill/>
-                    </a:ln>
-                    <a:solidFill>
-                      <a:prstClr val="white"/>
-                    </a:solidFill>
-                    <a:effectLst/>
-                    <a:uLnTx/>
-                    <a:uFillTx/>
-                    <a:latin typeface="맑은 고딕"/>
-                    <a:ea typeface="+mn-ea"/>
-                    <a:cs typeface="+mn-cs"/>
-                  </a:rPr>
-                  <a:t>P4</a:t>
-                </a:r>
-                <a:endParaRPr kumimoji="0" lang="ko-KR" altLang="en-US" sz="800" b="0" i="0" u="none" strike="noStrike" kern="1200" cap="none" spc="0" normalizeH="0" baseline="0" noProof="0">
-                  <a:ln>
-                    <a:noFill/>
-                  </a:ln>
-                  <a:solidFill>
-                    <a:prstClr val="white"/>
-                  </a:solidFill>
-                  <a:effectLst/>
-                  <a:uLnTx/>
-                  <a:uFillTx/>
-                  <a:latin typeface="맑은 고딕"/>
-                  <a:ea typeface="+mn-ea"/>
-                  <a:cs typeface="+mn-cs"/>
-                </a:endParaRPr>
-              </a:p>
-            </p:txBody>
-          </p:sp>
-          <p:sp>
-            <p:nvSpPr>
-              <p:cNvPr id="24" name="직사각형 23">
-                <a:extLst>
-                  <a:ext uri="{FF2B5EF4-FFF2-40B4-BE49-F238E27FC236}">
-                    <a16:creationId xmlns:a16="http://schemas.microsoft.com/office/drawing/2014/main" id="{CC2151FA-6984-D40C-6250-4295517BE687}"/>
-                  </a:ext>
-                </a:extLst>
-              </p:cNvPr>
-              <p:cNvSpPr/>
-              <p:nvPr/>
-            </p:nvSpPr>
-            <p:spPr>
-              <a:xfrm>
-                <a:off x="6055581" y="1479151"/>
-                <a:ext cx="2501346" cy="378636"/>
-              </a:xfrm>
-              <a:prstGeom prst="rect">
-                <a:avLst/>
-              </a:prstGeom>
-              <a:ln w="12700">
-                <a:prstDash val="dash"/>
-                <a:tailEnd type="none" w="lg" len="lg"/>
-              </a:ln>
-            </p:spPr>
-            <p:style>
-              <a:lnRef idx="3">
-                <a:schemeClr val="dk1"/>
-              </a:lnRef>
-              <a:fillRef idx="0">
-                <a:schemeClr val="dk1"/>
-              </a:fillRef>
-              <a:effectRef idx="2">
-                <a:schemeClr val="dk1"/>
-              </a:effectRef>
-              <a:fontRef idx="minor">
-                <a:schemeClr val="tx1"/>
-              </a:fontRef>
-            </p:style>
-            <p:txBody>
-              <a:bodyPr rtlCol="0" anchor="b"/>
-              <a:lstStyle/>
-              <a:p>
-                <a:pPr marL="0" marR="0" lvl="0" indent="0" algn="r" defTabSz="914400" rtl="0" eaLnBrk="1" fontAlgn="auto" latinLnBrk="0" hangingPunct="1">
-                  <a:lnSpc>
-                    <a:spcPct val="100000"/>
-                  </a:lnSpc>
-                  <a:spcBef>
-                    <a:spcPts val="0"/>
-                  </a:spcBef>
-                  <a:spcAft>
-                    <a:spcPts val="0"/>
-                  </a:spcAft>
-                  <a:buClrTx/>
-                  <a:buSzTx/>
-                  <a:buFontTx/>
-                  <a:buNone/>
-                  <a:tabLst/>
-                  <a:defRPr/>
-                </a:pPr>
-                <a:r>
-                  <a:rPr kumimoji="0" lang="en-US" altLang="ko-KR" sz="800" b="0" i="0" u="none" strike="noStrike" kern="1200" cap="none" spc="0" normalizeH="0" baseline="0" noProof="0">
-                    <a:ln>
-                      <a:noFill/>
-                    </a:ln>
-                    <a:solidFill>
-                      <a:prstClr val="white"/>
-                    </a:solidFill>
-                    <a:effectLst/>
-                    <a:uLnTx/>
-                    <a:uFillTx/>
-                    <a:latin typeface="맑은 고딕"/>
-                    <a:ea typeface="+mn-ea"/>
-                    <a:cs typeface="+mn-cs"/>
-                  </a:rPr>
-                  <a:t>P1</a:t>
-                </a:r>
-                <a:endParaRPr kumimoji="0" lang="ko-KR" altLang="en-US" sz="800" b="0" i="0" u="none" strike="noStrike" kern="1200" cap="none" spc="0" normalizeH="0" baseline="0" noProof="0">
-                  <a:ln>
-                    <a:noFill/>
-                  </a:ln>
-                  <a:solidFill>
-                    <a:prstClr val="white"/>
-                  </a:solidFill>
-                  <a:effectLst/>
-                  <a:uLnTx/>
-                  <a:uFillTx/>
-                  <a:latin typeface="맑은 고딕"/>
-                  <a:ea typeface="+mn-ea"/>
-                  <a:cs typeface="+mn-cs"/>
-                </a:endParaRPr>
-              </a:p>
-            </p:txBody>
-          </p:sp>
-          <p:sp>
-            <p:nvSpPr>
-              <p:cNvPr id="25" name="직사각형 24">
-                <a:extLst>
-                  <a:ext uri="{FF2B5EF4-FFF2-40B4-BE49-F238E27FC236}">
-                    <a16:creationId xmlns:a16="http://schemas.microsoft.com/office/drawing/2014/main" id="{AE450C4F-654F-1453-120C-F1C6A63503B7}"/>
-                  </a:ext>
-                </a:extLst>
-              </p:cNvPr>
-              <p:cNvSpPr/>
-              <p:nvPr/>
-            </p:nvSpPr>
-            <p:spPr>
-              <a:xfrm>
-                <a:off x="6055582" y="3259156"/>
-                <a:ext cx="1425716" cy="378636"/>
-              </a:xfrm>
-              <a:prstGeom prst="rect">
-                <a:avLst/>
-              </a:prstGeom>
-              <a:ln w="12700">
-                <a:prstDash val="dash"/>
-                <a:tailEnd type="none" w="lg" len="lg"/>
-              </a:ln>
-            </p:spPr>
-            <p:style>
-              <a:lnRef idx="3">
-                <a:schemeClr val="dk1"/>
-              </a:lnRef>
-              <a:fillRef idx="0">
-                <a:schemeClr val="dk1"/>
-              </a:fillRef>
-              <a:effectRef idx="2">
-                <a:schemeClr val="dk1"/>
-              </a:effectRef>
-              <a:fontRef idx="minor">
-                <a:schemeClr val="tx1"/>
-              </a:fontRef>
-            </p:style>
-            <p:txBody>
-              <a:bodyPr rtlCol="0" anchor="b"/>
-              <a:lstStyle/>
-              <a:p>
-                <a:pPr marL="0" marR="0" lvl="0" indent="0" algn="r" defTabSz="914400" rtl="0" eaLnBrk="1" fontAlgn="auto" latinLnBrk="0" hangingPunct="1">
-                  <a:lnSpc>
-                    <a:spcPct val="100000"/>
-                  </a:lnSpc>
-                  <a:spcBef>
-                    <a:spcPts val="0"/>
-                  </a:spcBef>
-                  <a:spcAft>
-                    <a:spcPts val="0"/>
-                  </a:spcAft>
-                  <a:buClrTx/>
-                  <a:buSzTx/>
-                  <a:buFontTx/>
-                  <a:buNone/>
-                  <a:tabLst/>
-                  <a:defRPr/>
-                </a:pPr>
-                <a:r>
-                  <a:rPr kumimoji="0" lang="en-US" altLang="ko-KR" sz="800" b="0" i="0" u="none" strike="noStrike" kern="1200" cap="none" spc="0" normalizeH="0" baseline="0" noProof="0">
-                    <a:ln>
-                      <a:noFill/>
-                    </a:ln>
-                    <a:solidFill>
-                      <a:prstClr val="white"/>
-                    </a:solidFill>
-                    <a:effectLst/>
-                    <a:uLnTx/>
-                    <a:uFillTx/>
-                    <a:latin typeface="맑은 고딕"/>
-                    <a:ea typeface="+mn-ea"/>
-                    <a:cs typeface="+mn-cs"/>
-                  </a:rPr>
-                  <a:t>P5</a:t>
-                </a:r>
-                <a:endParaRPr kumimoji="0" lang="ko-KR" altLang="en-US" sz="800" b="0" i="0" u="none" strike="noStrike" kern="1200" cap="none" spc="0" normalizeH="0" baseline="0" noProof="0">
-                  <a:ln>
-                    <a:noFill/>
-                  </a:ln>
-                  <a:solidFill>
-                    <a:prstClr val="white"/>
-                  </a:solidFill>
-                  <a:effectLst/>
-                  <a:uLnTx/>
-                  <a:uFillTx/>
-                  <a:latin typeface="맑은 고딕"/>
-                  <a:ea typeface="+mn-ea"/>
-                  <a:cs typeface="+mn-cs"/>
-                </a:endParaRPr>
-              </a:p>
-            </p:txBody>
-          </p:sp>
-          <p:sp>
-            <p:nvSpPr>
-              <p:cNvPr id="26" name="직사각형 25">
-                <a:extLst>
-                  <a:ext uri="{FF2B5EF4-FFF2-40B4-BE49-F238E27FC236}">
-                    <a16:creationId xmlns:a16="http://schemas.microsoft.com/office/drawing/2014/main" id="{5ACDF3FA-3252-B907-5136-94F968061956}"/>
-                  </a:ext>
-                </a:extLst>
-              </p:cNvPr>
-              <p:cNvSpPr/>
-              <p:nvPr/>
-            </p:nvSpPr>
-            <p:spPr>
-              <a:xfrm>
-                <a:off x="6055582" y="2188513"/>
-                <a:ext cx="1872203" cy="378636"/>
-              </a:xfrm>
-              <a:prstGeom prst="rect">
-                <a:avLst/>
-              </a:prstGeom>
-              <a:ln w="12700">
-                <a:prstDash val="dash"/>
-                <a:tailEnd type="none" w="lg" len="lg"/>
-              </a:ln>
-            </p:spPr>
-            <p:style>
-              <a:lnRef idx="3">
-                <a:schemeClr val="dk1"/>
-              </a:lnRef>
-              <a:fillRef idx="0">
-                <a:schemeClr val="dk1"/>
-              </a:fillRef>
-              <a:effectRef idx="2">
-                <a:schemeClr val="dk1"/>
-              </a:effectRef>
-              <a:fontRef idx="minor">
-                <a:schemeClr val="tx1"/>
-              </a:fontRef>
-            </p:style>
-            <p:txBody>
-              <a:bodyPr rtlCol="0" anchor="b"/>
-              <a:lstStyle/>
-              <a:p>
-                <a:pPr marL="0" marR="0" lvl="0" indent="0" algn="r" defTabSz="914400" rtl="0" eaLnBrk="1" fontAlgn="auto" latinLnBrk="0" hangingPunct="1">
-                  <a:lnSpc>
-                    <a:spcPct val="100000"/>
-                  </a:lnSpc>
-                  <a:spcBef>
-                    <a:spcPts val="0"/>
-                  </a:spcBef>
-                  <a:spcAft>
-                    <a:spcPts val="0"/>
-                  </a:spcAft>
-                  <a:buClrTx/>
-                  <a:buSzTx/>
-                  <a:buFontTx/>
-                  <a:buNone/>
-                  <a:tabLst/>
-                  <a:defRPr/>
-                </a:pPr>
-                <a:r>
-                  <a:rPr kumimoji="0" lang="en-US" altLang="ko-KR" sz="800" b="0" i="0" u="none" strike="noStrike" kern="1200" cap="none" spc="0" normalizeH="0" baseline="0" noProof="0">
-                    <a:ln>
-                      <a:noFill/>
-                    </a:ln>
-                    <a:solidFill>
-                      <a:prstClr val="white"/>
-                    </a:solidFill>
-                    <a:effectLst/>
-                    <a:uLnTx/>
-                    <a:uFillTx/>
-                    <a:latin typeface="맑은 고딕"/>
-                    <a:ea typeface="+mn-ea"/>
-                    <a:cs typeface="+mn-cs"/>
-                  </a:rPr>
-                  <a:t>P3</a:t>
-                </a:r>
-                <a:endParaRPr kumimoji="0" lang="ko-KR" altLang="en-US" sz="800" b="0" i="0" u="none" strike="noStrike" kern="1200" cap="none" spc="0" normalizeH="0" baseline="0" noProof="0">
-                  <a:ln>
-                    <a:noFill/>
-                  </a:ln>
-                  <a:solidFill>
-                    <a:prstClr val="white"/>
-                  </a:solidFill>
-                  <a:effectLst/>
-                  <a:uLnTx/>
-                  <a:uFillTx/>
-                  <a:latin typeface="맑은 고딕"/>
-                  <a:ea typeface="+mn-ea"/>
-                  <a:cs typeface="+mn-cs"/>
-                </a:endParaRPr>
-              </a:p>
-            </p:txBody>
-          </p:sp>
-          <p:sp>
-            <p:nvSpPr>
-              <p:cNvPr id="27" name="직사각형 26">
-                <a:extLst>
-                  <a:ext uri="{FF2B5EF4-FFF2-40B4-BE49-F238E27FC236}">
-                    <a16:creationId xmlns:a16="http://schemas.microsoft.com/office/drawing/2014/main" id="{4F346DE5-46A0-E8A1-9D31-B2E4F5495154}"/>
-                  </a:ext>
-                </a:extLst>
-              </p:cNvPr>
-              <p:cNvSpPr/>
-              <p:nvPr/>
-            </p:nvSpPr>
-            <p:spPr>
-              <a:xfrm>
-                <a:off x="9032561" y="3259156"/>
-                <a:ext cx="862533" cy="378636"/>
-              </a:xfrm>
-              <a:prstGeom prst="rect">
-                <a:avLst/>
-              </a:prstGeom>
-              <a:ln w="12700">
-                <a:prstDash val="dash"/>
-                <a:tailEnd type="none" w="lg" len="lg"/>
-              </a:ln>
-            </p:spPr>
-            <p:style>
-              <a:lnRef idx="3">
-                <a:schemeClr val="dk1"/>
-              </a:lnRef>
-              <a:fillRef idx="0">
-                <a:schemeClr val="dk1"/>
-              </a:fillRef>
-              <a:effectRef idx="2">
-                <a:schemeClr val="dk1"/>
-              </a:effectRef>
-              <a:fontRef idx="minor">
-                <a:schemeClr val="tx1"/>
-              </a:fontRef>
-            </p:style>
-            <p:txBody>
-              <a:bodyPr rtlCol="0" anchor="b"/>
-              <a:lstStyle/>
-              <a:p>
-                <a:pPr marL="0" marR="0" lvl="0" indent="0" algn="r" defTabSz="914400" rtl="0" eaLnBrk="1" fontAlgn="auto" latinLnBrk="0" hangingPunct="1">
-                  <a:lnSpc>
-                    <a:spcPct val="100000"/>
-                  </a:lnSpc>
-                  <a:spcBef>
-                    <a:spcPts val="0"/>
-                  </a:spcBef>
-                  <a:spcAft>
-                    <a:spcPts val="0"/>
-                  </a:spcAft>
-                  <a:buClrTx/>
-                  <a:buSzTx/>
-                  <a:buFontTx/>
-                  <a:buNone/>
-                  <a:tabLst/>
-                  <a:defRPr/>
-                </a:pPr>
-                <a:r>
-                  <a:rPr kumimoji="0" lang="en-US" altLang="ko-KR" sz="800" b="0" i="0" u="none" strike="noStrike" kern="1200" cap="none" spc="0" normalizeH="0" baseline="0" noProof="0">
-                    <a:ln>
-                      <a:noFill/>
-                    </a:ln>
-                    <a:solidFill>
-                      <a:prstClr val="white"/>
-                    </a:solidFill>
-                    <a:effectLst/>
-                    <a:uLnTx/>
-                    <a:uFillTx/>
-                    <a:latin typeface="맑은 고딕"/>
-                    <a:ea typeface="+mn-ea"/>
-                    <a:cs typeface="+mn-cs"/>
-                  </a:rPr>
-                  <a:t>P6</a:t>
-                </a:r>
-                <a:endParaRPr kumimoji="0" lang="ko-KR" altLang="en-US" sz="800" b="0" i="0" u="none" strike="noStrike" kern="1200" cap="none" spc="0" normalizeH="0" baseline="0" noProof="0">
-                  <a:ln>
-                    <a:noFill/>
-                  </a:ln>
-                  <a:solidFill>
-                    <a:prstClr val="white"/>
-                  </a:solidFill>
-                  <a:effectLst/>
-                  <a:uLnTx/>
-                  <a:uFillTx/>
-                  <a:latin typeface="맑은 고딕"/>
-                  <a:ea typeface="+mn-ea"/>
-                  <a:cs typeface="+mn-cs"/>
-                </a:endParaRPr>
-              </a:p>
-            </p:txBody>
-          </p:sp>
-          <p:sp>
-            <p:nvSpPr>
-              <p:cNvPr id="28" name="직사각형 27">
-                <a:extLst>
-                  <a:ext uri="{FF2B5EF4-FFF2-40B4-BE49-F238E27FC236}">
-                    <a16:creationId xmlns:a16="http://schemas.microsoft.com/office/drawing/2014/main" id="{81C84F7A-2C08-0627-4F4E-3790F685A09F}"/>
-                  </a:ext>
-                </a:extLst>
-              </p:cNvPr>
-              <p:cNvSpPr/>
-              <p:nvPr/>
-            </p:nvSpPr>
-            <p:spPr>
-              <a:xfrm>
-                <a:off x="8901941" y="1479150"/>
-                <a:ext cx="993153" cy="378636"/>
-              </a:xfrm>
-              <a:prstGeom prst="rect">
-                <a:avLst/>
-              </a:prstGeom>
-              <a:ln w="12700">
-                <a:prstDash val="dash"/>
-                <a:tailEnd type="none" w="lg" len="lg"/>
-              </a:ln>
-            </p:spPr>
-            <p:style>
-              <a:lnRef idx="3">
-                <a:schemeClr val="dk1"/>
-              </a:lnRef>
-              <a:fillRef idx="0">
-                <a:schemeClr val="dk1"/>
-              </a:fillRef>
-              <a:effectRef idx="2">
-                <a:schemeClr val="dk1"/>
-              </a:effectRef>
-              <a:fontRef idx="minor">
-                <a:schemeClr val="tx1"/>
-              </a:fontRef>
-            </p:style>
-            <p:txBody>
-              <a:bodyPr rtlCol="0" anchor="b"/>
-              <a:lstStyle/>
-              <a:p>
-                <a:pPr marL="0" marR="0" lvl="0" indent="0" algn="r" defTabSz="914400" rtl="0" eaLnBrk="1" fontAlgn="auto" latinLnBrk="0" hangingPunct="1">
-                  <a:lnSpc>
-                    <a:spcPct val="100000"/>
-                  </a:lnSpc>
-                  <a:spcBef>
-                    <a:spcPts val="0"/>
-                  </a:spcBef>
-                  <a:spcAft>
-                    <a:spcPts val="0"/>
-                  </a:spcAft>
-                  <a:buClrTx/>
-                  <a:buSzTx/>
-                  <a:buFontTx/>
-                  <a:buNone/>
-                  <a:tabLst/>
-                  <a:defRPr/>
-                </a:pPr>
-                <a:r>
-                  <a:rPr kumimoji="0" lang="en-US" altLang="ko-KR" sz="800" b="0" i="0" u="none" strike="noStrike" kern="1200" cap="none" spc="0" normalizeH="0" baseline="0" noProof="0">
-                    <a:ln>
-                      <a:noFill/>
-                    </a:ln>
-                    <a:solidFill>
-                      <a:prstClr val="white"/>
-                    </a:solidFill>
-                    <a:effectLst/>
-                    <a:uLnTx/>
-                    <a:uFillTx/>
-                    <a:latin typeface="맑은 고딕"/>
-                    <a:ea typeface="+mn-ea"/>
-                    <a:cs typeface="+mn-cs"/>
-                  </a:rPr>
-                  <a:t>P2</a:t>
-                </a:r>
-              </a:p>
-            </p:txBody>
-          </p:sp>
-          <p:sp>
-            <p:nvSpPr>
-              <p:cNvPr id="29" name="직사각형 28">
-                <a:extLst>
-                  <a:ext uri="{FF2B5EF4-FFF2-40B4-BE49-F238E27FC236}">
-                    <a16:creationId xmlns:a16="http://schemas.microsoft.com/office/drawing/2014/main" id="{EC209741-B14C-EEA1-5F0A-251236DE38AE}"/>
-                  </a:ext>
-                </a:extLst>
-              </p:cNvPr>
-              <p:cNvSpPr/>
-              <p:nvPr/>
-            </p:nvSpPr>
-            <p:spPr>
-              <a:xfrm>
-                <a:off x="5650523" y="934978"/>
-                <a:ext cx="4589585" cy="3144653"/>
-              </a:xfrm>
-              <a:prstGeom prst="rect">
-                <a:avLst/>
-              </a:prstGeom>
-              <a:ln w="12700">
-                <a:prstDash val="dash"/>
-                <a:tailEnd type="none" w="lg" len="lg"/>
-              </a:ln>
-            </p:spPr>
-            <p:style>
-              <a:lnRef idx="3">
-                <a:schemeClr val="dk1"/>
-              </a:lnRef>
-              <a:fillRef idx="0">
-                <a:schemeClr val="dk1"/>
-              </a:fillRef>
-              <a:effectRef idx="2">
-                <a:schemeClr val="dk1"/>
-              </a:effectRef>
-              <a:fontRef idx="minor">
-                <a:schemeClr val="tx1"/>
-              </a:fontRef>
-            </p:style>
-            <p:txBody>
-              <a:bodyPr rtlCol="0" anchor="b"/>
-              <a:lstStyle/>
-              <a:p>
-                <a:pPr marL="0" marR="0" lvl="0" indent="0" algn="r" defTabSz="914400" rtl="0" eaLnBrk="1" fontAlgn="auto" latinLnBrk="0" hangingPunct="1">
-                  <a:lnSpc>
-                    <a:spcPct val="100000"/>
-                  </a:lnSpc>
-                  <a:spcBef>
-                    <a:spcPts val="0"/>
-                  </a:spcBef>
-                  <a:spcAft>
-                    <a:spcPts val="0"/>
-                  </a:spcAft>
-                  <a:buClrTx/>
-                  <a:buSzTx/>
-                  <a:buFontTx/>
-                  <a:buNone/>
-                  <a:tabLst/>
-                  <a:defRPr/>
-                </a:pPr>
-                <a:r>
-                  <a:rPr kumimoji="0" lang="en-US" altLang="ko-KR" sz="800" b="0" i="0" u="none" strike="noStrike" kern="1200" cap="none" spc="0" normalizeH="0" baseline="0" noProof="0" dirty="0">
-                    <a:ln>
-                      <a:noFill/>
-                    </a:ln>
-                    <a:solidFill>
-                      <a:prstClr val="white"/>
-                    </a:solidFill>
-                    <a:effectLst/>
-                    <a:uLnTx/>
-                    <a:uFillTx/>
-                    <a:latin typeface="맑은 고딕"/>
-                    <a:ea typeface="+mn-ea"/>
-                    <a:cs typeface="+mn-cs"/>
-                  </a:rPr>
-                  <a:t>Paint Line</a:t>
-                </a:r>
-                <a:endParaRPr kumimoji="0" lang="ko-KR" altLang="en-US" sz="800" b="0" i="0" u="none" strike="noStrike" kern="1200" cap="none" spc="0" normalizeH="0" baseline="0" noProof="0" dirty="0">
-                  <a:ln>
-                    <a:noFill/>
-                  </a:ln>
-                  <a:solidFill>
-                    <a:prstClr val="white"/>
-                  </a:solidFill>
-                  <a:effectLst/>
-                  <a:uLnTx/>
-                  <a:uFillTx/>
-                  <a:latin typeface="맑은 고딕"/>
-                  <a:ea typeface="+mn-ea"/>
-                  <a:cs typeface="+mn-cs"/>
-                </a:endParaRPr>
-              </a:p>
-            </p:txBody>
-          </p:sp>
-        </p:grpSp>
-      </p:grpSp>
-      <p:sp>
-        <p:nvSpPr>
-          <p:cNvPr id="30" name="타원 29">
-            <a:extLst>
-              <a:ext uri="{FF2B5EF4-FFF2-40B4-BE49-F238E27FC236}">
-                <a16:creationId xmlns:a16="http://schemas.microsoft.com/office/drawing/2014/main" id="{D44DEC57-D822-CD34-09A9-5A3F82331C93}"/>
+                <a16:creationId xmlns:a16="http://schemas.microsoft.com/office/drawing/2014/main" id="{61805BFF-C1A3-71FD-F946-106218FE05EB}"/>
               </a:ext>
             </a:extLst>
           </p:cNvPr>
           <p:cNvSpPr>
-            <a:spLocks noChangeAspect="1"/>
+            <a:spLocks noGrp="1"/>
           </p:cNvSpPr>
-          <p:nvPr/>
+          <p:nvPr>
+            <p:ph type="body" sz="quarter" idx="14"/>
+          </p:nvPr>
         </p:nvSpPr>
-        <p:spPr>
-          <a:xfrm flipH="1">
-            <a:off x="8014251" y="4583239"/>
-            <a:ext cx="54500" cy="70233"/>
-          </a:xfrm>
-          <a:prstGeom prst="ellipse">
-            <a:avLst/>
-          </a:prstGeom>
-          <a:solidFill>
-            <a:schemeClr val="bg1"/>
-          </a:solidFill>
-        </p:spPr>
-        <p:style>
-          <a:lnRef idx="2">
-            <a:schemeClr val="dk1"/>
-          </a:lnRef>
-          <a:fillRef idx="1">
-            <a:schemeClr val="lt1"/>
-          </a:fillRef>
-          <a:effectRef idx="0">
-            <a:schemeClr val="dk1"/>
-          </a:effectRef>
-          <a:fontRef idx="minor">
-            <a:schemeClr val="dk1"/>
-          </a:fontRef>
-        </p:style>
+        <p:spPr/>
         <p:txBody>
-          <a:bodyPr rtlCol="0" anchor="ctr"/>
+          <a:bodyPr/>
           <a:lstStyle/>
           <a:p>
-            <a:pPr marL="0" marR="0" lvl="0" indent="0" algn="ctr" defTabSz="914400" rtl="0" eaLnBrk="1" fontAlgn="auto" latinLnBrk="0" hangingPunct="1">
-              <a:lnSpc>
-                <a:spcPct val="100000"/>
-              </a:lnSpc>
-              <a:spcBef>
-                <a:spcPts val="0"/>
-              </a:spcBef>
-              <a:spcAft>
-                <a:spcPts val="0"/>
-              </a:spcAft>
-              <a:buClrTx/>
-              <a:buSzTx/>
-              <a:buFontTx/>
-              <a:buNone/>
-              <a:tabLst/>
-              <a:defRPr/>
-            </a:pPr>
-            <a:endParaRPr kumimoji="0" lang="ko-KR" altLang="en-US" sz="2800" b="0" i="0" u="none" strike="noStrike" kern="1200" cap="none" spc="0" normalizeH="0" baseline="0" noProof="0">
-              <a:ln>
-                <a:noFill/>
-              </a:ln>
-              <a:solidFill>
-                <a:prstClr val="black"/>
-              </a:solidFill>
-              <a:effectLst/>
-              <a:uLnTx/>
-              <a:uFillTx/>
-              <a:latin typeface="맑은 고딕"/>
-              <a:ea typeface="+mn-ea"/>
-              <a:cs typeface="+mn-cs"/>
-            </a:endParaRPr>
-          </a:p>
-        </p:txBody>
-      </p:sp>
-      <p:cxnSp>
-        <p:nvCxnSpPr>
-          <p:cNvPr id="31" name="연결선: 꺾임 30">
-            <a:extLst>
-              <a:ext uri="{FF2B5EF4-FFF2-40B4-BE49-F238E27FC236}">
-                <a16:creationId xmlns:a16="http://schemas.microsoft.com/office/drawing/2014/main" id="{79B31355-F1AE-CC8E-A69A-C2B12A8A9F54}"/>
-              </a:ext>
-            </a:extLst>
-          </p:cNvPr>
-          <p:cNvCxnSpPr>
-            <a:cxnSpLocks/>
-            <a:stCxn id="44" idx="2"/>
-            <a:endCxn id="29" idx="2"/>
-          </p:cNvCxnSpPr>
-          <p:nvPr/>
-        </p:nvCxnSpPr>
-        <p:spPr>
-          <a:xfrm rot="5400000" flipH="1" flipV="1">
-            <a:off x="6574218" y="2817497"/>
-            <a:ext cx="98116" cy="6275601"/>
-          </a:xfrm>
-          <a:prstGeom prst="bentConnector3">
-            <a:avLst>
-              <a:gd name="adj1" fmla="val -232990"/>
-            </a:avLst>
-          </a:prstGeom>
-          <a:ln w="38100">
-            <a:solidFill>
-              <a:schemeClr val="accent1">
-                <a:lumMod val="75000"/>
-              </a:schemeClr>
-            </a:solidFill>
-            <a:prstDash val="solid"/>
-            <a:tailEnd type="triangle" w="med" len="sm"/>
-          </a:ln>
-        </p:spPr>
-        <p:style>
-          <a:lnRef idx="3">
-            <a:schemeClr val="dk1"/>
-          </a:lnRef>
-          <a:fillRef idx="0">
-            <a:schemeClr val="dk1"/>
-          </a:fillRef>
-          <a:effectRef idx="2">
-            <a:schemeClr val="dk1"/>
-          </a:effectRef>
-          <a:fontRef idx="minor">
-            <a:schemeClr val="tx1"/>
-          </a:fontRef>
-        </p:style>
-      </p:cxnSp>
-      <p:sp>
-        <p:nvSpPr>
-          <p:cNvPr id="32" name="TextBox 31">
-            <a:extLst>
-              <a:ext uri="{FF2B5EF4-FFF2-40B4-BE49-F238E27FC236}">
-                <a16:creationId xmlns:a16="http://schemas.microsoft.com/office/drawing/2014/main" id="{0A609BF1-D94A-C0AF-59DD-5C578D9D96C9}"/>
-              </a:ext>
-            </a:extLst>
-          </p:cNvPr>
-          <p:cNvSpPr txBox="1"/>
-          <p:nvPr/>
-        </p:nvSpPr>
-        <p:spPr>
-          <a:xfrm>
-            <a:off x="448981" y="4648373"/>
-            <a:ext cx="697557" cy="415498"/>
-          </a:xfrm>
-          <a:prstGeom prst="rect">
-            <a:avLst/>
-          </a:prstGeom>
-          <a:noFill/>
-        </p:spPr>
-        <p:txBody>
-          <a:bodyPr wrap="square" rtlCol="0">
-            <a:spAutoFit/>
-          </a:bodyPr>
-          <a:lstStyle>
-            <a:defPPr>
-              <a:defRPr lang="ko-KR"/>
-            </a:defPPr>
-            <a:lvl1pPr>
-              <a:defRPr sz="1000"/>
-            </a:lvl1pPr>
-          </a:lstStyle>
-          <a:p>
-            <a:pPr marL="0" marR="0" lvl="0" indent="0" algn="l" defTabSz="914400" rtl="0" eaLnBrk="1" fontAlgn="auto" latinLnBrk="0" hangingPunct="1">
-              <a:lnSpc>
-                <a:spcPct val="100000"/>
-              </a:lnSpc>
-              <a:spcBef>
-                <a:spcPts val="0"/>
-              </a:spcBef>
-              <a:spcAft>
-                <a:spcPts val="0"/>
-              </a:spcAft>
-              <a:buClrTx/>
-              <a:buSzTx/>
-              <a:buFontTx/>
-              <a:buNone/>
-              <a:tabLst/>
-              <a:defRPr/>
-            </a:pPr>
-            <a:r>
-              <a:rPr kumimoji="0" lang="en-US" altLang="ko-KR" sz="700" b="0" i="0" u="none" strike="noStrike" kern="1200" cap="none" spc="0" normalizeH="0" baseline="0" noProof="0" dirty="0">
-                <a:ln>
-                  <a:noFill/>
-                </a:ln>
-                <a:solidFill>
-                  <a:prstClr val="white"/>
-                </a:solidFill>
-                <a:effectLst/>
-                <a:uLnTx/>
-                <a:uFillTx/>
-                <a:latin typeface="맑은 고딕"/>
-                <a:ea typeface="+mn-ea"/>
-                <a:cs typeface="+mn-cs"/>
-              </a:rPr>
-              <a:t>Start B</a:t>
-            </a:r>
-          </a:p>
-          <a:p>
-            <a:pPr marL="0" marR="0" lvl="0" indent="0" algn="l" defTabSz="914400" rtl="0" eaLnBrk="1" fontAlgn="auto" latinLnBrk="0" hangingPunct="1">
-              <a:lnSpc>
-                <a:spcPct val="100000"/>
-              </a:lnSpc>
-              <a:spcBef>
-                <a:spcPts val="0"/>
-              </a:spcBef>
-              <a:spcAft>
-                <a:spcPts val="0"/>
-              </a:spcAft>
-              <a:buClrTx/>
-              <a:buSzTx/>
-              <a:buFontTx/>
-              <a:buNone/>
-              <a:tabLst/>
-              <a:defRPr/>
-            </a:pPr>
-            <a:r>
-              <a:rPr kumimoji="0" lang="en-US" altLang="ko-KR" sz="700" b="0" i="0" u="none" strike="noStrike" kern="1200" cap="none" spc="0" normalizeH="0" baseline="0" noProof="0" dirty="0">
-                <a:ln>
-                  <a:noFill/>
-                </a:ln>
-                <a:solidFill>
-                  <a:prstClr val="white"/>
-                </a:solidFill>
-                <a:effectLst/>
-                <a:uLnTx/>
-                <a:uFillTx/>
-                <a:latin typeface="맑은 고딕"/>
-                <a:ea typeface="+mn-ea"/>
-                <a:cs typeface="+mn-cs"/>
-              </a:rPr>
-              <a:t>(System Read Port)</a:t>
-            </a:r>
-            <a:endParaRPr kumimoji="0" lang="ko-KR" altLang="en-US" sz="700" b="0" i="0" u="none" strike="noStrike" kern="1200" cap="none" spc="0" normalizeH="0" baseline="0" noProof="0" dirty="0">
-              <a:ln>
-                <a:noFill/>
-              </a:ln>
-              <a:solidFill>
-                <a:prstClr val="white"/>
-              </a:solidFill>
-              <a:effectLst/>
-              <a:uLnTx/>
-              <a:uFillTx/>
-              <a:latin typeface="맑은 고딕"/>
-              <a:ea typeface="+mn-ea"/>
-              <a:cs typeface="+mn-cs"/>
-            </a:endParaRPr>
-          </a:p>
-        </p:txBody>
-      </p:sp>
-      <p:grpSp>
-        <p:nvGrpSpPr>
-          <p:cNvPr id="33" name="그룹 32">
-            <a:extLst>
-              <a:ext uri="{FF2B5EF4-FFF2-40B4-BE49-F238E27FC236}">
-                <a16:creationId xmlns:a16="http://schemas.microsoft.com/office/drawing/2014/main" id="{29B5D0DF-D644-2B61-EF97-49A475B2C7FF}"/>
-              </a:ext>
-            </a:extLst>
-          </p:cNvPr>
-          <p:cNvGrpSpPr/>
-          <p:nvPr/>
-        </p:nvGrpSpPr>
-        <p:grpSpPr>
-          <a:xfrm flipH="1">
-            <a:off x="565427" y="1542295"/>
-            <a:ext cx="5849486" cy="4465699"/>
-            <a:chOff x="1014452" y="1516920"/>
-            <a:chExt cx="5895203" cy="4465699"/>
-          </a:xfrm>
-        </p:grpSpPr>
-        <p:pic>
-          <p:nvPicPr>
-            <p:cNvPr id="34" name="그림 33">
-              <a:extLst>
-                <a:ext uri="{FF2B5EF4-FFF2-40B4-BE49-F238E27FC236}">
-                  <a16:creationId xmlns:a16="http://schemas.microsoft.com/office/drawing/2014/main" id="{6DE7AB08-7FF3-9C52-B6B6-EBC141A31CB0}"/>
-                </a:ext>
-              </a:extLst>
-            </p:cNvPr>
-            <p:cNvPicPr>
-              <a:picLocks noChangeAspect="1"/>
-            </p:cNvPicPr>
-            <p:nvPr/>
-          </p:nvPicPr>
-          <p:blipFill>
-            <a:blip r:embed="rId3">
-              <a:alphaModFix amt="35000"/>
-            </a:blip>
-            <a:stretch>
-              <a:fillRect/>
-            </a:stretch>
-          </p:blipFill>
-          <p:spPr>
-            <a:xfrm flipH="1">
-              <a:off x="1090579" y="1520560"/>
-              <a:ext cx="5756488" cy="4462059"/>
-            </a:xfrm>
-            <a:prstGeom prst="rect">
-              <a:avLst/>
-            </a:prstGeom>
-          </p:spPr>
-        </p:pic>
-        <p:sp>
-          <p:nvSpPr>
-            <p:cNvPr id="35" name="직사각형 34">
-              <a:extLst>
-                <a:ext uri="{FF2B5EF4-FFF2-40B4-BE49-F238E27FC236}">
-                  <a16:creationId xmlns:a16="http://schemas.microsoft.com/office/drawing/2014/main" id="{010DD297-DAFD-5869-FA3A-101C5CFF963F}"/>
-                </a:ext>
-              </a:extLst>
-            </p:cNvPr>
-            <p:cNvSpPr/>
-            <p:nvPr/>
-          </p:nvSpPr>
-          <p:spPr>
-            <a:xfrm>
-              <a:off x="5739959" y="4332655"/>
-              <a:ext cx="952995" cy="537260"/>
-            </a:xfrm>
-            <a:prstGeom prst="rect">
-              <a:avLst/>
-            </a:prstGeom>
-            <a:ln w="12700">
-              <a:prstDash val="dash"/>
-              <a:tailEnd type="none" w="lg" len="lg"/>
-            </a:ln>
-          </p:spPr>
-          <p:style>
-            <a:lnRef idx="3">
-              <a:schemeClr val="dk1"/>
-            </a:lnRef>
-            <a:fillRef idx="0">
-              <a:schemeClr val="dk1"/>
-            </a:fillRef>
-            <a:effectRef idx="2">
-              <a:schemeClr val="dk1"/>
-            </a:effectRef>
-            <a:fontRef idx="minor">
-              <a:schemeClr val="tx1"/>
-            </a:fontRef>
-          </p:style>
-          <p:txBody>
-            <a:bodyPr rtlCol="0" anchor="b"/>
-            <a:lstStyle/>
-            <a:p>
-              <a:pPr marL="0" marR="0" lvl="0" indent="0" algn="r" defTabSz="914400" rtl="0" eaLnBrk="1" fontAlgn="auto" latinLnBrk="0" hangingPunct="1">
-                <a:lnSpc>
-                  <a:spcPct val="100000"/>
-                </a:lnSpc>
-                <a:spcBef>
-                  <a:spcPts val="0"/>
-                </a:spcBef>
-                <a:spcAft>
-                  <a:spcPts val="0"/>
-                </a:spcAft>
-                <a:buClrTx/>
-                <a:buSzTx/>
-                <a:buFontTx/>
-                <a:buNone/>
-                <a:tabLst/>
-                <a:defRPr/>
-              </a:pPr>
-              <a:r>
-                <a:rPr kumimoji="0" lang="en-US" altLang="ko-KR" sz="1050" b="0" i="0" u="none" strike="noStrike" kern="1200" cap="none" spc="0" normalizeH="0" baseline="0" noProof="0">
-                  <a:ln>
-                    <a:noFill/>
-                  </a:ln>
-                  <a:solidFill>
-                    <a:prstClr val="white"/>
-                  </a:solidFill>
-                  <a:effectLst/>
-                  <a:uLnTx/>
-                  <a:uFillTx/>
-                  <a:latin typeface="맑은 고딕"/>
-                  <a:ea typeface="+mn-ea"/>
-                  <a:cs typeface="+mn-cs"/>
-                </a:rPr>
-                <a:t>BC</a:t>
-              </a:r>
-              <a:endParaRPr kumimoji="0" lang="ko-KR" altLang="en-US" sz="1050" b="0" i="0" u="none" strike="noStrike" kern="1200" cap="none" spc="0" normalizeH="0" baseline="0" noProof="0">
-                <a:ln>
-                  <a:noFill/>
-                </a:ln>
-                <a:solidFill>
-                  <a:prstClr val="white"/>
-                </a:solidFill>
-                <a:effectLst/>
-                <a:uLnTx/>
-                <a:uFillTx/>
-                <a:latin typeface="맑은 고딕"/>
-                <a:ea typeface="+mn-ea"/>
-                <a:cs typeface="+mn-cs"/>
-              </a:endParaRPr>
-            </a:p>
-          </p:txBody>
-        </p:sp>
-        <p:sp>
-          <p:nvSpPr>
-            <p:cNvPr id="36" name="직사각형 35">
-              <a:extLst>
-                <a:ext uri="{FF2B5EF4-FFF2-40B4-BE49-F238E27FC236}">
-                  <a16:creationId xmlns:a16="http://schemas.microsoft.com/office/drawing/2014/main" id="{1842FBF0-C8CE-B863-C2C7-84809CBBEAFC}"/>
-                </a:ext>
-              </a:extLst>
-            </p:cNvPr>
-            <p:cNvSpPr/>
-            <p:nvPr/>
-          </p:nvSpPr>
-          <p:spPr>
-            <a:xfrm>
-              <a:off x="3769976" y="2278950"/>
-              <a:ext cx="2922982" cy="537260"/>
-            </a:xfrm>
-            <a:prstGeom prst="rect">
-              <a:avLst/>
-            </a:prstGeom>
-            <a:noFill/>
-            <a:ln w="12700">
-              <a:prstDash val="dash"/>
-              <a:tailEnd type="none" w="lg" len="lg"/>
-            </a:ln>
-          </p:spPr>
-          <p:style>
-            <a:lnRef idx="3">
-              <a:schemeClr val="dk1"/>
-            </a:lnRef>
-            <a:fillRef idx="0">
-              <a:schemeClr val="dk1"/>
-            </a:fillRef>
-            <a:effectRef idx="2">
-              <a:schemeClr val="dk1"/>
-            </a:effectRef>
-            <a:fontRef idx="minor">
-              <a:schemeClr val="tx1"/>
-            </a:fontRef>
-          </p:style>
-          <p:txBody>
-            <a:bodyPr rtlCol="0" anchor="b"/>
-            <a:lstStyle/>
-            <a:p>
-              <a:pPr marL="0" marR="0" lvl="0" indent="0" algn="r" defTabSz="914400" rtl="0" eaLnBrk="1" fontAlgn="auto" latinLnBrk="0" hangingPunct="1">
-                <a:lnSpc>
-                  <a:spcPct val="100000"/>
-                </a:lnSpc>
-                <a:spcBef>
-                  <a:spcPts val="0"/>
-                </a:spcBef>
-                <a:spcAft>
-                  <a:spcPts val="0"/>
-                </a:spcAft>
-                <a:buClrTx/>
-                <a:buSzTx/>
-                <a:buFontTx/>
-                <a:buNone/>
-                <a:tabLst/>
-                <a:defRPr/>
-              </a:pPr>
-              <a:r>
-                <a:rPr kumimoji="0" lang="en-US" altLang="ko-KR" sz="1050" b="0" i="0" u="none" strike="noStrike" kern="1200" cap="none" spc="0" normalizeH="0" baseline="0" noProof="0" dirty="0">
-                  <a:ln>
-                    <a:noFill/>
-                  </a:ln>
-                  <a:solidFill>
-                    <a:prstClr val="white"/>
-                  </a:solidFill>
-                  <a:effectLst/>
-                  <a:uLnTx/>
-                  <a:uFillTx/>
-                  <a:latin typeface="맑은 고딕"/>
-                  <a:ea typeface="+mn-ea"/>
-                  <a:cs typeface="+mn-cs"/>
-                </a:rPr>
-                <a:t>BB</a:t>
-              </a:r>
-              <a:endParaRPr kumimoji="0" lang="ko-KR" altLang="en-US" sz="1050" b="0" i="0" u="none" strike="noStrike" kern="1200" cap="none" spc="0" normalizeH="0" baseline="0" noProof="0" dirty="0">
-                <a:ln>
-                  <a:noFill/>
-                </a:ln>
-                <a:solidFill>
-                  <a:prstClr val="white"/>
-                </a:solidFill>
-                <a:effectLst/>
-                <a:uLnTx/>
-                <a:uFillTx/>
-                <a:latin typeface="맑은 고딕"/>
-                <a:ea typeface="+mn-ea"/>
-                <a:cs typeface="+mn-cs"/>
-              </a:endParaRPr>
-            </a:p>
-          </p:txBody>
-        </p:sp>
-        <p:sp>
-          <p:nvSpPr>
-            <p:cNvPr id="37" name="직사각형 36">
-              <a:extLst>
-                <a:ext uri="{FF2B5EF4-FFF2-40B4-BE49-F238E27FC236}">
-                  <a16:creationId xmlns:a16="http://schemas.microsoft.com/office/drawing/2014/main" id="{CF3444CA-D6D9-9363-6C76-6D7C782F6A74}"/>
-                </a:ext>
-              </a:extLst>
-            </p:cNvPr>
-            <p:cNvSpPr/>
-            <p:nvPr/>
-          </p:nvSpPr>
-          <p:spPr>
-            <a:xfrm>
-              <a:off x="1593273" y="1655380"/>
-              <a:ext cx="1790702" cy="537260"/>
-            </a:xfrm>
-            <a:prstGeom prst="rect">
-              <a:avLst/>
-            </a:prstGeom>
-            <a:ln w="12700">
-              <a:prstDash val="dash"/>
-              <a:tailEnd type="none" w="lg" len="lg"/>
-            </a:ln>
-          </p:spPr>
-          <p:style>
-            <a:lnRef idx="3">
-              <a:schemeClr val="dk1"/>
-            </a:lnRef>
-            <a:fillRef idx="0">
-              <a:schemeClr val="dk1"/>
-            </a:fillRef>
-            <a:effectRef idx="2">
-              <a:schemeClr val="dk1"/>
-            </a:effectRef>
-            <a:fontRef idx="minor">
-              <a:schemeClr val="tx1"/>
-            </a:fontRef>
-          </p:style>
-          <p:txBody>
-            <a:bodyPr rtlCol="0" anchor="b"/>
-            <a:lstStyle/>
-            <a:p>
-              <a:pPr marL="0" marR="0" lvl="0" indent="0" algn="r" defTabSz="914400" rtl="0" eaLnBrk="1" fontAlgn="auto" latinLnBrk="0" hangingPunct="1">
-                <a:lnSpc>
-                  <a:spcPct val="100000"/>
-                </a:lnSpc>
-                <a:spcBef>
-                  <a:spcPts val="0"/>
-                </a:spcBef>
-                <a:spcAft>
-                  <a:spcPts val="0"/>
-                </a:spcAft>
-                <a:buClrTx/>
-                <a:buSzTx/>
-                <a:buFontTx/>
-                <a:buNone/>
-                <a:tabLst/>
-                <a:defRPr/>
-              </a:pPr>
-              <a:r>
-                <a:rPr kumimoji="0" lang="en-US" altLang="ko-KR" sz="1050" b="0" i="0" u="none" strike="noStrike" kern="1200" cap="none" spc="0" normalizeH="0" baseline="0" noProof="0">
-                  <a:ln>
-                    <a:noFill/>
-                  </a:ln>
-                  <a:solidFill>
-                    <a:prstClr val="white"/>
-                  </a:solidFill>
-                  <a:effectLst/>
-                  <a:uLnTx/>
-                  <a:uFillTx/>
-                  <a:latin typeface="맑은 고딕"/>
-                  <a:ea typeface="+mn-ea"/>
-                  <a:cs typeface="+mn-cs"/>
-                </a:rPr>
-                <a:t>SIDE RH</a:t>
-              </a:r>
-              <a:endParaRPr kumimoji="0" lang="ko-KR" altLang="en-US" sz="1050" b="0" i="0" u="none" strike="noStrike" kern="1200" cap="none" spc="0" normalizeH="0" baseline="0" noProof="0">
-                <a:ln>
-                  <a:noFill/>
-                </a:ln>
-                <a:solidFill>
-                  <a:prstClr val="white"/>
-                </a:solidFill>
-                <a:effectLst/>
-                <a:uLnTx/>
-                <a:uFillTx/>
-                <a:latin typeface="맑은 고딕"/>
-                <a:ea typeface="+mn-ea"/>
-                <a:cs typeface="+mn-cs"/>
-              </a:endParaRPr>
-            </a:p>
-          </p:txBody>
-        </p:sp>
-        <p:sp>
-          <p:nvSpPr>
-            <p:cNvPr id="38" name="직사각형 37">
-              <a:extLst>
-                <a:ext uri="{FF2B5EF4-FFF2-40B4-BE49-F238E27FC236}">
-                  <a16:creationId xmlns:a16="http://schemas.microsoft.com/office/drawing/2014/main" id="{175CE10A-5CBC-F6EF-01F5-BF029A2AA939}"/>
-                </a:ext>
-              </a:extLst>
-            </p:cNvPr>
-            <p:cNvSpPr/>
-            <p:nvPr/>
-          </p:nvSpPr>
-          <p:spPr>
-            <a:xfrm>
-              <a:off x="1593273" y="2916974"/>
-              <a:ext cx="1790702" cy="537260"/>
-            </a:xfrm>
-            <a:prstGeom prst="rect">
-              <a:avLst/>
-            </a:prstGeom>
-            <a:ln w="12700">
-              <a:prstDash val="dash"/>
-              <a:tailEnd type="none" w="lg" len="lg"/>
-            </a:ln>
-          </p:spPr>
-          <p:style>
-            <a:lnRef idx="3">
-              <a:schemeClr val="dk1"/>
-            </a:lnRef>
-            <a:fillRef idx="0">
-              <a:schemeClr val="dk1"/>
-            </a:fillRef>
-            <a:effectRef idx="2">
-              <a:schemeClr val="dk1"/>
-            </a:effectRef>
-            <a:fontRef idx="minor">
-              <a:schemeClr val="tx1"/>
-            </a:fontRef>
-          </p:style>
-          <p:txBody>
-            <a:bodyPr rtlCol="0" anchor="b"/>
-            <a:lstStyle/>
-            <a:p>
-              <a:pPr marL="0" marR="0" lvl="0" indent="0" algn="r" defTabSz="914400" rtl="0" eaLnBrk="1" fontAlgn="auto" latinLnBrk="0" hangingPunct="1">
-                <a:lnSpc>
-                  <a:spcPct val="100000"/>
-                </a:lnSpc>
-                <a:spcBef>
-                  <a:spcPts val="0"/>
-                </a:spcBef>
-                <a:spcAft>
-                  <a:spcPts val="0"/>
-                </a:spcAft>
-                <a:buClrTx/>
-                <a:buSzTx/>
-                <a:buFontTx/>
-                <a:buNone/>
-                <a:tabLst/>
-                <a:defRPr/>
-              </a:pPr>
-              <a:r>
-                <a:rPr kumimoji="0" lang="en-US" altLang="ko-KR" sz="1050" b="0" i="0" u="none" strike="noStrike" kern="1200" cap="none" spc="0" normalizeH="0" baseline="0" noProof="0">
-                  <a:ln>
-                    <a:noFill/>
-                  </a:ln>
-                  <a:solidFill>
-                    <a:prstClr val="white"/>
-                  </a:solidFill>
-                  <a:effectLst/>
-                  <a:uLnTx/>
-                  <a:uFillTx/>
-                  <a:latin typeface="맑은 고딕"/>
-                  <a:ea typeface="+mn-ea"/>
-                  <a:cs typeface="+mn-cs"/>
-                </a:rPr>
-                <a:t>SIDE LH</a:t>
-              </a:r>
-              <a:endParaRPr kumimoji="0" lang="ko-KR" altLang="en-US" sz="1050" b="0" i="0" u="none" strike="noStrike" kern="1200" cap="none" spc="0" normalizeH="0" baseline="0" noProof="0">
-                <a:ln>
-                  <a:noFill/>
-                </a:ln>
-                <a:solidFill>
-                  <a:prstClr val="white"/>
-                </a:solidFill>
-                <a:effectLst/>
-                <a:uLnTx/>
-                <a:uFillTx/>
-                <a:latin typeface="맑은 고딕"/>
-                <a:ea typeface="+mn-ea"/>
-                <a:cs typeface="+mn-cs"/>
-              </a:endParaRPr>
-            </a:p>
-          </p:txBody>
-        </p:sp>
-        <p:sp>
-          <p:nvSpPr>
-            <p:cNvPr id="39" name="직사각형 38">
-              <a:extLst>
-                <a:ext uri="{FF2B5EF4-FFF2-40B4-BE49-F238E27FC236}">
-                  <a16:creationId xmlns:a16="http://schemas.microsoft.com/office/drawing/2014/main" id="{54F1148E-28DC-691F-A71E-E9E5F8240575}"/>
-                </a:ext>
-              </a:extLst>
-            </p:cNvPr>
-            <p:cNvSpPr/>
-            <p:nvPr/>
-          </p:nvSpPr>
-          <p:spPr>
-            <a:xfrm>
-              <a:off x="4294786" y="3701813"/>
-              <a:ext cx="1203225" cy="537260"/>
-            </a:xfrm>
-            <a:prstGeom prst="rect">
-              <a:avLst/>
-            </a:prstGeom>
-            <a:ln w="12700">
-              <a:prstDash val="dash"/>
-              <a:tailEnd type="none" w="lg" len="lg"/>
-            </a:ln>
-          </p:spPr>
-          <p:style>
-            <a:lnRef idx="3">
-              <a:schemeClr val="dk1"/>
-            </a:lnRef>
-            <a:fillRef idx="0">
-              <a:schemeClr val="dk1"/>
-            </a:fillRef>
-            <a:effectRef idx="2">
-              <a:schemeClr val="dk1"/>
-            </a:effectRef>
-            <a:fontRef idx="minor">
-              <a:schemeClr val="tx1"/>
-            </a:fontRef>
-          </p:style>
-          <p:txBody>
-            <a:bodyPr rtlCol="0" anchor="b"/>
-            <a:lstStyle/>
-            <a:p>
-              <a:pPr marL="0" marR="0" lvl="0" indent="0" algn="r" defTabSz="914400" rtl="0" eaLnBrk="1" fontAlgn="auto" latinLnBrk="0" hangingPunct="1">
-                <a:lnSpc>
-                  <a:spcPct val="100000"/>
-                </a:lnSpc>
-                <a:spcBef>
-                  <a:spcPts val="0"/>
-                </a:spcBef>
-                <a:spcAft>
-                  <a:spcPts val="0"/>
-                </a:spcAft>
-                <a:buClrTx/>
-                <a:buSzTx/>
-                <a:buFontTx/>
-                <a:buNone/>
-                <a:tabLst/>
-                <a:defRPr/>
-              </a:pPr>
-              <a:r>
-                <a:rPr kumimoji="0" lang="en-US" altLang="ko-KR" sz="1050" b="0" i="0" u="none" strike="noStrike" kern="1200" cap="none" spc="0" normalizeH="0" baseline="0" noProof="0" dirty="0">
-                  <a:ln>
-                    <a:noFill/>
-                  </a:ln>
-                  <a:solidFill>
-                    <a:prstClr val="white"/>
-                  </a:solidFill>
-                  <a:effectLst/>
-                  <a:uLnTx/>
-                  <a:uFillTx/>
-                  <a:latin typeface="맑은 고딕"/>
-                  <a:ea typeface="+mn-ea"/>
-                  <a:cs typeface="+mn-cs"/>
-                </a:rPr>
-                <a:t>DOOR RH</a:t>
-              </a:r>
-              <a:endParaRPr kumimoji="0" lang="ko-KR" altLang="en-US" sz="1050" b="0" i="0" u="none" strike="noStrike" kern="1200" cap="none" spc="0" normalizeH="0" baseline="0" noProof="0" dirty="0">
-                <a:ln>
-                  <a:noFill/>
-                </a:ln>
-                <a:solidFill>
-                  <a:prstClr val="white"/>
-                </a:solidFill>
-                <a:effectLst/>
-                <a:uLnTx/>
-                <a:uFillTx/>
-                <a:latin typeface="맑은 고딕"/>
-                <a:ea typeface="+mn-ea"/>
-                <a:cs typeface="+mn-cs"/>
-              </a:endParaRPr>
-            </a:p>
-          </p:txBody>
-        </p:sp>
-        <p:sp>
-          <p:nvSpPr>
-            <p:cNvPr id="40" name="직사각형 39">
-              <a:extLst>
-                <a:ext uri="{FF2B5EF4-FFF2-40B4-BE49-F238E27FC236}">
-                  <a16:creationId xmlns:a16="http://schemas.microsoft.com/office/drawing/2014/main" id="{165B2A0C-8031-2F61-7620-6A9C7B6D844E}"/>
-                </a:ext>
-              </a:extLst>
-            </p:cNvPr>
-            <p:cNvSpPr/>
-            <p:nvPr/>
-          </p:nvSpPr>
-          <p:spPr>
-            <a:xfrm>
-              <a:off x="4294786" y="4963409"/>
-              <a:ext cx="1203225" cy="537260"/>
-            </a:xfrm>
-            <a:prstGeom prst="rect">
-              <a:avLst/>
-            </a:prstGeom>
-            <a:ln w="12700">
-              <a:prstDash val="dash"/>
-              <a:tailEnd type="none" w="lg" len="lg"/>
-            </a:ln>
-          </p:spPr>
-          <p:style>
-            <a:lnRef idx="3">
-              <a:schemeClr val="dk1"/>
-            </a:lnRef>
-            <a:fillRef idx="0">
-              <a:schemeClr val="dk1"/>
-            </a:fillRef>
-            <a:effectRef idx="2">
-              <a:schemeClr val="dk1"/>
-            </a:effectRef>
-            <a:fontRef idx="minor">
-              <a:schemeClr val="tx1"/>
-            </a:fontRef>
-          </p:style>
-          <p:txBody>
-            <a:bodyPr rtlCol="0" anchor="b"/>
-            <a:lstStyle/>
-            <a:p>
-              <a:pPr marL="0" marR="0" lvl="0" indent="0" algn="r" defTabSz="914400" rtl="0" eaLnBrk="1" fontAlgn="auto" latinLnBrk="0" hangingPunct="1">
-                <a:lnSpc>
-                  <a:spcPct val="100000"/>
-                </a:lnSpc>
-                <a:spcBef>
-                  <a:spcPts val="0"/>
-                </a:spcBef>
-                <a:spcAft>
-                  <a:spcPts val="0"/>
-                </a:spcAft>
-                <a:buClrTx/>
-                <a:buSzTx/>
-                <a:buFontTx/>
-                <a:buNone/>
-                <a:tabLst/>
-                <a:defRPr/>
-              </a:pPr>
-              <a:r>
-                <a:rPr kumimoji="0" lang="en-US" altLang="ko-KR" sz="1050" b="0" i="0" u="none" strike="noStrike" kern="1200" cap="none" spc="0" normalizeH="0" baseline="0" noProof="0">
-                  <a:ln>
-                    <a:noFill/>
-                  </a:ln>
-                  <a:solidFill>
-                    <a:prstClr val="white"/>
-                  </a:solidFill>
-                  <a:effectLst/>
-                  <a:uLnTx/>
-                  <a:uFillTx/>
-                  <a:latin typeface="맑은 고딕"/>
-                  <a:ea typeface="+mn-ea"/>
-                  <a:cs typeface="+mn-cs"/>
-                </a:rPr>
-                <a:t>DOOR LH</a:t>
-              </a:r>
-              <a:endParaRPr kumimoji="0" lang="ko-KR" altLang="en-US" sz="1050" b="0" i="0" u="none" strike="noStrike" kern="1200" cap="none" spc="0" normalizeH="0" baseline="0" noProof="0">
-                <a:ln>
-                  <a:noFill/>
-                </a:ln>
-                <a:solidFill>
-                  <a:prstClr val="white"/>
-                </a:solidFill>
-                <a:effectLst/>
-                <a:uLnTx/>
-                <a:uFillTx/>
-                <a:latin typeface="맑은 고딕"/>
-                <a:ea typeface="+mn-ea"/>
-                <a:cs typeface="+mn-cs"/>
-              </a:endParaRPr>
-            </a:p>
-          </p:txBody>
-        </p:sp>
-        <p:sp>
-          <p:nvSpPr>
-            <p:cNvPr id="41" name="직사각형 40">
-              <a:extLst>
-                <a:ext uri="{FF2B5EF4-FFF2-40B4-BE49-F238E27FC236}">
-                  <a16:creationId xmlns:a16="http://schemas.microsoft.com/office/drawing/2014/main" id="{409346A6-C9B3-7CEA-0EA8-0517B50781B9}"/>
-                </a:ext>
-              </a:extLst>
-            </p:cNvPr>
-            <p:cNvSpPr/>
-            <p:nvPr/>
-          </p:nvSpPr>
-          <p:spPr>
-            <a:xfrm>
-              <a:off x="1593273" y="4332655"/>
-              <a:ext cx="2351492" cy="537260"/>
-            </a:xfrm>
-            <a:prstGeom prst="rect">
-              <a:avLst/>
-            </a:prstGeom>
-            <a:ln w="12700">
-              <a:prstDash val="dash"/>
-              <a:tailEnd type="none" w="lg" len="lg"/>
-            </a:ln>
-          </p:spPr>
-          <p:style>
-            <a:lnRef idx="3">
-              <a:schemeClr val="dk1"/>
-            </a:lnRef>
-            <a:fillRef idx="0">
-              <a:schemeClr val="dk1"/>
-            </a:fillRef>
-            <a:effectRef idx="2">
-              <a:schemeClr val="dk1"/>
-            </a:effectRef>
-            <a:fontRef idx="minor">
-              <a:schemeClr val="tx1"/>
-            </a:fontRef>
-          </p:style>
-          <p:txBody>
-            <a:bodyPr rtlCol="0" anchor="b"/>
-            <a:lstStyle/>
-            <a:p>
-              <a:pPr marL="0" marR="0" lvl="0" indent="0" algn="r" defTabSz="914400" rtl="0" eaLnBrk="1" fontAlgn="auto" latinLnBrk="0" hangingPunct="1">
-                <a:lnSpc>
-                  <a:spcPct val="100000"/>
-                </a:lnSpc>
-                <a:spcBef>
-                  <a:spcPts val="0"/>
-                </a:spcBef>
-                <a:spcAft>
-                  <a:spcPts val="0"/>
-                </a:spcAft>
-                <a:buClrTx/>
-                <a:buSzTx/>
-                <a:buFontTx/>
-                <a:buNone/>
-                <a:tabLst/>
-                <a:defRPr/>
-              </a:pPr>
-              <a:r>
-                <a:rPr kumimoji="0" lang="en-US" altLang="ko-KR" sz="1050" b="0" i="0" u="none" strike="noStrike" kern="1200" cap="none" spc="0" normalizeH="0" baseline="0" noProof="0">
-                  <a:ln>
-                    <a:noFill/>
-                  </a:ln>
-                  <a:solidFill>
-                    <a:prstClr val="white"/>
-                  </a:solidFill>
-                  <a:effectLst/>
-                  <a:uLnTx/>
-                  <a:uFillTx/>
-                  <a:latin typeface="맑은 고딕"/>
-                  <a:ea typeface="+mn-ea"/>
-                  <a:cs typeface="+mn-cs"/>
-                </a:rPr>
-                <a:t>BR</a:t>
-              </a:r>
-              <a:endParaRPr kumimoji="0" lang="ko-KR" altLang="en-US" sz="1050" b="0" i="0" u="none" strike="noStrike" kern="1200" cap="none" spc="0" normalizeH="0" baseline="0" noProof="0">
-                <a:ln>
-                  <a:noFill/>
-                </a:ln>
-                <a:solidFill>
-                  <a:prstClr val="white"/>
-                </a:solidFill>
-                <a:effectLst/>
-                <a:uLnTx/>
-                <a:uFillTx/>
-                <a:latin typeface="맑은 고딕"/>
-                <a:ea typeface="+mn-ea"/>
-                <a:cs typeface="+mn-cs"/>
-              </a:endParaRPr>
-            </a:p>
-          </p:txBody>
-        </p:sp>
-        <p:sp>
-          <p:nvSpPr>
-            <p:cNvPr id="42" name="직사각형 41">
-              <a:extLst>
-                <a:ext uri="{FF2B5EF4-FFF2-40B4-BE49-F238E27FC236}">
-                  <a16:creationId xmlns:a16="http://schemas.microsoft.com/office/drawing/2014/main" id="{F8551853-BD5E-D0AA-0517-5F7BA06B2D5D}"/>
-                </a:ext>
-              </a:extLst>
-            </p:cNvPr>
-            <p:cNvSpPr/>
-            <p:nvPr/>
-          </p:nvSpPr>
-          <p:spPr>
-            <a:xfrm>
-              <a:off x="1585952" y="4961524"/>
-              <a:ext cx="1083343" cy="537260"/>
-            </a:xfrm>
-            <a:prstGeom prst="rect">
-              <a:avLst/>
-            </a:prstGeom>
-            <a:ln w="12700">
-              <a:prstDash val="dash"/>
-              <a:tailEnd type="none" w="lg" len="lg"/>
-            </a:ln>
-          </p:spPr>
-          <p:style>
-            <a:lnRef idx="3">
-              <a:schemeClr val="dk1"/>
-            </a:lnRef>
-            <a:fillRef idx="0">
-              <a:schemeClr val="dk1"/>
-            </a:fillRef>
-            <a:effectRef idx="2">
-              <a:schemeClr val="dk1"/>
-            </a:effectRef>
-            <a:fontRef idx="minor">
-              <a:schemeClr val="tx1"/>
-            </a:fontRef>
-          </p:style>
-          <p:txBody>
-            <a:bodyPr rtlCol="0" anchor="b"/>
-            <a:lstStyle/>
-            <a:p>
-              <a:pPr marL="0" marR="0" lvl="0" indent="0" algn="r" defTabSz="914400" rtl="0" eaLnBrk="1" fontAlgn="auto" latinLnBrk="0" hangingPunct="1">
-                <a:lnSpc>
-                  <a:spcPct val="100000"/>
-                </a:lnSpc>
-                <a:spcBef>
-                  <a:spcPts val="0"/>
-                </a:spcBef>
-                <a:spcAft>
-                  <a:spcPts val="0"/>
-                </a:spcAft>
-                <a:buClrTx/>
-                <a:buSzTx/>
-                <a:buFontTx/>
-                <a:buNone/>
-                <a:tabLst/>
-                <a:defRPr/>
-              </a:pPr>
-              <a:r>
-                <a:rPr kumimoji="0" lang="en-US" altLang="ko-KR" sz="1050" b="0" i="0" u="none" strike="noStrike" kern="1200" cap="none" spc="0" normalizeH="0" baseline="0" noProof="0" dirty="0">
-                  <a:ln>
-                    <a:noFill/>
-                  </a:ln>
-                  <a:solidFill>
-                    <a:prstClr val="white"/>
-                  </a:solidFill>
-                  <a:effectLst/>
-                  <a:uLnTx/>
-                  <a:uFillTx/>
-                  <a:latin typeface="맑은 고딕"/>
-                  <a:ea typeface="+mn-ea"/>
-                  <a:cs typeface="+mn-cs"/>
-                </a:rPr>
-                <a:t>HOOD</a:t>
-              </a:r>
-              <a:endParaRPr kumimoji="0" lang="ko-KR" altLang="en-US" sz="1050" b="0" i="0" u="none" strike="noStrike" kern="1200" cap="none" spc="0" normalizeH="0" baseline="0" noProof="0" dirty="0">
-                <a:ln>
-                  <a:noFill/>
-                </a:ln>
-                <a:solidFill>
-                  <a:prstClr val="white"/>
-                </a:solidFill>
-                <a:effectLst/>
-                <a:uLnTx/>
-                <a:uFillTx/>
-                <a:latin typeface="맑은 고딕"/>
-                <a:ea typeface="+mn-ea"/>
-                <a:cs typeface="+mn-cs"/>
-              </a:endParaRPr>
-            </a:p>
-          </p:txBody>
-        </p:sp>
-        <p:sp>
-          <p:nvSpPr>
-            <p:cNvPr id="43" name="직사각형 42">
-              <a:extLst>
-                <a:ext uri="{FF2B5EF4-FFF2-40B4-BE49-F238E27FC236}">
-                  <a16:creationId xmlns:a16="http://schemas.microsoft.com/office/drawing/2014/main" id="{22C1B9E7-3FF7-DE92-A747-1B54620D64AF}"/>
-                </a:ext>
-              </a:extLst>
-            </p:cNvPr>
-            <p:cNvSpPr/>
-            <p:nvPr/>
-          </p:nvSpPr>
-          <p:spPr>
-            <a:xfrm>
-              <a:off x="1585952" y="2281088"/>
-              <a:ext cx="1247403" cy="537260"/>
-            </a:xfrm>
-            <a:prstGeom prst="rect">
-              <a:avLst/>
-            </a:prstGeom>
-            <a:ln w="76200">
-              <a:solidFill>
-                <a:srgbClr val="FF0000"/>
-              </a:solidFill>
-              <a:prstDash val="sysDot"/>
-              <a:tailEnd type="none" w="lg" len="lg"/>
-            </a:ln>
-          </p:spPr>
-          <p:style>
-            <a:lnRef idx="3">
-              <a:schemeClr val="dk1"/>
-            </a:lnRef>
-            <a:fillRef idx="0">
-              <a:schemeClr val="dk1"/>
-            </a:fillRef>
-            <a:effectRef idx="2">
-              <a:schemeClr val="dk1"/>
-            </a:effectRef>
-            <a:fontRef idx="minor">
-              <a:schemeClr val="tx1"/>
-            </a:fontRef>
-          </p:style>
-          <p:txBody>
-            <a:bodyPr rtlCol="0" anchor="b"/>
-            <a:lstStyle/>
-            <a:p>
-              <a:pPr marL="0" marR="0" lvl="0" indent="0" algn="r" defTabSz="914400" rtl="0" eaLnBrk="1" fontAlgn="auto" latinLnBrk="0" hangingPunct="1">
-                <a:lnSpc>
-                  <a:spcPct val="100000"/>
-                </a:lnSpc>
-                <a:spcBef>
-                  <a:spcPts val="0"/>
-                </a:spcBef>
-                <a:spcAft>
-                  <a:spcPts val="0"/>
-                </a:spcAft>
-                <a:buClrTx/>
-                <a:buSzTx/>
-                <a:buFontTx/>
-                <a:buNone/>
-                <a:tabLst/>
-                <a:defRPr/>
-              </a:pPr>
-              <a:r>
-                <a:rPr kumimoji="0" lang="en-US" altLang="ko-KR" sz="1050" b="0" i="0" u="none" strike="noStrike" kern="1200" cap="none" spc="0" normalizeH="0" baseline="0" noProof="0" dirty="0">
-                  <a:ln>
-                    <a:noFill/>
-                  </a:ln>
-                  <a:solidFill>
-                    <a:prstClr val="white"/>
-                  </a:solidFill>
-                  <a:effectLst/>
-                  <a:uLnTx/>
-                  <a:uFillTx/>
-                  <a:latin typeface="맑은 고딕"/>
-                  <a:ea typeface="+mn-ea"/>
-                  <a:cs typeface="+mn-cs"/>
-                </a:rPr>
-                <a:t>FLOOR</a:t>
-              </a:r>
-            </a:p>
-          </p:txBody>
-        </p:sp>
-        <p:sp>
-          <p:nvSpPr>
-            <p:cNvPr id="44" name="직사각형 43">
-              <a:extLst>
-                <a:ext uri="{FF2B5EF4-FFF2-40B4-BE49-F238E27FC236}">
-                  <a16:creationId xmlns:a16="http://schemas.microsoft.com/office/drawing/2014/main" id="{22A62BBF-2662-DE3C-3A55-E4A0A2E71FCD}"/>
-                </a:ext>
-              </a:extLst>
-            </p:cNvPr>
-            <p:cNvSpPr/>
-            <p:nvPr/>
-          </p:nvSpPr>
-          <p:spPr>
-            <a:xfrm>
-              <a:off x="1084519" y="1516920"/>
-              <a:ext cx="5764530" cy="4462061"/>
-            </a:xfrm>
-            <a:prstGeom prst="rect">
-              <a:avLst/>
-            </a:prstGeom>
-            <a:ln w="12700">
-              <a:prstDash val="dash"/>
-              <a:tailEnd type="none" w="lg" len="lg"/>
-            </a:ln>
-          </p:spPr>
-          <p:style>
-            <a:lnRef idx="3">
-              <a:schemeClr val="dk1"/>
-            </a:lnRef>
-            <a:fillRef idx="0">
-              <a:schemeClr val="dk1"/>
-            </a:fillRef>
-            <a:effectRef idx="2">
-              <a:schemeClr val="dk1"/>
-            </a:effectRef>
-            <a:fontRef idx="minor">
-              <a:schemeClr val="tx1"/>
-            </a:fontRef>
-          </p:style>
-          <p:txBody>
-            <a:bodyPr rtlCol="0" anchor="b"/>
-            <a:lstStyle/>
-            <a:p>
-              <a:pPr marL="0" marR="0" lvl="0" indent="0" algn="r" defTabSz="914400" rtl="0" eaLnBrk="1" fontAlgn="auto" latinLnBrk="0" hangingPunct="1">
-                <a:lnSpc>
-                  <a:spcPct val="100000"/>
-                </a:lnSpc>
-                <a:spcBef>
-                  <a:spcPts val="0"/>
-                </a:spcBef>
-                <a:spcAft>
-                  <a:spcPts val="0"/>
-                </a:spcAft>
-                <a:buClrTx/>
-                <a:buSzTx/>
-                <a:buFontTx/>
-                <a:buNone/>
-                <a:tabLst/>
-                <a:defRPr/>
-              </a:pPr>
-              <a:r>
-                <a:rPr kumimoji="0" lang="en-US" altLang="ko-KR" sz="1050" b="0" i="0" u="none" strike="noStrike" kern="1200" cap="none" spc="0" normalizeH="0" baseline="0" noProof="0" dirty="0">
-                  <a:ln>
-                    <a:noFill/>
-                  </a:ln>
-                  <a:solidFill>
-                    <a:prstClr val="white"/>
-                  </a:solidFill>
-                  <a:effectLst/>
-                  <a:uLnTx/>
-                  <a:uFillTx/>
-                  <a:latin typeface="맑은 고딕"/>
-                  <a:ea typeface="+mn-ea"/>
-                  <a:cs typeface="+mn-cs"/>
-                </a:rPr>
-                <a:t>Body Line</a:t>
-              </a:r>
-              <a:endParaRPr kumimoji="0" lang="ko-KR" altLang="en-US" sz="1050" b="0" i="0" u="none" strike="noStrike" kern="1200" cap="none" spc="0" normalizeH="0" baseline="0" noProof="0" dirty="0">
-                <a:ln>
-                  <a:noFill/>
-                </a:ln>
-                <a:solidFill>
-                  <a:prstClr val="white"/>
-                </a:solidFill>
-                <a:effectLst/>
-                <a:uLnTx/>
-                <a:uFillTx/>
-                <a:latin typeface="맑은 고딕"/>
-                <a:ea typeface="+mn-ea"/>
-                <a:cs typeface="+mn-cs"/>
-              </a:endParaRPr>
-            </a:p>
-          </p:txBody>
-        </p:sp>
-        <p:sp>
-          <p:nvSpPr>
-            <p:cNvPr id="45" name="타원 44">
-              <a:extLst>
-                <a:ext uri="{FF2B5EF4-FFF2-40B4-BE49-F238E27FC236}">
-                  <a16:creationId xmlns:a16="http://schemas.microsoft.com/office/drawing/2014/main" id="{D09512C1-D827-4EBE-3C12-5FA5F099FA28}"/>
-                </a:ext>
-              </a:extLst>
-            </p:cNvPr>
-            <p:cNvSpPr>
-              <a:spLocks noChangeAspect="1"/>
-            </p:cNvSpPr>
-            <p:nvPr/>
-          </p:nvSpPr>
-          <p:spPr>
-            <a:xfrm flipH="1">
-              <a:off x="1014452" y="1917198"/>
-              <a:ext cx="54500" cy="70233"/>
-            </a:xfrm>
-            <a:prstGeom prst="ellipse">
-              <a:avLst/>
-            </a:prstGeom>
-            <a:solidFill>
-              <a:schemeClr val="bg1"/>
-            </a:solidFill>
-          </p:spPr>
-          <p:style>
-            <a:lnRef idx="2">
-              <a:schemeClr val="dk1"/>
-            </a:lnRef>
-            <a:fillRef idx="1">
-              <a:schemeClr val="lt1"/>
-            </a:fillRef>
-            <a:effectRef idx="0">
-              <a:schemeClr val="dk1"/>
-            </a:effectRef>
-            <a:fontRef idx="minor">
-              <a:schemeClr val="dk1"/>
-            </a:fontRef>
-          </p:style>
-          <p:txBody>
-            <a:bodyPr rtlCol="0" anchor="ctr"/>
-            <a:lstStyle/>
-            <a:p>
-              <a:pPr marL="0" marR="0" lvl="0" indent="0" algn="ctr" defTabSz="914400" rtl="0" eaLnBrk="1" fontAlgn="auto" latinLnBrk="0" hangingPunct="1">
-                <a:lnSpc>
-                  <a:spcPct val="100000"/>
-                </a:lnSpc>
-                <a:spcBef>
-                  <a:spcPts val="0"/>
-                </a:spcBef>
-                <a:spcAft>
-                  <a:spcPts val="0"/>
-                </a:spcAft>
-                <a:buClrTx/>
-                <a:buSzTx/>
-                <a:buFontTx/>
-                <a:buNone/>
-                <a:tabLst/>
-                <a:defRPr/>
-              </a:pPr>
-              <a:endParaRPr kumimoji="0" lang="ko-KR" altLang="en-US" sz="2800" b="0" i="0" u="none" strike="noStrike" kern="1200" cap="none" spc="0" normalizeH="0" baseline="0" noProof="0">
-                <a:ln>
-                  <a:noFill/>
-                </a:ln>
-                <a:solidFill>
-                  <a:prstClr val="black"/>
-                </a:solidFill>
-                <a:effectLst/>
-                <a:uLnTx/>
-                <a:uFillTx/>
-                <a:latin typeface="맑은 고딕"/>
-                <a:ea typeface="+mn-ea"/>
-                <a:cs typeface="+mn-cs"/>
-              </a:endParaRPr>
-            </a:p>
-          </p:txBody>
-        </p:sp>
-        <p:sp>
-          <p:nvSpPr>
-            <p:cNvPr id="46" name="타원 45">
-              <a:extLst>
-                <a:ext uri="{FF2B5EF4-FFF2-40B4-BE49-F238E27FC236}">
-                  <a16:creationId xmlns:a16="http://schemas.microsoft.com/office/drawing/2014/main" id="{D96C2B42-D83F-9B90-EE97-002AF21242C9}"/>
-                </a:ext>
-              </a:extLst>
-            </p:cNvPr>
-            <p:cNvSpPr>
-              <a:spLocks noChangeAspect="1"/>
-            </p:cNvSpPr>
-            <p:nvPr/>
-          </p:nvSpPr>
-          <p:spPr>
-            <a:xfrm flipH="1">
-              <a:off x="6855155" y="4572106"/>
-              <a:ext cx="54500" cy="70233"/>
-            </a:xfrm>
-            <a:prstGeom prst="ellipse">
-              <a:avLst/>
-            </a:prstGeom>
-            <a:solidFill>
-              <a:schemeClr val="bg1"/>
-            </a:solidFill>
-          </p:spPr>
-          <p:style>
-            <a:lnRef idx="2">
-              <a:schemeClr val="dk1"/>
-            </a:lnRef>
-            <a:fillRef idx="1">
-              <a:schemeClr val="lt1"/>
-            </a:fillRef>
-            <a:effectRef idx="0">
-              <a:schemeClr val="dk1"/>
-            </a:effectRef>
-            <a:fontRef idx="minor">
-              <a:schemeClr val="dk1"/>
-            </a:fontRef>
-          </p:style>
-          <p:txBody>
-            <a:bodyPr rtlCol="0" anchor="ctr"/>
-            <a:lstStyle/>
-            <a:p>
-              <a:pPr marL="0" marR="0" lvl="0" indent="0" algn="ctr" defTabSz="914400" rtl="0" eaLnBrk="1" fontAlgn="auto" latinLnBrk="0" hangingPunct="1">
-                <a:lnSpc>
-                  <a:spcPct val="100000"/>
-                </a:lnSpc>
-                <a:spcBef>
-                  <a:spcPts val="0"/>
-                </a:spcBef>
-                <a:spcAft>
-                  <a:spcPts val="0"/>
-                </a:spcAft>
-                <a:buClrTx/>
-                <a:buSzTx/>
-                <a:buFontTx/>
-                <a:buNone/>
-                <a:tabLst/>
-                <a:defRPr/>
-              </a:pPr>
-              <a:endParaRPr kumimoji="0" lang="ko-KR" altLang="en-US" sz="2800" b="0" i="0" u="none" strike="noStrike" kern="1200" cap="none" spc="0" normalizeH="0" baseline="0" noProof="0">
-                <a:ln>
-                  <a:noFill/>
-                </a:ln>
-                <a:solidFill>
-                  <a:prstClr val="black"/>
-                </a:solidFill>
-                <a:effectLst/>
-                <a:uLnTx/>
-                <a:uFillTx/>
-                <a:latin typeface="맑은 고딕"/>
-                <a:ea typeface="+mn-ea"/>
-                <a:cs typeface="+mn-cs"/>
-              </a:endParaRPr>
-            </a:p>
-          </p:txBody>
-        </p:sp>
-        <p:cxnSp>
-          <p:nvCxnSpPr>
-            <p:cNvPr id="47" name="직선 화살표 연결선 46">
-              <a:extLst>
-                <a:ext uri="{FF2B5EF4-FFF2-40B4-BE49-F238E27FC236}">
-                  <a16:creationId xmlns:a16="http://schemas.microsoft.com/office/drawing/2014/main" id="{5A508A64-D568-A52B-180C-BE1DA9B76CD1}"/>
-                </a:ext>
-              </a:extLst>
-            </p:cNvPr>
-            <p:cNvCxnSpPr>
-              <a:cxnSpLocks/>
-              <a:stCxn id="45" idx="2"/>
-              <a:endCxn id="37" idx="1"/>
-            </p:cNvCxnSpPr>
-            <p:nvPr/>
-          </p:nvCxnSpPr>
-          <p:spPr>
-            <a:xfrm flipV="1">
-              <a:off x="1068952" y="1924010"/>
-              <a:ext cx="524322" cy="28305"/>
-            </a:xfrm>
-            <a:prstGeom prst="straightConnector1">
-              <a:avLst/>
-            </a:prstGeom>
-            <a:ln>
-              <a:solidFill>
-                <a:schemeClr val="tx1"/>
-              </a:solidFill>
-              <a:tailEnd type="triangle"/>
-            </a:ln>
-          </p:spPr>
-          <p:style>
-            <a:lnRef idx="1">
-              <a:schemeClr val="accent1"/>
-            </a:lnRef>
-            <a:fillRef idx="0">
-              <a:schemeClr val="accent1"/>
-            </a:fillRef>
-            <a:effectRef idx="0">
-              <a:schemeClr val="accent1"/>
-            </a:effectRef>
-            <a:fontRef idx="minor">
-              <a:schemeClr val="tx1"/>
-            </a:fontRef>
-          </p:style>
-        </p:cxnSp>
-        <p:sp>
-          <p:nvSpPr>
-            <p:cNvPr id="48" name="타원 47">
-              <a:extLst>
-                <a:ext uri="{FF2B5EF4-FFF2-40B4-BE49-F238E27FC236}">
-                  <a16:creationId xmlns:a16="http://schemas.microsoft.com/office/drawing/2014/main" id="{8BF5F93E-B28B-84AE-6154-AF21D6586D6D}"/>
-                </a:ext>
-              </a:extLst>
-            </p:cNvPr>
-            <p:cNvSpPr>
-              <a:spLocks noChangeAspect="1"/>
-            </p:cNvSpPr>
-            <p:nvPr/>
-          </p:nvSpPr>
-          <p:spPr>
-            <a:xfrm flipH="1">
-              <a:off x="1030019" y="5191351"/>
-              <a:ext cx="54500" cy="70233"/>
-            </a:xfrm>
-            <a:prstGeom prst="ellipse">
-              <a:avLst/>
-            </a:prstGeom>
-            <a:solidFill>
-              <a:schemeClr val="bg1"/>
-            </a:solidFill>
-          </p:spPr>
-          <p:style>
-            <a:lnRef idx="2">
-              <a:schemeClr val="dk1"/>
-            </a:lnRef>
-            <a:fillRef idx="1">
-              <a:schemeClr val="lt1"/>
-            </a:fillRef>
-            <a:effectRef idx="0">
-              <a:schemeClr val="dk1"/>
-            </a:effectRef>
-            <a:fontRef idx="minor">
-              <a:schemeClr val="dk1"/>
-            </a:fontRef>
-          </p:style>
-          <p:txBody>
-            <a:bodyPr rtlCol="0" anchor="ctr"/>
-            <a:lstStyle/>
-            <a:p>
-              <a:pPr marL="0" marR="0" lvl="0" indent="0" algn="ctr" defTabSz="914400" rtl="0" eaLnBrk="1" fontAlgn="auto" latinLnBrk="0" hangingPunct="1">
-                <a:lnSpc>
-                  <a:spcPct val="100000"/>
-                </a:lnSpc>
-                <a:spcBef>
-                  <a:spcPts val="0"/>
-                </a:spcBef>
-                <a:spcAft>
-                  <a:spcPts val="0"/>
-                </a:spcAft>
-                <a:buClrTx/>
-                <a:buSzTx/>
-                <a:buFontTx/>
-                <a:buNone/>
-                <a:tabLst/>
-                <a:defRPr/>
-              </a:pPr>
-              <a:endParaRPr kumimoji="0" lang="ko-KR" altLang="en-US" sz="2800" b="0" i="0" u="none" strike="noStrike" kern="1200" cap="none" spc="0" normalizeH="0" baseline="0" noProof="0">
-                <a:ln>
-                  <a:noFill/>
-                </a:ln>
-                <a:solidFill>
-                  <a:prstClr val="black"/>
-                </a:solidFill>
-                <a:effectLst/>
-                <a:uLnTx/>
-                <a:uFillTx/>
-                <a:latin typeface="맑은 고딕"/>
-                <a:ea typeface="+mn-ea"/>
-                <a:cs typeface="+mn-cs"/>
-              </a:endParaRPr>
-            </a:p>
-          </p:txBody>
-        </p:sp>
-        <p:cxnSp>
-          <p:nvCxnSpPr>
-            <p:cNvPr id="49" name="직선 화살표 연결선 48">
-              <a:extLst>
-                <a:ext uri="{FF2B5EF4-FFF2-40B4-BE49-F238E27FC236}">
-                  <a16:creationId xmlns:a16="http://schemas.microsoft.com/office/drawing/2014/main" id="{33AA2822-8BA0-96A7-EE57-EC740235F397}"/>
-                </a:ext>
-              </a:extLst>
-            </p:cNvPr>
-            <p:cNvCxnSpPr>
-              <a:cxnSpLocks/>
-              <a:stCxn id="48" idx="2"/>
-              <a:endCxn id="42" idx="1"/>
-            </p:cNvCxnSpPr>
-            <p:nvPr/>
-          </p:nvCxnSpPr>
-          <p:spPr>
-            <a:xfrm>
-              <a:off x="1084519" y="5226468"/>
-              <a:ext cx="501433" cy="3686"/>
-            </a:xfrm>
-            <a:prstGeom prst="straightConnector1">
-              <a:avLst/>
-            </a:prstGeom>
-            <a:ln>
-              <a:solidFill>
-                <a:schemeClr val="tx1"/>
-              </a:solidFill>
-              <a:tailEnd type="triangle"/>
-            </a:ln>
-          </p:spPr>
-          <p:style>
-            <a:lnRef idx="1">
-              <a:schemeClr val="accent1"/>
-            </a:lnRef>
-            <a:fillRef idx="0">
-              <a:schemeClr val="accent1"/>
-            </a:fillRef>
-            <a:effectRef idx="0">
-              <a:schemeClr val="accent1"/>
-            </a:effectRef>
-            <a:fontRef idx="minor">
-              <a:schemeClr val="tx1"/>
-            </a:fontRef>
-          </p:style>
-        </p:cxnSp>
-        <p:cxnSp>
-          <p:nvCxnSpPr>
-            <p:cNvPr id="50" name="직선 화살표 연결선 49">
-              <a:extLst>
-                <a:ext uri="{FF2B5EF4-FFF2-40B4-BE49-F238E27FC236}">
-                  <a16:creationId xmlns:a16="http://schemas.microsoft.com/office/drawing/2014/main" id="{9E2D2338-F3EA-9245-2DC8-DB50148DBB00}"/>
-                </a:ext>
-              </a:extLst>
-            </p:cNvPr>
-            <p:cNvCxnSpPr>
-              <a:cxnSpLocks/>
-              <a:stCxn id="45" idx="2"/>
-              <a:endCxn id="43" idx="1"/>
-            </p:cNvCxnSpPr>
-            <p:nvPr/>
-          </p:nvCxnSpPr>
-          <p:spPr>
-            <a:xfrm>
-              <a:off x="1068952" y="1952315"/>
-              <a:ext cx="517000" cy="597403"/>
-            </a:xfrm>
-            <a:prstGeom prst="straightConnector1">
-              <a:avLst/>
-            </a:prstGeom>
-            <a:ln>
-              <a:solidFill>
-                <a:schemeClr val="tx1"/>
-              </a:solidFill>
-              <a:tailEnd type="triangle"/>
-            </a:ln>
-          </p:spPr>
-          <p:style>
-            <a:lnRef idx="1">
-              <a:schemeClr val="accent1"/>
-            </a:lnRef>
-            <a:fillRef idx="0">
-              <a:schemeClr val="accent1"/>
-            </a:fillRef>
-            <a:effectRef idx="0">
-              <a:schemeClr val="accent1"/>
-            </a:effectRef>
-            <a:fontRef idx="minor">
-              <a:schemeClr val="tx1"/>
-            </a:fontRef>
-          </p:style>
-        </p:cxnSp>
-        <p:cxnSp>
-          <p:nvCxnSpPr>
-            <p:cNvPr id="51" name="직선 화살표 연결선 50">
-              <a:extLst>
-                <a:ext uri="{FF2B5EF4-FFF2-40B4-BE49-F238E27FC236}">
-                  <a16:creationId xmlns:a16="http://schemas.microsoft.com/office/drawing/2014/main" id="{4057FC4C-8D9B-F6E6-1341-1E7EA31E26C6}"/>
-                </a:ext>
-              </a:extLst>
-            </p:cNvPr>
-            <p:cNvCxnSpPr>
-              <a:cxnSpLocks/>
-              <a:stCxn id="45" idx="2"/>
-              <a:endCxn id="38" idx="1"/>
-            </p:cNvCxnSpPr>
-            <p:nvPr/>
-          </p:nvCxnSpPr>
-          <p:spPr>
-            <a:xfrm>
-              <a:off x="1068952" y="1952315"/>
-              <a:ext cx="524322" cy="1233289"/>
-            </a:xfrm>
-            <a:prstGeom prst="straightConnector1">
-              <a:avLst/>
-            </a:prstGeom>
-            <a:ln>
-              <a:solidFill>
-                <a:schemeClr val="tx1"/>
-              </a:solidFill>
-              <a:tailEnd type="triangle"/>
-            </a:ln>
-          </p:spPr>
-          <p:style>
-            <a:lnRef idx="1">
-              <a:schemeClr val="accent1"/>
-            </a:lnRef>
-            <a:fillRef idx="0">
-              <a:schemeClr val="accent1"/>
-            </a:fillRef>
-            <a:effectRef idx="0">
-              <a:schemeClr val="accent1"/>
-            </a:effectRef>
-            <a:fontRef idx="minor">
-              <a:schemeClr val="tx1"/>
-            </a:fontRef>
-          </p:style>
-        </p:cxnSp>
-        <p:cxnSp>
-          <p:nvCxnSpPr>
-            <p:cNvPr id="52" name="연결선: 꺾임 51">
-              <a:extLst>
-                <a:ext uri="{FF2B5EF4-FFF2-40B4-BE49-F238E27FC236}">
-                  <a16:creationId xmlns:a16="http://schemas.microsoft.com/office/drawing/2014/main" id="{F7283CC6-0A6D-364B-E1C0-8AB86E8EF33E}"/>
-                </a:ext>
-              </a:extLst>
-            </p:cNvPr>
-            <p:cNvCxnSpPr>
-              <a:stCxn id="37" idx="3"/>
-              <a:endCxn id="36" idx="1"/>
-            </p:cNvCxnSpPr>
-            <p:nvPr/>
-          </p:nvCxnSpPr>
-          <p:spPr>
-            <a:xfrm>
-              <a:off x="3383976" y="1924010"/>
-              <a:ext cx="386000" cy="623570"/>
-            </a:xfrm>
-            <a:prstGeom prst="bentConnector3">
-              <a:avLst/>
-            </a:prstGeom>
-            <a:ln>
-              <a:prstDash val="sysDot"/>
-              <a:tailEnd type="triangle"/>
-            </a:ln>
-          </p:spPr>
-          <p:style>
-            <a:lnRef idx="1">
-              <a:schemeClr val="dk1"/>
-            </a:lnRef>
-            <a:fillRef idx="0">
-              <a:schemeClr val="dk1"/>
-            </a:fillRef>
-            <a:effectRef idx="0">
-              <a:schemeClr val="dk1"/>
-            </a:effectRef>
-            <a:fontRef idx="minor">
-              <a:schemeClr val="tx1"/>
-            </a:fontRef>
-          </p:style>
-        </p:cxnSp>
-        <p:cxnSp>
-          <p:nvCxnSpPr>
-            <p:cNvPr id="53" name="연결선: 꺾임 52">
-              <a:extLst>
-                <a:ext uri="{FF2B5EF4-FFF2-40B4-BE49-F238E27FC236}">
-                  <a16:creationId xmlns:a16="http://schemas.microsoft.com/office/drawing/2014/main" id="{A4EA36AD-62C7-5398-11B8-68E5032A6EE2}"/>
-                </a:ext>
-              </a:extLst>
-            </p:cNvPr>
-            <p:cNvCxnSpPr>
-              <a:cxnSpLocks/>
-              <a:stCxn id="38" idx="3"/>
-              <a:endCxn id="36" idx="1"/>
-            </p:cNvCxnSpPr>
-            <p:nvPr/>
-          </p:nvCxnSpPr>
-          <p:spPr>
-            <a:xfrm flipV="1">
-              <a:off x="3383976" y="2547580"/>
-              <a:ext cx="386000" cy="638025"/>
-            </a:xfrm>
-            <a:prstGeom prst="bentConnector3">
-              <a:avLst/>
-            </a:prstGeom>
-            <a:ln>
-              <a:prstDash val="sysDot"/>
-              <a:tailEnd type="triangle"/>
-            </a:ln>
-          </p:spPr>
-          <p:style>
-            <a:lnRef idx="1">
-              <a:schemeClr val="dk1"/>
-            </a:lnRef>
-            <a:fillRef idx="0">
-              <a:schemeClr val="dk1"/>
-            </a:fillRef>
-            <a:effectRef idx="0">
-              <a:schemeClr val="dk1"/>
-            </a:effectRef>
-            <a:fontRef idx="minor">
-              <a:schemeClr val="tx1"/>
-            </a:fontRef>
-          </p:style>
-        </p:cxnSp>
-        <p:cxnSp>
-          <p:nvCxnSpPr>
-            <p:cNvPr id="54" name="직선 화살표 연결선 53">
-              <a:extLst>
-                <a:ext uri="{FF2B5EF4-FFF2-40B4-BE49-F238E27FC236}">
-                  <a16:creationId xmlns:a16="http://schemas.microsoft.com/office/drawing/2014/main" id="{6AB67EB2-F8FB-3972-0715-5470C9AC54FD}"/>
-                </a:ext>
-              </a:extLst>
-            </p:cNvPr>
-            <p:cNvCxnSpPr>
-              <a:stCxn id="43" idx="3"/>
-              <a:endCxn id="36" idx="1"/>
-            </p:cNvCxnSpPr>
-            <p:nvPr/>
-          </p:nvCxnSpPr>
-          <p:spPr>
-            <a:xfrm flipV="1">
-              <a:off x="2833355" y="2547580"/>
-              <a:ext cx="936621" cy="2138"/>
-            </a:xfrm>
-            <a:prstGeom prst="straightConnector1">
-              <a:avLst/>
-            </a:prstGeom>
-            <a:ln>
-              <a:prstDash val="sysDot"/>
-              <a:tailEnd type="triangle"/>
-            </a:ln>
-          </p:spPr>
-          <p:style>
-            <a:lnRef idx="1">
-              <a:schemeClr val="dk1"/>
-            </a:lnRef>
-            <a:fillRef idx="0">
-              <a:schemeClr val="dk1"/>
-            </a:fillRef>
-            <a:effectRef idx="0">
-              <a:schemeClr val="dk1"/>
-            </a:effectRef>
-            <a:fontRef idx="minor">
-              <a:schemeClr val="tx1"/>
-            </a:fontRef>
-          </p:style>
-        </p:cxnSp>
-        <p:cxnSp>
-          <p:nvCxnSpPr>
-            <p:cNvPr id="55" name="연결선: 꺾임 54">
-              <a:extLst>
-                <a:ext uri="{FF2B5EF4-FFF2-40B4-BE49-F238E27FC236}">
-                  <a16:creationId xmlns:a16="http://schemas.microsoft.com/office/drawing/2014/main" id="{6CAC4C74-20DE-A613-DA86-ED2CFDE53858}"/>
-                </a:ext>
-              </a:extLst>
-            </p:cNvPr>
-            <p:cNvCxnSpPr>
-              <a:cxnSpLocks/>
-              <a:stCxn id="36" idx="2"/>
-              <a:endCxn id="41" idx="0"/>
-            </p:cNvCxnSpPr>
-            <p:nvPr/>
-          </p:nvCxnSpPr>
-          <p:spPr>
-            <a:xfrm rot="5400000">
-              <a:off x="3242021" y="2343209"/>
-              <a:ext cx="1516445" cy="2462447"/>
-            </a:xfrm>
-            <a:prstGeom prst="bentConnector3">
-              <a:avLst>
-                <a:gd name="adj1" fmla="val 50000"/>
-              </a:avLst>
-            </a:prstGeom>
-            <a:ln>
-              <a:prstDash val="sysDot"/>
-              <a:tailEnd type="triangle"/>
-            </a:ln>
-          </p:spPr>
-          <p:style>
-            <a:lnRef idx="1">
-              <a:schemeClr val="dk1"/>
-            </a:lnRef>
-            <a:fillRef idx="0">
-              <a:schemeClr val="dk1"/>
-            </a:fillRef>
-            <a:effectRef idx="0">
-              <a:schemeClr val="dk1"/>
-            </a:effectRef>
-            <a:fontRef idx="minor">
-              <a:schemeClr val="tx1"/>
-            </a:fontRef>
-          </p:style>
-        </p:cxnSp>
-        <p:cxnSp>
-          <p:nvCxnSpPr>
-            <p:cNvPr id="56" name="연결선: 꺾임 55">
-              <a:extLst>
-                <a:ext uri="{FF2B5EF4-FFF2-40B4-BE49-F238E27FC236}">
-                  <a16:creationId xmlns:a16="http://schemas.microsoft.com/office/drawing/2014/main" id="{D195A5F1-AFB1-CB4D-F3B1-C693B673B130}"/>
-                </a:ext>
-              </a:extLst>
-            </p:cNvPr>
-            <p:cNvCxnSpPr>
-              <a:cxnSpLocks/>
-              <a:stCxn id="42" idx="2"/>
-              <a:endCxn id="35" idx="1"/>
-            </p:cNvCxnSpPr>
-            <p:nvPr/>
-          </p:nvCxnSpPr>
-          <p:spPr>
-            <a:xfrm rot="5400000" flipH="1" flipV="1">
-              <a:off x="3485041" y="3243867"/>
-              <a:ext cx="897500" cy="3612335"/>
-            </a:xfrm>
-            <a:prstGeom prst="bentConnector4">
-              <a:avLst>
-                <a:gd name="adj1" fmla="val -36141"/>
-                <a:gd name="adj2" fmla="val 96631"/>
-              </a:avLst>
-            </a:prstGeom>
-            <a:ln>
-              <a:prstDash val="sysDot"/>
-              <a:tailEnd type="triangle"/>
-            </a:ln>
-          </p:spPr>
-          <p:style>
-            <a:lnRef idx="1">
-              <a:schemeClr val="dk1"/>
-            </a:lnRef>
-            <a:fillRef idx="0">
-              <a:schemeClr val="dk1"/>
-            </a:fillRef>
-            <a:effectRef idx="0">
-              <a:schemeClr val="dk1"/>
-            </a:effectRef>
-            <a:fontRef idx="minor">
-              <a:schemeClr val="tx1"/>
-            </a:fontRef>
-          </p:style>
-        </p:cxnSp>
-        <p:cxnSp>
-          <p:nvCxnSpPr>
-            <p:cNvPr id="57" name="직선 화살표 연결선 56">
-              <a:extLst>
-                <a:ext uri="{FF2B5EF4-FFF2-40B4-BE49-F238E27FC236}">
-                  <a16:creationId xmlns:a16="http://schemas.microsoft.com/office/drawing/2014/main" id="{E7401A90-4E66-C90A-96EC-CCC5448E7804}"/>
-                </a:ext>
-              </a:extLst>
-            </p:cNvPr>
-            <p:cNvCxnSpPr>
-              <a:cxnSpLocks/>
-              <a:stCxn id="41" idx="3"/>
-              <a:endCxn id="35" idx="1"/>
-            </p:cNvCxnSpPr>
-            <p:nvPr/>
-          </p:nvCxnSpPr>
-          <p:spPr>
-            <a:xfrm>
-              <a:off x="3944765" y="4601285"/>
-              <a:ext cx="1795194" cy="0"/>
-            </a:xfrm>
-            <a:prstGeom prst="straightConnector1">
-              <a:avLst/>
-            </a:prstGeom>
-            <a:ln>
-              <a:prstDash val="sysDot"/>
-              <a:tailEnd type="triangle"/>
-            </a:ln>
-          </p:spPr>
-          <p:style>
-            <a:lnRef idx="1">
-              <a:schemeClr val="dk1"/>
-            </a:lnRef>
-            <a:fillRef idx="0">
-              <a:schemeClr val="dk1"/>
-            </a:fillRef>
-            <a:effectRef idx="0">
-              <a:schemeClr val="dk1"/>
-            </a:effectRef>
-            <a:fontRef idx="minor">
-              <a:schemeClr val="tx1"/>
-            </a:fontRef>
-          </p:style>
-        </p:cxnSp>
-        <p:cxnSp>
-          <p:nvCxnSpPr>
-            <p:cNvPr id="58" name="연결선: 꺾임 57">
-              <a:extLst>
-                <a:ext uri="{FF2B5EF4-FFF2-40B4-BE49-F238E27FC236}">
-                  <a16:creationId xmlns:a16="http://schemas.microsoft.com/office/drawing/2014/main" id="{766678A7-1007-A9D5-84D1-D2B2622549C9}"/>
-                </a:ext>
-              </a:extLst>
-            </p:cNvPr>
-            <p:cNvCxnSpPr>
-              <a:cxnSpLocks/>
-              <a:stCxn id="40" idx="3"/>
-              <a:endCxn id="35" idx="1"/>
-            </p:cNvCxnSpPr>
-            <p:nvPr/>
-          </p:nvCxnSpPr>
-          <p:spPr>
-            <a:xfrm flipV="1">
-              <a:off x="5498011" y="4601285"/>
-              <a:ext cx="241948" cy="630754"/>
-            </a:xfrm>
-            <a:prstGeom prst="bentConnector3">
-              <a:avLst>
-                <a:gd name="adj1" fmla="val 50000"/>
-              </a:avLst>
-            </a:prstGeom>
-            <a:ln>
-              <a:prstDash val="sysDot"/>
-              <a:tailEnd type="triangle"/>
-            </a:ln>
-          </p:spPr>
-          <p:style>
-            <a:lnRef idx="1">
-              <a:schemeClr val="dk1"/>
-            </a:lnRef>
-            <a:fillRef idx="0">
-              <a:schemeClr val="dk1"/>
-            </a:fillRef>
-            <a:effectRef idx="0">
-              <a:schemeClr val="dk1"/>
-            </a:effectRef>
-            <a:fontRef idx="minor">
-              <a:schemeClr val="tx1"/>
-            </a:fontRef>
-          </p:style>
-        </p:cxnSp>
-        <p:cxnSp>
-          <p:nvCxnSpPr>
-            <p:cNvPr id="59" name="연결선: 꺾임 58">
-              <a:extLst>
-                <a:ext uri="{FF2B5EF4-FFF2-40B4-BE49-F238E27FC236}">
-                  <a16:creationId xmlns:a16="http://schemas.microsoft.com/office/drawing/2014/main" id="{164137EB-FD27-DABA-3DEA-317ED367A835}"/>
-                </a:ext>
-              </a:extLst>
-            </p:cNvPr>
-            <p:cNvCxnSpPr>
-              <a:cxnSpLocks/>
-              <a:stCxn id="39" idx="3"/>
-              <a:endCxn id="35" idx="1"/>
-            </p:cNvCxnSpPr>
-            <p:nvPr/>
-          </p:nvCxnSpPr>
-          <p:spPr>
-            <a:xfrm>
-              <a:off x="5498011" y="3970443"/>
-              <a:ext cx="241948" cy="630842"/>
-            </a:xfrm>
-            <a:prstGeom prst="bentConnector3">
-              <a:avLst>
-                <a:gd name="adj1" fmla="val 50000"/>
-              </a:avLst>
-            </a:prstGeom>
-            <a:ln>
-              <a:prstDash val="sysDot"/>
-              <a:tailEnd type="triangle"/>
-            </a:ln>
-          </p:spPr>
-          <p:style>
-            <a:lnRef idx="1">
-              <a:schemeClr val="dk1"/>
-            </a:lnRef>
-            <a:fillRef idx="0">
-              <a:schemeClr val="dk1"/>
-            </a:fillRef>
-            <a:effectRef idx="0">
-              <a:schemeClr val="dk1"/>
-            </a:effectRef>
-            <a:fontRef idx="minor">
-              <a:schemeClr val="tx1"/>
-            </a:fontRef>
-          </p:style>
-        </p:cxnSp>
-        <p:cxnSp>
-          <p:nvCxnSpPr>
-            <p:cNvPr id="60" name="직선 화살표 연결선 59">
-              <a:extLst>
-                <a:ext uri="{FF2B5EF4-FFF2-40B4-BE49-F238E27FC236}">
-                  <a16:creationId xmlns:a16="http://schemas.microsoft.com/office/drawing/2014/main" id="{EA474301-A07B-89CC-B268-DD06296810B3}"/>
-                </a:ext>
-              </a:extLst>
-            </p:cNvPr>
-            <p:cNvCxnSpPr>
-              <a:cxnSpLocks/>
-              <a:stCxn id="41" idx="3"/>
-              <a:endCxn id="39" idx="1"/>
-            </p:cNvCxnSpPr>
-            <p:nvPr/>
-          </p:nvCxnSpPr>
-          <p:spPr>
-            <a:xfrm flipV="1">
-              <a:off x="3944765" y="3970443"/>
-              <a:ext cx="350021" cy="630842"/>
-            </a:xfrm>
-            <a:prstGeom prst="straightConnector1">
-              <a:avLst/>
-            </a:prstGeom>
-            <a:ln>
-              <a:prstDash val="sysDot"/>
-              <a:tailEnd type="triangle"/>
-            </a:ln>
-          </p:spPr>
-          <p:style>
-            <a:lnRef idx="1">
-              <a:schemeClr val="dk1"/>
-            </a:lnRef>
-            <a:fillRef idx="0">
-              <a:schemeClr val="dk1"/>
-            </a:fillRef>
-            <a:effectRef idx="0">
-              <a:schemeClr val="dk1"/>
-            </a:effectRef>
-            <a:fontRef idx="minor">
-              <a:schemeClr val="tx1"/>
-            </a:fontRef>
-          </p:style>
-        </p:cxnSp>
-        <p:cxnSp>
-          <p:nvCxnSpPr>
-            <p:cNvPr id="61" name="직선 화살표 연결선 60">
-              <a:extLst>
-                <a:ext uri="{FF2B5EF4-FFF2-40B4-BE49-F238E27FC236}">
-                  <a16:creationId xmlns:a16="http://schemas.microsoft.com/office/drawing/2014/main" id="{D7AD9D32-002A-5D6F-2D21-ED20E09C4096}"/>
-                </a:ext>
-              </a:extLst>
-            </p:cNvPr>
-            <p:cNvCxnSpPr>
-              <a:cxnSpLocks/>
-              <a:stCxn id="41" idx="3"/>
-              <a:endCxn id="40" idx="1"/>
-            </p:cNvCxnSpPr>
-            <p:nvPr/>
-          </p:nvCxnSpPr>
-          <p:spPr>
-            <a:xfrm>
-              <a:off x="3944765" y="4601285"/>
-              <a:ext cx="350021" cy="630754"/>
-            </a:xfrm>
-            <a:prstGeom prst="straightConnector1">
-              <a:avLst/>
-            </a:prstGeom>
-            <a:ln>
-              <a:prstDash val="sysDot"/>
-              <a:tailEnd type="triangle"/>
-            </a:ln>
-          </p:spPr>
-          <p:style>
-            <a:lnRef idx="1">
-              <a:schemeClr val="dk1"/>
-            </a:lnRef>
-            <a:fillRef idx="0">
-              <a:schemeClr val="dk1"/>
-            </a:fillRef>
-            <a:effectRef idx="0">
-              <a:schemeClr val="dk1"/>
-            </a:effectRef>
-            <a:fontRef idx="minor">
-              <a:schemeClr val="tx1"/>
-            </a:fontRef>
-          </p:style>
-        </p:cxnSp>
-      </p:grpSp>
-      <p:sp>
-        <p:nvSpPr>
-          <p:cNvPr id="62" name="TextBox 61">
-            <a:extLst>
-              <a:ext uri="{FF2B5EF4-FFF2-40B4-BE49-F238E27FC236}">
-                <a16:creationId xmlns:a16="http://schemas.microsoft.com/office/drawing/2014/main" id="{D98B7CF5-4C42-D2A5-8293-EEFD407B09F9}"/>
-              </a:ext>
-            </a:extLst>
-          </p:cNvPr>
-          <p:cNvSpPr txBox="1"/>
-          <p:nvPr/>
-        </p:nvSpPr>
-        <p:spPr>
-          <a:xfrm>
-            <a:off x="6384693" y="4801630"/>
-            <a:ext cx="697557" cy="415498"/>
-          </a:xfrm>
-          <a:prstGeom prst="rect">
-            <a:avLst/>
-          </a:prstGeom>
-          <a:noFill/>
-        </p:spPr>
-        <p:txBody>
-          <a:bodyPr wrap="square" rtlCol="0">
-            <a:spAutoFit/>
-          </a:bodyPr>
-          <a:lstStyle>
-            <a:defPPr>
-              <a:defRPr lang="ko-KR"/>
-            </a:defPPr>
-            <a:lvl1pPr>
-              <a:defRPr sz="1000"/>
-            </a:lvl1pPr>
-          </a:lstStyle>
-          <a:p>
-            <a:pPr marL="0" marR="0" lvl="0" indent="0" algn="l" defTabSz="914400" rtl="0" eaLnBrk="1" fontAlgn="auto" latinLnBrk="0" hangingPunct="1">
-              <a:lnSpc>
-                <a:spcPct val="100000"/>
-              </a:lnSpc>
-              <a:spcBef>
-                <a:spcPts val="0"/>
-              </a:spcBef>
-              <a:spcAft>
-                <a:spcPts val="0"/>
-              </a:spcAft>
-              <a:buClrTx/>
-              <a:buSzTx/>
-              <a:buFontTx/>
-              <a:buNone/>
-              <a:tabLst/>
-              <a:defRPr/>
-            </a:pPr>
-            <a:r>
-              <a:rPr kumimoji="0" lang="en-US" altLang="ko-KR" sz="700" b="0" i="0" u="none" strike="noStrike" kern="1200" cap="none" spc="0" normalizeH="0" baseline="0" noProof="0" dirty="0">
-                <a:ln>
-                  <a:noFill/>
-                </a:ln>
-                <a:solidFill>
-                  <a:prstClr val="white"/>
-                </a:solidFill>
-                <a:effectLst/>
-                <a:uLnTx/>
-                <a:uFillTx/>
-                <a:latin typeface="맑은 고딕"/>
-                <a:ea typeface="+mn-ea"/>
-                <a:cs typeface="+mn-cs"/>
-              </a:rPr>
-              <a:t>End Body</a:t>
-            </a:r>
-          </a:p>
-          <a:p>
-            <a:pPr marL="0" marR="0" lvl="0" indent="0" algn="l" defTabSz="914400" rtl="0" eaLnBrk="1" fontAlgn="auto" latinLnBrk="0" hangingPunct="1">
-              <a:lnSpc>
-                <a:spcPct val="100000"/>
-              </a:lnSpc>
-              <a:spcBef>
-                <a:spcPts val="0"/>
-              </a:spcBef>
-              <a:spcAft>
-                <a:spcPts val="0"/>
-              </a:spcAft>
-              <a:buClrTx/>
-              <a:buSzTx/>
-              <a:buFontTx/>
-              <a:buNone/>
-              <a:tabLst/>
-              <a:defRPr/>
-            </a:pPr>
-            <a:r>
-              <a:rPr kumimoji="0" lang="en-US" altLang="ko-KR" sz="700" b="0" i="0" u="none" strike="noStrike" kern="1200" cap="none" spc="0" normalizeH="0" baseline="0" noProof="0" dirty="0">
-                <a:ln>
-                  <a:noFill/>
-                </a:ln>
-                <a:solidFill>
-                  <a:prstClr val="white"/>
-                </a:solidFill>
-                <a:effectLst/>
-                <a:uLnTx/>
-                <a:uFillTx/>
-                <a:latin typeface="맑은 고딕"/>
-                <a:ea typeface="+mn-ea"/>
-                <a:cs typeface="+mn-cs"/>
-              </a:rPr>
-              <a:t>(System Write Port)</a:t>
-            </a:r>
-            <a:endParaRPr kumimoji="0" lang="ko-KR" altLang="en-US" sz="700" b="0" i="0" u="none" strike="noStrike" kern="1200" cap="none" spc="0" normalizeH="0" baseline="0" noProof="0" dirty="0">
-              <a:ln>
-                <a:noFill/>
-              </a:ln>
-              <a:solidFill>
-                <a:prstClr val="white"/>
-              </a:solidFill>
-              <a:effectLst/>
-              <a:uLnTx/>
-              <a:uFillTx/>
-              <a:latin typeface="맑은 고딕"/>
-              <a:ea typeface="+mn-ea"/>
-              <a:cs typeface="+mn-cs"/>
-            </a:endParaRPr>
-          </a:p>
-        </p:txBody>
-      </p:sp>
-      <p:cxnSp>
-        <p:nvCxnSpPr>
-          <p:cNvPr id="63" name="직선 화살표 연결선 62">
-            <a:extLst>
-              <a:ext uri="{FF2B5EF4-FFF2-40B4-BE49-F238E27FC236}">
-                <a16:creationId xmlns:a16="http://schemas.microsoft.com/office/drawing/2014/main" id="{6AABEB46-8069-3146-58A8-534FD5F8BB12}"/>
-              </a:ext>
-            </a:extLst>
-          </p:cNvPr>
-          <p:cNvCxnSpPr>
-            <a:cxnSpLocks/>
-            <a:stCxn id="30" idx="2"/>
-            <a:endCxn id="24" idx="1"/>
-          </p:cNvCxnSpPr>
-          <p:nvPr/>
-        </p:nvCxnSpPr>
-        <p:spPr>
-          <a:xfrm flipV="1">
-            <a:off x="8068751" y="4162084"/>
-            <a:ext cx="468166" cy="456272"/>
-          </a:xfrm>
-          <a:prstGeom prst="straightConnector1">
-            <a:avLst/>
-          </a:prstGeom>
-          <a:ln>
-            <a:solidFill>
-              <a:schemeClr val="tx1"/>
-            </a:solidFill>
-            <a:tailEnd type="triangle"/>
-          </a:ln>
-        </p:spPr>
-        <p:style>
-          <a:lnRef idx="1">
-            <a:schemeClr val="accent1"/>
-          </a:lnRef>
-          <a:fillRef idx="0">
-            <a:schemeClr val="accent1"/>
-          </a:fillRef>
-          <a:effectRef idx="0">
-            <a:schemeClr val="accent1"/>
-          </a:effectRef>
-          <a:fontRef idx="minor">
-            <a:schemeClr val="tx1"/>
-          </a:fontRef>
-        </p:style>
-      </p:cxnSp>
-      <p:cxnSp>
-        <p:nvCxnSpPr>
-          <p:cNvPr id="64" name="직선 화살표 연결선 63">
-            <a:extLst>
-              <a:ext uri="{FF2B5EF4-FFF2-40B4-BE49-F238E27FC236}">
-                <a16:creationId xmlns:a16="http://schemas.microsoft.com/office/drawing/2014/main" id="{C4775C73-9AFD-C279-CD4D-210427F3AA0A}"/>
-              </a:ext>
-            </a:extLst>
-          </p:cNvPr>
-          <p:cNvCxnSpPr>
-            <a:cxnSpLocks/>
-            <a:stCxn id="24" idx="3"/>
-            <a:endCxn id="28" idx="1"/>
-          </p:cNvCxnSpPr>
-          <p:nvPr/>
-        </p:nvCxnSpPr>
-        <p:spPr>
-          <a:xfrm flipV="1">
-            <a:off x="10157276" y="4162083"/>
-            <a:ext cx="223498" cy="1"/>
-          </a:xfrm>
-          <a:prstGeom prst="straightConnector1">
-            <a:avLst/>
-          </a:prstGeom>
-          <a:ln>
-            <a:prstDash val="sysDot"/>
-            <a:tailEnd type="triangle"/>
-          </a:ln>
-        </p:spPr>
-        <p:style>
-          <a:lnRef idx="1">
-            <a:schemeClr val="dk1"/>
-          </a:lnRef>
-          <a:fillRef idx="0">
-            <a:schemeClr val="dk1"/>
-          </a:fillRef>
-          <a:effectRef idx="0">
-            <a:schemeClr val="dk1"/>
-          </a:effectRef>
-          <a:fontRef idx="minor">
-            <a:schemeClr val="tx1"/>
-          </a:fontRef>
-        </p:style>
-      </p:cxnSp>
-      <p:cxnSp>
-        <p:nvCxnSpPr>
-          <p:cNvPr id="65" name="연결선: 꺾임 64">
-            <a:extLst>
-              <a:ext uri="{FF2B5EF4-FFF2-40B4-BE49-F238E27FC236}">
-                <a16:creationId xmlns:a16="http://schemas.microsoft.com/office/drawing/2014/main" id="{637B8A10-434E-5F1A-BD29-2950D3D859BD}"/>
-              </a:ext>
-            </a:extLst>
-          </p:cNvPr>
-          <p:cNvCxnSpPr>
-            <a:cxnSpLocks/>
-            <a:stCxn id="28" idx="2"/>
-            <a:endCxn id="26" idx="0"/>
-          </p:cNvCxnSpPr>
-          <p:nvPr/>
-        </p:nvCxnSpPr>
-        <p:spPr>
-          <a:xfrm rot="5400000">
-            <a:off x="9803268" y="3639081"/>
-            <a:ext cx="239238" cy="1559135"/>
-          </a:xfrm>
-          <a:prstGeom prst="bentConnector3">
-            <a:avLst>
-              <a:gd name="adj1" fmla="val 50000"/>
-            </a:avLst>
-          </a:prstGeom>
-          <a:ln>
-            <a:prstDash val="sysDot"/>
-            <a:tailEnd type="triangle"/>
-          </a:ln>
-        </p:spPr>
-        <p:style>
-          <a:lnRef idx="1">
-            <a:schemeClr val="dk1"/>
-          </a:lnRef>
-          <a:fillRef idx="0">
-            <a:schemeClr val="dk1"/>
-          </a:fillRef>
-          <a:effectRef idx="0">
-            <a:schemeClr val="dk1"/>
-          </a:effectRef>
-          <a:fontRef idx="minor">
-            <a:schemeClr val="tx1"/>
-          </a:fontRef>
-        </p:style>
-      </p:cxnSp>
-      <p:cxnSp>
-        <p:nvCxnSpPr>
-          <p:cNvPr id="66" name="연결선: 꺾임 65">
-            <a:extLst>
-              <a:ext uri="{FF2B5EF4-FFF2-40B4-BE49-F238E27FC236}">
-                <a16:creationId xmlns:a16="http://schemas.microsoft.com/office/drawing/2014/main" id="{2272AA16-5D2C-E264-BA60-84E39079AF8D}"/>
-              </a:ext>
-            </a:extLst>
-          </p:cNvPr>
-          <p:cNvCxnSpPr>
-            <a:cxnSpLocks/>
-            <a:stCxn id="26" idx="3"/>
-            <a:endCxn id="23" idx="0"/>
-          </p:cNvCxnSpPr>
-          <p:nvPr/>
-        </p:nvCxnSpPr>
-        <p:spPr>
-          <a:xfrm>
-            <a:off x="9749721" y="4675214"/>
-            <a:ext cx="668010" cy="262864"/>
-          </a:xfrm>
-          <a:prstGeom prst="bentConnector2">
-            <a:avLst/>
-          </a:prstGeom>
-          <a:ln>
-            <a:prstDash val="sysDot"/>
-            <a:tailEnd type="triangle"/>
-          </a:ln>
-        </p:spPr>
-        <p:style>
-          <a:lnRef idx="1">
-            <a:schemeClr val="dk1"/>
-          </a:lnRef>
-          <a:fillRef idx="0">
-            <a:schemeClr val="dk1"/>
-          </a:fillRef>
-          <a:effectRef idx="0">
-            <a:schemeClr val="dk1"/>
-          </a:effectRef>
-          <a:fontRef idx="minor">
-            <a:schemeClr val="tx1"/>
-          </a:fontRef>
-        </p:style>
-      </p:cxnSp>
-      <p:cxnSp>
-        <p:nvCxnSpPr>
-          <p:cNvPr id="67" name="연결선: 꺾임 66">
-            <a:extLst>
-              <a:ext uri="{FF2B5EF4-FFF2-40B4-BE49-F238E27FC236}">
-                <a16:creationId xmlns:a16="http://schemas.microsoft.com/office/drawing/2014/main" id="{16C2B2CF-D4ED-933A-E34D-BC5DC6829972}"/>
-              </a:ext>
-            </a:extLst>
-          </p:cNvPr>
-          <p:cNvCxnSpPr>
-            <a:cxnSpLocks/>
-            <a:stCxn id="23" idx="1"/>
-            <a:endCxn id="25" idx="0"/>
-          </p:cNvCxnSpPr>
-          <p:nvPr/>
-        </p:nvCxnSpPr>
-        <p:spPr>
-          <a:xfrm rot="10800000" flipV="1">
-            <a:off x="8998703" y="5075025"/>
-            <a:ext cx="812626" cy="237710"/>
-          </a:xfrm>
-          <a:prstGeom prst="bentConnector2">
-            <a:avLst/>
-          </a:prstGeom>
-          <a:ln>
-            <a:prstDash val="sysDot"/>
-            <a:tailEnd type="triangle"/>
-          </a:ln>
-        </p:spPr>
-        <p:style>
-          <a:lnRef idx="1">
-            <a:schemeClr val="dk1"/>
-          </a:lnRef>
-          <a:fillRef idx="0">
-            <a:schemeClr val="dk1"/>
-          </a:fillRef>
-          <a:effectRef idx="0">
-            <a:schemeClr val="dk1"/>
-          </a:effectRef>
-          <a:fontRef idx="minor">
-            <a:schemeClr val="tx1"/>
-          </a:fontRef>
-        </p:style>
-      </p:cxnSp>
-      <p:cxnSp>
-        <p:nvCxnSpPr>
-          <p:cNvPr id="68" name="직선 화살표 연결선 67">
-            <a:extLst>
-              <a:ext uri="{FF2B5EF4-FFF2-40B4-BE49-F238E27FC236}">
-                <a16:creationId xmlns:a16="http://schemas.microsoft.com/office/drawing/2014/main" id="{D20748FF-6652-A1CC-6243-5AF8D3D4D141}"/>
-              </a:ext>
-            </a:extLst>
-          </p:cNvPr>
-          <p:cNvCxnSpPr>
-            <a:cxnSpLocks/>
-            <a:stCxn id="25" idx="3"/>
-            <a:endCxn id="27" idx="1"/>
-          </p:cNvCxnSpPr>
-          <p:nvPr/>
-        </p:nvCxnSpPr>
-        <p:spPr>
-          <a:xfrm>
-            <a:off x="9460489" y="5449682"/>
-            <a:ext cx="1004900" cy="0"/>
-          </a:xfrm>
-          <a:prstGeom prst="straightConnector1">
-            <a:avLst/>
-          </a:prstGeom>
-          <a:ln>
-            <a:prstDash val="sysDot"/>
-            <a:tailEnd type="triangle"/>
-          </a:ln>
-        </p:spPr>
-        <p:style>
-          <a:lnRef idx="1">
-            <a:schemeClr val="dk1"/>
-          </a:lnRef>
-          <a:fillRef idx="0">
-            <a:schemeClr val="dk1"/>
-          </a:fillRef>
-          <a:effectRef idx="0">
-            <a:schemeClr val="dk1"/>
-          </a:effectRef>
-          <a:fontRef idx="minor">
-            <a:schemeClr val="tx1"/>
-          </a:fontRef>
-        </p:style>
-      </p:cxnSp>
-      <p:sp>
-        <p:nvSpPr>
-          <p:cNvPr id="69" name="TextBox 68">
-            <a:extLst>
-              <a:ext uri="{FF2B5EF4-FFF2-40B4-BE49-F238E27FC236}">
-                <a16:creationId xmlns:a16="http://schemas.microsoft.com/office/drawing/2014/main" id="{98177107-ACC5-2299-58B9-01AAD5B94B42}"/>
-              </a:ext>
-            </a:extLst>
-          </p:cNvPr>
-          <p:cNvSpPr txBox="1"/>
-          <p:nvPr/>
-        </p:nvSpPr>
-        <p:spPr>
-          <a:xfrm>
-            <a:off x="7490582" y="4252216"/>
-            <a:ext cx="697557" cy="415498"/>
-          </a:xfrm>
-          <a:prstGeom prst="rect">
-            <a:avLst/>
-          </a:prstGeom>
-          <a:noFill/>
-        </p:spPr>
-        <p:txBody>
-          <a:bodyPr wrap="square" rtlCol="0">
-            <a:spAutoFit/>
-          </a:bodyPr>
-          <a:lstStyle>
-            <a:defPPr>
-              <a:defRPr lang="ko-KR"/>
-            </a:defPPr>
-            <a:lvl1pPr>
-              <a:defRPr sz="1000"/>
-            </a:lvl1pPr>
-          </a:lstStyle>
-          <a:p>
-            <a:pPr marL="0" marR="0" lvl="0" indent="0" algn="l" defTabSz="914400" rtl="0" eaLnBrk="1" fontAlgn="auto" latinLnBrk="0" hangingPunct="1">
-              <a:lnSpc>
-                <a:spcPct val="100000"/>
-              </a:lnSpc>
-              <a:spcBef>
-                <a:spcPts val="0"/>
-              </a:spcBef>
-              <a:spcAft>
-                <a:spcPts val="0"/>
-              </a:spcAft>
-              <a:buClrTx/>
-              <a:buSzTx/>
-              <a:buFontTx/>
-              <a:buNone/>
-              <a:tabLst/>
-              <a:defRPr/>
-            </a:pPr>
-            <a:r>
-              <a:rPr kumimoji="0" lang="en-US" altLang="ko-KR" sz="700" b="0" i="0" u="none" strike="noStrike" kern="1200" cap="none" spc="0" normalizeH="0" baseline="0" noProof="0" dirty="0">
-                <a:ln>
-                  <a:noFill/>
-                </a:ln>
-                <a:solidFill>
-                  <a:prstClr val="white"/>
-                </a:solidFill>
-                <a:effectLst/>
-                <a:uLnTx/>
-                <a:uFillTx/>
-                <a:latin typeface="맑은 고딕"/>
-                <a:ea typeface="+mn-ea"/>
-                <a:cs typeface="+mn-cs"/>
-              </a:rPr>
-              <a:t>Start Paint</a:t>
-            </a:r>
-          </a:p>
-          <a:p>
-            <a:pPr marL="0" marR="0" lvl="0" indent="0" algn="l" defTabSz="914400" rtl="0" eaLnBrk="1" fontAlgn="auto" latinLnBrk="0" hangingPunct="1">
-              <a:lnSpc>
-                <a:spcPct val="100000"/>
-              </a:lnSpc>
-              <a:spcBef>
-                <a:spcPts val="0"/>
-              </a:spcBef>
-              <a:spcAft>
-                <a:spcPts val="0"/>
-              </a:spcAft>
-              <a:buClrTx/>
-              <a:buSzTx/>
-              <a:buFontTx/>
-              <a:buNone/>
-              <a:tabLst/>
-              <a:defRPr/>
-            </a:pPr>
-            <a:r>
-              <a:rPr kumimoji="0" lang="en-US" altLang="ko-KR" sz="700" b="0" i="0" u="none" strike="noStrike" kern="1200" cap="none" spc="0" normalizeH="0" baseline="0" noProof="0" dirty="0">
-                <a:ln>
-                  <a:noFill/>
-                </a:ln>
-                <a:solidFill>
-                  <a:prstClr val="white"/>
-                </a:solidFill>
-                <a:effectLst/>
-                <a:uLnTx/>
-                <a:uFillTx/>
-                <a:latin typeface="맑은 고딕"/>
-                <a:ea typeface="+mn-ea"/>
-                <a:cs typeface="+mn-cs"/>
-              </a:rPr>
-              <a:t>(System Read Port)</a:t>
-            </a:r>
-            <a:endParaRPr kumimoji="0" lang="ko-KR" altLang="en-US" sz="700" b="0" i="0" u="none" strike="noStrike" kern="1200" cap="none" spc="0" normalizeH="0" baseline="0" noProof="0" dirty="0">
-              <a:ln>
-                <a:noFill/>
-              </a:ln>
-              <a:solidFill>
-                <a:prstClr val="white"/>
-              </a:solidFill>
-              <a:effectLst/>
-              <a:uLnTx/>
-              <a:uFillTx/>
-              <a:latin typeface="맑은 고딕"/>
-              <a:ea typeface="+mn-ea"/>
-              <a:cs typeface="+mn-cs"/>
-            </a:endParaRPr>
-          </a:p>
-        </p:txBody>
-      </p:sp>
-      <p:sp>
-        <p:nvSpPr>
-          <p:cNvPr id="70" name="타원 69">
-            <a:extLst>
-              <a:ext uri="{FF2B5EF4-FFF2-40B4-BE49-F238E27FC236}">
-                <a16:creationId xmlns:a16="http://schemas.microsoft.com/office/drawing/2014/main" id="{646CEE09-0774-E5AD-4983-4615AC45E4CF}"/>
-              </a:ext>
-            </a:extLst>
-          </p:cNvPr>
-          <p:cNvSpPr>
-            <a:spLocks noChangeAspect="1"/>
-          </p:cNvSpPr>
-          <p:nvPr/>
-        </p:nvSpPr>
-        <p:spPr>
-          <a:xfrm flipH="1">
-            <a:off x="10670354" y="5958425"/>
-            <a:ext cx="54500" cy="70233"/>
-          </a:xfrm>
-          <a:prstGeom prst="ellipse">
-            <a:avLst/>
-          </a:prstGeom>
-          <a:solidFill>
-            <a:schemeClr val="bg1"/>
-          </a:solidFill>
-        </p:spPr>
-        <p:style>
-          <a:lnRef idx="2">
-            <a:schemeClr val="dk1"/>
-          </a:lnRef>
-          <a:fillRef idx="1">
-            <a:schemeClr val="lt1"/>
-          </a:fillRef>
-          <a:effectRef idx="0">
-            <a:schemeClr val="dk1"/>
-          </a:effectRef>
-          <a:fontRef idx="minor">
-            <a:schemeClr val="dk1"/>
-          </a:fontRef>
-        </p:style>
-        <p:txBody>
-          <a:bodyPr rtlCol="0" anchor="ctr"/>
-          <a:lstStyle/>
-          <a:p>
-            <a:pPr marL="0" marR="0" lvl="0" indent="0" algn="ctr" defTabSz="914400" rtl="0" eaLnBrk="1" fontAlgn="auto" latinLnBrk="0" hangingPunct="1">
-              <a:lnSpc>
-                <a:spcPct val="100000"/>
-              </a:lnSpc>
-              <a:spcBef>
-                <a:spcPts val="0"/>
-              </a:spcBef>
-              <a:spcAft>
-                <a:spcPts val="0"/>
-              </a:spcAft>
-              <a:buClrTx/>
-              <a:buSzTx/>
-              <a:buFontTx/>
-              <a:buNone/>
-              <a:tabLst/>
-              <a:defRPr/>
-            </a:pPr>
-            <a:endParaRPr kumimoji="0" lang="ko-KR" altLang="en-US" sz="2800" b="0" i="0" u="none" strike="noStrike" kern="1200" cap="none" spc="0" normalizeH="0" baseline="0" noProof="0">
-              <a:ln>
-                <a:noFill/>
-              </a:ln>
-              <a:solidFill>
-                <a:prstClr val="black"/>
-              </a:solidFill>
-              <a:effectLst/>
-              <a:uLnTx/>
-              <a:uFillTx/>
-              <a:latin typeface="맑은 고딕"/>
-              <a:ea typeface="+mn-ea"/>
-              <a:cs typeface="+mn-cs"/>
-            </a:endParaRPr>
-          </a:p>
-        </p:txBody>
-      </p:sp>
-      <p:sp>
-        <p:nvSpPr>
-          <p:cNvPr id="71" name="TextBox 70">
-            <a:extLst>
-              <a:ext uri="{FF2B5EF4-FFF2-40B4-BE49-F238E27FC236}">
-                <a16:creationId xmlns:a16="http://schemas.microsoft.com/office/drawing/2014/main" id="{12D2A95E-E64B-EE9A-44A8-3BF9171B8CCD}"/>
-              </a:ext>
-            </a:extLst>
-          </p:cNvPr>
-          <p:cNvSpPr txBox="1"/>
-          <p:nvPr/>
-        </p:nvSpPr>
-        <p:spPr>
-          <a:xfrm>
-            <a:off x="10980543" y="5883641"/>
-            <a:ext cx="697557" cy="415498"/>
-          </a:xfrm>
-          <a:prstGeom prst="rect">
-            <a:avLst/>
-          </a:prstGeom>
-          <a:noFill/>
-        </p:spPr>
-        <p:txBody>
-          <a:bodyPr wrap="square" rtlCol="0">
-            <a:spAutoFit/>
-          </a:bodyPr>
-          <a:lstStyle>
-            <a:defPPr>
-              <a:defRPr lang="ko-KR"/>
-            </a:defPPr>
-            <a:lvl1pPr>
-              <a:defRPr sz="1000"/>
-            </a:lvl1pPr>
-          </a:lstStyle>
-          <a:p>
-            <a:pPr marL="0" marR="0" lvl="0" indent="0" algn="l" defTabSz="914400" rtl="0" eaLnBrk="1" fontAlgn="auto" latinLnBrk="0" hangingPunct="1">
-              <a:lnSpc>
-                <a:spcPct val="100000"/>
-              </a:lnSpc>
-              <a:spcBef>
-                <a:spcPts val="0"/>
-              </a:spcBef>
-              <a:spcAft>
-                <a:spcPts val="0"/>
-              </a:spcAft>
-              <a:buClrTx/>
-              <a:buSzTx/>
-              <a:buFontTx/>
-              <a:buNone/>
-              <a:tabLst/>
-              <a:defRPr/>
-            </a:pPr>
-            <a:r>
-              <a:rPr kumimoji="0" lang="en-US" altLang="ko-KR" sz="700" b="0" i="0" u="none" strike="noStrike" kern="1200" cap="none" spc="0" normalizeH="0" baseline="0" noProof="0" dirty="0">
-                <a:ln>
-                  <a:noFill/>
-                </a:ln>
-                <a:solidFill>
-                  <a:prstClr val="white"/>
-                </a:solidFill>
-                <a:effectLst/>
-                <a:uLnTx/>
-                <a:uFillTx/>
-                <a:latin typeface="맑은 고딕"/>
-                <a:ea typeface="+mn-ea"/>
-                <a:cs typeface="+mn-cs"/>
-              </a:rPr>
-              <a:t>End Paint</a:t>
-            </a:r>
-          </a:p>
-          <a:p>
-            <a:pPr marL="0" marR="0" lvl="0" indent="0" algn="l" defTabSz="914400" rtl="0" eaLnBrk="1" fontAlgn="auto" latinLnBrk="0" hangingPunct="1">
-              <a:lnSpc>
-                <a:spcPct val="100000"/>
-              </a:lnSpc>
-              <a:spcBef>
-                <a:spcPts val="0"/>
-              </a:spcBef>
-              <a:spcAft>
-                <a:spcPts val="0"/>
-              </a:spcAft>
-              <a:buClrTx/>
-              <a:buSzTx/>
-              <a:buFontTx/>
-              <a:buNone/>
-              <a:tabLst/>
-              <a:defRPr/>
-            </a:pPr>
-            <a:r>
-              <a:rPr kumimoji="0" lang="en-US" altLang="ko-KR" sz="700" b="0" i="0" u="none" strike="noStrike" kern="1200" cap="none" spc="0" normalizeH="0" baseline="0" noProof="0" dirty="0">
-                <a:ln>
-                  <a:noFill/>
-                </a:ln>
-                <a:solidFill>
-                  <a:prstClr val="white"/>
-                </a:solidFill>
-                <a:effectLst/>
-                <a:uLnTx/>
-                <a:uFillTx/>
-                <a:latin typeface="맑은 고딕"/>
-                <a:ea typeface="+mn-ea"/>
-                <a:cs typeface="+mn-cs"/>
-              </a:rPr>
-              <a:t>(System Write Port)</a:t>
-            </a:r>
-            <a:endParaRPr kumimoji="0" lang="ko-KR" altLang="en-US" sz="700" b="0" i="0" u="none" strike="noStrike" kern="1200" cap="none" spc="0" normalizeH="0" baseline="0" noProof="0" dirty="0">
-              <a:ln>
-                <a:noFill/>
-              </a:ln>
-              <a:solidFill>
-                <a:prstClr val="white"/>
-              </a:solidFill>
-              <a:effectLst/>
-              <a:uLnTx/>
-              <a:uFillTx/>
-              <a:latin typeface="맑은 고딕"/>
-              <a:ea typeface="+mn-ea"/>
-              <a:cs typeface="+mn-cs"/>
-            </a:endParaRPr>
-          </a:p>
-        </p:txBody>
-      </p:sp>
-      <p:sp>
-        <p:nvSpPr>
-          <p:cNvPr id="72" name="직사각형 71">
-            <a:extLst>
-              <a:ext uri="{FF2B5EF4-FFF2-40B4-BE49-F238E27FC236}">
-                <a16:creationId xmlns:a16="http://schemas.microsoft.com/office/drawing/2014/main" id="{C70413A2-7FC7-AE0B-0286-1FA6EA18910B}"/>
-              </a:ext>
-            </a:extLst>
-          </p:cNvPr>
-          <p:cNvSpPr/>
-          <p:nvPr/>
-        </p:nvSpPr>
-        <p:spPr>
-          <a:xfrm>
-            <a:off x="8303301" y="725917"/>
-            <a:ext cx="697557" cy="278529"/>
-          </a:xfrm>
-          <a:prstGeom prst="rect">
-            <a:avLst/>
-          </a:prstGeom>
-          <a:noFill/>
-          <a:ln w="9525" cap="flat" cmpd="sng" algn="ctr">
-            <a:solidFill>
-              <a:schemeClr val="accent1"/>
-            </a:solidFill>
-            <a:prstDash val="solid"/>
-            <a:round/>
-            <a:headEnd type="none" w="med" len="med"/>
-            <a:tailEnd type="none" w="med" len="med"/>
-          </a:ln>
-        </p:spPr>
-        <p:style>
-          <a:lnRef idx="0">
-            <a:scrgbClr r="0" g="0" b="0"/>
-          </a:lnRef>
-          <a:fillRef idx="0">
-            <a:scrgbClr r="0" g="0" b="0"/>
-          </a:fillRef>
-          <a:effectRef idx="0">
-            <a:scrgbClr r="0" g="0" b="0"/>
-          </a:effectRef>
-          <a:fontRef idx="minor">
-            <a:schemeClr val="accent1"/>
-          </a:fontRef>
-        </p:style>
-        <p:txBody>
-          <a:bodyPr rtlCol="0" anchor="b"/>
-          <a:lstStyle/>
-          <a:p>
-            <a:pPr marL="0" marR="0" lvl="0" indent="0" algn="ctr" defTabSz="914400" rtl="0" eaLnBrk="1" fontAlgn="auto" latinLnBrk="0" hangingPunct="1">
-              <a:lnSpc>
-                <a:spcPct val="100000"/>
-              </a:lnSpc>
-              <a:spcBef>
-                <a:spcPts val="0"/>
-              </a:spcBef>
-              <a:spcAft>
-                <a:spcPts val="0"/>
-              </a:spcAft>
-              <a:buClrTx/>
-              <a:buSzTx/>
-              <a:buFontTx/>
-              <a:buNone/>
-              <a:tabLst/>
-              <a:defRPr/>
-            </a:pPr>
-            <a:r>
-              <a:rPr kumimoji="0" lang="en-US" altLang="ko-KR" sz="1050" b="0" i="0" u="none" strike="noStrike" kern="1200" cap="none" spc="0" normalizeH="0" baseline="0" noProof="0">
-                <a:ln>
-                  <a:noFill/>
-                </a:ln>
-                <a:solidFill>
-                  <a:srgbClr val="13BE89"/>
-                </a:solidFill>
-                <a:effectLst/>
-                <a:uLnTx/>
-                <a:uFillTx/>
-                <a:latin typeface="맑은 고딕"/>
-                <a:ea typeface="+mn-ea"/>
-                <a:cs typeface="+mn-cs"/>
-              </a:rPr>
-              <a:t>Factory</a:t>
-            </a:r>
-            <a:endParaRPr kumimoji="0" lang="ko-KR" altLang="en-US" sz="1050" b="0" i="0" u="none" strike="noStrike" kern="1200" cap="none" spc="0" normalizeH="0" baseline="0" noProof="0" dirty="0">
-              <a:ln>
-                <a:noFill/>
-              </a:ln>
-              <a:solidFill>
-                <a:prstClr val="white"/>
-              </a:solidFill>
-              <a:effectLst/>
-              <a:uLnTx/>
-              <a:uFillTx/>
-              <a:latin typeface="맑은 고딕"/>
-              <a:ea typeface="+mn-ea"/>
-              <a:cs typeface="+mn-cs"/>
-            </a:endParaRPr>
+            <a:endParaRPr lang="ko-KR" altLang="en-US" dirty="0"/>
           </a:p>
         </p:txBody>
       </p:sp>
       <p:pic>
         <p:nvPicPr>
-          <p:cNvPr id="73" name="그림 72">
+          <p:cNvPr id="13" name="그림 12">
             <a:extLst>
               <a:ext uri="{FF2B5EF4-FFF2-40B4-BE49-F238E27FC236}">
-                <a16:creationId xmlns:a16="http://schemas.microsoft.com/office/drawing/2014/main" id="{F9DEEEB2-C65E-0ADE-D32D-B0AAC4F52384}"/>
+                <a16:creationId xmlns:a16="http://schemas.microsoft.com/office/drawing/2014/main" id="{28E89565-DAE1-B0B4-244A-31E88461F093}"/>
               </a:ext>
             </a:extLst>
           </p:cNvPr>
@@ -6028,1153 +2320,25 @@
           <p:nvPr/>
         </p:nvPicPr>
         <p:blipFill>
-          <a:blip r:embed="rId4">
-            <a:alphaModFix amt="35000"/>
-          </a:blip>
+          <a:blip r:embed="rId3"/>
           <a:stretch>
             <a:fillRect/>
           </a:stretch>
         </p:blipFill>
         <p:spPr>
           <a:xfrm>
-            <a:off x="4993829" y="201771"/>
-            <a:ext cx="2551446" cy="1191720"/>
+            <a:off x="7753700" y="3436449"/>
+            <a:ext cx="4056949" cy="2934434"/>
           </a:xfrm>
           <a:prstGeom prst="rect">
             <a:avLst/>
           </a:prstGeom>
         </p:spPr>
       </p:pic>
-      <p:cxnSp>
-        <p:nvCxnSpPr>
-          <p:cNvPr id="75" name="연결선: 꺾임 74">
-            <a:extLst>
-              <a:ext uri="{FF2B5EF4-FFF2-40B4-BE49-F238E27FC236}">
-                <a16:creationId xmlns:a16="http://schemas.microsoft.com/office/drawing/2014/main" id="{D06F3865-87DE-7114-DA0C-3A249CC15A0C}"/>
-              </a:ext>
-            </a:extLst>
-          </p:cNvPr>
-          <p:cNvCxnSpPr>
-            <a:cxnSpLocks/>
-            <a:stCxn id="43" idx="1"/>
-            <a:endCxn id="73" idx="2"/>
-          </p:cNvCxnSpPr>
-          <p:nvPr/>
-        </p:nvCxnSpPr>
-        <p:spPr>
-          <a:xfrm flipV="1">
-            <a:off x="5847845" y="1393491"/>
-            <a:ext cx="421707" cy="1181602"/>
-          </a:xfrm>
-          <a:prstGeom prst="bentConnector2">
-            <a:avLst/>
-          </a:prstGeom>
-          <a:ln w="57150">
-            <a:solidFill>
-              <a:srgbClr val="FF0000"/>
-            </a:solidFill>
-            <a:tailEnd type="triangle"/>
-          </a:ln>
-        </p:spPr>
-        <p:style>
-          <a:lnRef idx="1">
-            <a:schemeClr val="accent1"/>
-          </a:lnRef>
-          <a:fillRef idx="0">
-            <a:schemeClr val="accent1"/>
-          </a:fillRef>
-          <a:effectRef idx="0">
-            <a:schemeClr val="accent1"/>
-          </a:effectRef>
-          <a:fontRef idx="minor">
-            <a:schemeClr val="tx1"/>
-          </a:fontRef>
-        </p:style>
-      </p:cxnSp>
-      <p:sp>
-        <p:nvSpPr>
-          <p:cNvPr id="7" name="직사각형 6">
-            <a:extLst>
-              <a:ext uri="{FF2B5EF4-FFF2-40B4-BE49-F238E27FC236}">
-                <a16:creationId xmlns:a16="http://schemas.microsoft.com/office/drawing/2014/main" id="{3752A2F3-47A3-2377-0AD0-F984E76F1001}"/>
-              </a:ext>
-            </a:extLst>
-          </p:cNvPr>
-          <p:cNvSpPr/>
-          <p:nvPr/>
-        </p:nvSpPr>
-        <p:spPr>
-          <a:xfrm>
-            <a:off x="8187243" y="398175"/>
-            <a:ext cx="3170858" cy="278529"/>
-          </a:xfrm>
-          <a:prstGeom prst="rect">
-            <a:avLst/>
-          </a:prstGeom>
-          <a:noFill/>
-          <a:ln w="9525" cap="flat" cmpd="sng" algn="ctr">
-            <a:solidFill>
-              <a:schemeClr val="accent4"/>
-            </a:solidFill>
-            <a:prstDash val="solid"/>
-            <a:round/>
-            <a:headEnd type="none" w="med" len="med"/>
-            <a:tailEnd type="none" w="med" len="med"/>
-          </a:ln>
-        </p:spPr>
-        <p:style>
-          <a:lnRef idx="0">
-            <a:scrgbClr r="0" g="0" b="0"/>
-          </a:lnRef>
-          <a:fillRef idx="0">
-            <a:scrgbClr r="0" g="0" b="0"/>
-          </a:fillRef>
-          <a:effectRef idx="0">
-            <a:scrgbClr r="0" g="0" b="0"/>
-          </a:effectRef>
-          <a:fontRef idx="minor">
-            <a:schemeClr val="accent4"/>
-          </a:fontRef>
-        </p:style>
-        <p:txBody>
-          <a:bodyPr rtlCol="0" anchor="b"/>
-          <a:lstStyle/>
-          <a:p>
-            <a:pPr marL="0" marR="0" lvl="0" indent="0" algn="ctr" defTabSz="914400" rtl="0" eaLnBrk="1" fontAlgn="auto" latinLnBrk="0" hangingPunct="1">
-              <a:lnSpc>
-                <a:spcPct val="100000"/>
-              </a:lnSpc>
-              <a:spcBef>
-                <a:spcPts val="0"/>
-              </a:spcBef>
-              <a:spcAft>
-                <a:spcPts val="0"/>
-              </a:spcAft>
-              <a:buClrTx/>
-              <a:buSzTx/>
-              <a:buFontTx/>
-              <a:buNone/>
-              <a:tabLst/>
-              <a:defRPr/>
-            </a:pPr>
-            <a:r>
-              <a:rPr kumimoji="0" lang="en-US" altLang="ko-KR" sz="1050" b="0" i="0" u="none" strike="noStrike" kern="1200" cap="none" spc="0" normalizeH="0" baseline="0" noProof="0" dirty="0">
-                <a:ln>
-                  <a:noFill/>
-                </a:ln>
-                <a:solidFill>
-                  <a:srgbClr val="B86E62"/>
-                </a:solidFill>
-                <a:effectLst/>
-                <a:uLnTx/>
-                <a:uFillTx/>
-                <a:latin typeface="맑은 고딕"/>
-                <a:ea typeface="+mn-ea"/>
-                <a:cs typeface="+mn-cs"/>
-              </a:rPr>
-              <a:t>Top-Down Modeling </a:t>
-            </a:r>
-            <a:endParaRPr kumimoji="0" lang="ko-KR" altLang="en-US" sz="1050" b="0" i="0" u="none" strike="noStrike" kern="1200" cap="none" spc="0" normalizeH="0" baseline="0" noProof="0" dirty="0">
-              <a:ln>
-                <a:noFill/>
-              </a:ln>
-              <a:solidFill>
-                <a:prstClr val="white"/>
-              </a:solidFill>
-              <a:effectLst/>
-              <a:uLnTx/>
-              <a:uFillTx/>
-              <a:latin typeface="맑은 고딕"/>
-              <a:ea typeface="+mn-ea"/>
-              <a:cs typeface="+mn-cs"/>
-            </a:endParaRPr>
-          </a:p>
-        </p:txBody>
-      </p:sp>
-      <p:cxnSp>
-        <p:nvCxnSpPr>
-          <p:cNvPr id="11" name="연결선: 꺾임 10">
-            <a:extLst>
-              <a:ext uri="{FF2B5EF4-FFF2-40B4-BE49-F238E27FC236}">
-                <a16:creationId xmlns:a16="http://schemas.microsoft.com/office/drawing/2014/main" id="{005FED38-9693-FFA5-42FE-B50C5E9DF9F5}"/>
-              </a:ext>
-            </a:extLst>
-          </p:cNvPr>
-          <p:cNvCxnSpPr>
-            <a:cxnSpLocks/>
-            <a:stCxn id="72" idx="2"/>
-            <a:endCxn id="5" idx="1"/>
-          </p:cNvCxnSpPr>
-          <p:nvPr/>
-        </p:nvCxnSpPr>
-        <p:spPr>
-          <a:xfrm rot="16200000" flipH="1">
-            <a:off x="8611689" y="1044837"/>
-            <a:ext cx="192274" cy="111492"/>
-          </a:xfrm>
-          <a:prstGeom prst="bentConnector2">
-            <a:avLst/>
-          </a:prstGeom>
-        </p:spPr>
-        <p:style>
-          <a:lnRef idx="1">
-            <a:schemeClr val="accent1"/>
-          </a:lnRef>
-          <a:fillRef idx="0">
-            <a:schemeClr val="accent1"/>
-          </a:fillRef>
-          <a:effectRef idx="0">
-            <a:schemeClr val="accent1"/>
-          </a:effectRef>
-          <a:fontRef idx="minor">
-            <a:schemeClr val="tx1"/>
-          </a:fontRef>
-        </p:style>
-      </p:cxnSp>
-      <p:cxnSp>
-        <p:nvCxnSpPr>
-          <p:cNvPr id="14" name="연결선: 꺾임 13">
-            <a:extLst>
-              <a:ext uri="{FF2B5EF4-FFF2-40B4-BE49-F238E27FC236}">
-                <a16:creationId xmlns:a16="http://schemas.microsoft.com/office/drawing/2014/main" id="{040BF72B-DB6E-2117-259F-D54344EA6272}"/>
-              </a:ext>
-            </a:extLst>
-          </p:cNvPr>
-          <p:cNvCxnSpPr>
-            <a:cxnSpLocks/>
-            <a:stCxn id="72" idx="2"/>
-            <a:endCxn id="6" idx="1"/>
-          </p:cNvCxnSpPr>
-          <p:nvPr/>
-        </p:nvCxnSpPr>
-        <p:spPr>
-          <a:xfrm rot="16200000" flipH="1">
-            <a:off x="8455086" y="1201440"/>
-            <a:ext cx="505480" cy="111492"/>
-          </a:xfrm>
-          <a:prstGeom prst="bentConnector2">
-            <a:avLst/>
-          </a:prstGeom>
-        </p:spPr>
-        <p:style>
-          <a:lnRef idx="1">
-            <a:schemeClr val="accent1"/>
-          </a:lnRef>
-          <a:fillRef idx="0">
-            <a:schemeClr val="accent1"/>
-          </a:fillRef>
-          <a:effectRef idx="0">
-            <a:schemeClr val="accent1"/>
-          </a:effectRef>
-          <a:fontRef idx="minor">
-            <a:schemeClr val="tx1"/>
-          </a:fontRef>
-        </p:style>
-      </p:cxnSp>
-      <p:sp>
-        <p:nvSpPr>
-          <p:cNvPr id="5" name="직사각형 4">
-            <a:extLst>
-              <a:ext uri="{FF2B5EF4-FFF2-40B4-BE49-F238E27FC236}">
-                <a16:creationId xmlns:a16="http://schemas.microsoft.com/office/drawing/2014/main" id="{5F9E5B38-8064-97FE-791F-446DFCD195BF}"/>
-              </a:ext>
-            </a:extLst>
-          </p:cNvPr>
-          <p:cNvSpPr/>
-          <p:nvPr/>
-        </p:nvSpPr>
-        <p:spPr>
-          <a:xfrm>
-            <a:off x="8763572" y="1057455"/>
-            <a:ext cx="908502" cy="278529"/>
-          </a:xfrm>
-          <a:prstGeom prst="rect">
-            <a:avLst/>
-          </a:prstGeom>
-          <a:noFill/>
-          <a:ln w="9525" cap="flat" cmpd="sng" algn="ctr">
-            <a:solidFill>
-              <a:schemeClr val="accent1"/>
-            </a:solidFill>
-            <a:prstDash val="solid"/>
-            <a:round/>
-            <a:headEnd type="none" w="med" len="med"/>
-            <a:tailEnd type="none" w="med" len="med"/>
-          </a:ln>
-        </p:spPr>
-        <p:style>
-          <a:lnRef idx="0">
-            <a:scrgbClr r="0" g="0" b="0"/>
-          </a:lnRef>
-          <a:fillRef idx="0">
-            <a:scrgbClr r="0" g="0" b="0"/>
-          </a:fillRef>
-          <a:effectRef idx="0">
-            <a:scrgbClr r="0" g="0" b="0"/>
-          </a:effectRef>
-          <a:fontRef idx="minor">
-            <a:schemeClr val="accent1"/>
-          </a:fontRef>
-        </p:style>
-        <p:txBody>
-          <a:bodyPr rtlCol="0" anchor="b"/>
-          <a:lstStyle/>
-          <a:p>
-            <a:pPr marL="0" marR="0" lvl="0" indent="0" algn="ctr" defTabSz="914400" rtl="0" eaLnBrk="1" fontAlgn="auto" latinLnBrk="0" hangingPunct="1">
-              <a:lnSpc>
-                <a:spcPct val="100000"/>
-              </a:lnSpc>
-              <a:spcBef>
-                <a:spcPts val="0"/>
-              </a:spcBef>
-              <a:spcAft>
-                <a:spcPts val="0"/>
-              </a:spcAft>
-              <a:buClrTx/>
-              <a:buSzTx/>
-              <a:buFontTx/>
-              <a:buNone/>
-              <a:tabLst/>
-              <a:defRPr/>
-            </a:pPr>
-            <a:r>
-              <a:rPr kumimoji="0" lang="en-US" altLang="ko-KR" sz="1050" b="0" i="0" u="none" strike="noStrike" kern="1200" cap="none" spc="0" normalizeH="0" baseline="0" noProof="0" dirty="0">
-                <a:ln>
-                  <a:noFill/>
-                </a:ln>
-                <a:solidFill>
-                  <a:srgbClr val="13BE89"/>
-                </a:solidFill>
-                <a:effectLst/>
-                <a:uLnTx/>
-                <a:uFillTx/>
-                <a:latin typeface="맑은 고딕"/>
-                <a:ea typeface="+mn-ea"/>
-                <a:cs typeface="+mn-cs"/>
-              </a:rPr>
-              <a:t>Line1</a:t>
-            </a:r>
-            <a:endParaRPr kumimoji="0" lang="ko-KR" altLang="en-US" sz="1050" b="0" i="0" u="none" strike="noStrike" kern="1200" cap="none" spc="0" normalizeH="0" baseline="0" noProof="0" dirty="0">
-              <a:ln>
-                <a:noFill/>
-              </a:ln>
-              <a:solidFill>
-                <a:prstClr val="white"/>
-              </a:solidFill>
-              <a:effectLst/>
-              <a:uLnTx/>
-              <a:uFillTx/>
-              <a:latin typeface="맑은 고딕"/>
-              <a:ea typeface="+mn-ea"/>
-              <a:cs typeface="+mn-cs"/>
-            </a:endParaRPr>
-          </a:p>
-        </p:txBody>
-      </p:sp>
-      <p:sp>
-        <p:nvSpPr>
-          <p:cNvPr id="6" name="직사각형 5">
-            <a:extLst>
-              <a:ext uri="{FF2B5EF4-FFF2-40B4-BE49-F238E27FC236}">
-                <a16:creationId xmlns:a16="http://schemas.microsoft.com/office/drawing/2014/main" id="{2291C0F6-30D3-E1D3-CB60-62C3E9F9BAFB}"/>
-              </a:ext>
-            </a:extLst>
-          </p:cNvPr>
-          <p:cNvSpPr/>
-          <p:nvPr/>
-        </p:nvSpPr>
-        <p:spPr>
-          <a:xfrm>
-            <a:off x="8763572" y="1370661"/>
-            <a:ext cx="908502" cy="278529"/>
-          </a:xfrm>
-          <a:prstGeom prst="rect">
-            <a:avLst/>
-          </a:prstGeom>
-          <a:noFill/>
-          <a:ln w="9525" cap="flat" cmpd="sng" algn="ctr">
-            <a:solidFill>
-              <a:schemeClr val="accent1"/>
-            </a:solidFill>
-            <a:prstDash val="solid"/>
-            <a:round/>
-            <a:headEnd type="none" w="med" len="med"/>
-            <a:tailEnd type="none" w="med" len="med"/>
-          </a:ln>
-        </p:spPr>
-        <p:style>
-          <a:lnRef idx="0">
-            <a:scrgbClr r="0" g="0" b="0"/>
-          </a:lnRef>
-          <a:fillRef idx="0">
-            <a:scrgbClr r="0" g="0" b="0"/>
-          </a:fillRef>
-          <a:effectRef idx="0">
-            <a:scrgbClr r="0" g="0" b="0"/>
-          </a:effectRef>
-          <a:fontRef idx="minor">
-            <a:schemeClr val="accent1"/>
-          </a:fontRef>
-        </p:style>
-        <p:txBody>
-          <a:bodyPr rtlCol="0" anchor="b"/>
-          <a:lstStyle/>
-          <a:p>
-            <a:pPr marL="0" marR="0" lvl="0" indent="0" algn="ctr" defTabSz="914400" rtl="0" eaLnBrk="1" fontAlgn="auto" latinLnBrk="0" hangingPunct="1">
-              <a:lnSpc>
-                <a:spcPct val="100000"/>
-              </a:lnSpc>
-              <a:spcBef>
-                <a:spcPts val="0"/>
-              </a:spcBef>
-              <a:spcAft>
-                <a:spcPts val="0"/>
-              </a:spcAft>
-              <a:buClrTx/>
-              <a:buSzTx/>
-              <a:buFontTx/>
-              <a:buNone/>
-              <a:tabLst/>
-              <a:defRPr/>
-            </a:pPr>
-            <a:r>
-              <a:rPr kumimoji="0" lang="en-US" altLang="ko-KR" sz="1050" b="0" i="0" u="none" strike="noStrike" kern="1200" cap="none" spc="0" normalizeH="0" baseline="0" noProof="0" dirty="0">
-                <a:ln>
-                  <a:noFill/>
-                </a:ln>
-                <a:solidFill>
-                  <a:srgbClr val="13BE89"/>
-                </a:solidFill>
-                <a:effectLst/>
-                <a:uLnTx/>
-                <a:uFillTx/>
-                <a:latin typeface="맑은 고딕"/>
-                <a:ea typeface="+mn-ea"/>
-                <a:cs typeface="+mn-cs"/>
-              </a:rPr>
-              <a:t>Line2</a:t>
-            </a:r>
-            <a:endParaRPr kumimoji="0" lang="ko-KR" altLang="en-US" sz="1050" b="0" i="0" u="none" strike="noStrike" kern="1200" cap="none" spc="0" normalizeH="0" baseline="0" noProof="0" dirty="0">
-              <a:ln>
-                <a:noFill/>
-              </a:ln>
-              <a:solidFill>
-                <a:prstClr val="white"/>
-              </a:solidFill>
-              <a:effectLst/>
-              <a:uLnTx/>
-              <a:uFillTx/>
-              <a:latin typeface="맑은 고딕"/>
-              <a:ea typeface="+mn-ea"/>
-              <a:cs typeface="+mn-cs"/>
-            </a:endParaRPr>
-          </a:p>
-        </p:txBody>
-      </p:sp>
-      <p:cxnSp>
-        <p:nvCxnSpPr>
-          <p:cNvPr id="78" name="연결선: 꺾임 77">
-            <a:extLst>
-              <a:ext uri="{FF2B5EF4-FFF2-40B4-BE49-F238E27FC236}">
-                <a16:creationId xmlns:a16="http://schemas.microsoft.com/office/drawing/2014/main" id="{C7B72343-6C4A-B631-A382-853F8BC64A0E}"/>
-              </a:ext>
-            </a:extLst>
-          </p:cNvPr>
-          <p:cNvCxnSpPr>
-            <a:cxnSpLocks/>
-            <a:stCxn id="6" idx="2"/>
-            <a:endCxn id="18" idx="1"/>
-          </p:cNvCxnSpPr>
-          <p:nvPr/>
-        </p:nvCxnSpPr>
-        <p:spPr>
-          <a:xfrm rot="16200000" flipH="1">
-            <a:off x="9212956" y="1654057"/>
-            <a:ext cx="226700" cy="216966"/>
-          </a:xfrm>
-          <a:prstGeom prst="bentConnector2">
-            <a:avLst/>
-          </a:prstGeom>
-        </p:spPr>
-        <p:style>
-          <a:lnRef idx="1">
-            <a:schemeClr val="accent1"/>
-          </a:lnRef>
-          <a:fillRef idx="0">
-            <a:schemeClr val="accent1"/>
-          </a:fillRef>
-          <a:effectRef idx="0">
-            <a:schemeClr val="accent1"/>
-          </a:effectRef>
-          <a:fontRef idx="minor">
-            <a:schemeClr val="tx1"/>
-          </a:fontRef>
-        </p:style>
-      </p:cxnSp>
-      <p:sp>
-        <p:nvSpPr>
-          <p:cNvPr id="18" name="직사각형 17">
-            <a:extLst>
-              <a:ext uri="{FF2B5EF4-FFF2-40B4-BE49-F238E27FC236}">
-                <a16:creationId xmlns:a16="http://schemas.microsoft.com/office/drawing/2014/main" id="{992785DA-3ED0-4990-C92C-282654371280}"/>
-              </a:ext>
-            </a:extLst>
-          </p:cNvPr>
-          <p:cNvSpPr/>
-          <p:nvPr/>
-        </p:nvSpPr>
-        <p:spPr>
-          <a:xfrm>
-            <a:off x="9434789" y="1736625"/>
-            <a:ext cx="1021407" cy="278529"/>
-          </a:xfrm>
-          <a:prstGeom prst="rect">
-            <a:avLst/>
-          </a:prstGeom>
-          <a:noFill/>
-          <a:ln w="9525" cap="flat" cmpd="sng" algn="ctr">
-            <a:solidFill>
-              <a:schemeClr val="accent1"/>
-            </a:solidFill>
-            <a:prstDash val="solid"/>
-            <a:round/>
-            <a:headEnd type="none" w="med" len="med"/>
-            <a:tailEnd type="none" w="med" len="med"/>
-          </a:ln>
-        </p:spPr>
-        <p:style>
-          <a:lnRef idx="0">
-            <a:scrgbClr r="0" g="0" b="0"/>
-          </a:lnRef>
-          <a:fillRef idx="0">
-            <a:scrgbClr r="0" g="0" b="0"/>
-          </a:fillRef>
-          <a:effectRef idx="0">
-            <a:scrgbClr r="0" g="0" b="0"/>
-          </a:effectRef>
-          <a:fontRef idx="minor">
-            <a:schemeClr val="accent1"/>
-          </a:fontRef>
-        </p:style>
-        <p:txBody>
-          <a:bodyPr rtlCol="0" anchor="b"/>
-          <a:lstStyle/>
-          <a:p>
-            <a:pPr marL="0" marR="0" lvl="0" indent="0" algn="ctr" defTabSz="914400" rtl="0" eaLnBrk="1" fontAlgn="auto" latinLnBrk="0" hangingPunct="1">
-              <a:lnSpc>
-                <a:spcPct val="100000"/>
-              </a:lnSpc>
-              <a:spcBef>
-                <a:spcPts val="0"/>
-              </a:spcBef>
-              <a:spcAft>
-                <a:spcPts val="0"/>
-              </a:spcAft>
-              <a:buClrTx/>
-              <a:buSzTx/>
-              <a:buFontTx/>
-              <a:buNone/>
-              <a:tabLst/>
-              <a:defRPr/>
-            </a:pPr>
-            <a:r>
-              <a:rPr kumimoji="0" lang="en-US" altLang="ko-KR" sz="1050" b="0" i="0" u="none" strike="noStrike" kern="1200" cap="none" spc="0" normalizeH="0" baseline="0" noProof="0">
-                <a:ln>
-                  <a:noFill/>
-                </a:ln>
-                <a:solidFill>
-                  <a:srgbClr val="13BE89"/>
-                </a:solidFill>
-                <a:effectLst/>
-                <a:uLnTx/>
-                <a:uFillTx/>
-                <a:latin typeface="맑은 고딕"/>
-                <a:ea typeface="+mn-ea"/>
-                <a:cs typeface="+mn-cs"/>
-              </a:rPr>
-              <a:t>Station1</a:t>
-            </a:r>
-            <a:endParaRPr kumimoji="0" lang="ko-KR" altLang="en-US" sz="1050" b="0" i="0" u="none" strike="noStrike" kern="1200" cap="none" spc="0" normalizeH="0" baseline="0" noProof="0" dirty="0">
-              <a:ln>
-                <a:noFill/>
-              </a:ln>
-              <a:solidFill>
-                <a:prstClr val="white"/>
-              </a:solidFill>
-              <a:effectLst/>
-              <a:uLnTx/>
-              <a:uFillTx/>
-              <a:latin typeface="맑은 고딕"/>
-              <a:ea typeface="+mn-ea"/>
-              <a:cs typeface="+mn-cs"/>
-            </a:endParaRPr>
-          </a:p>
-        </p:txBody>
-      </p:sp>
-      <p:sp>
-        <p:nvSpPr>
-          <p:cNvPr id="82" name="직사각형 81">
-            <a:extLst>
-              <a:ext uri="{FF2B5EF4-FFF2-40B4-BE49-F238E27FC236}">
-                <a16:creationId xmlns:a16="http://schemas.microsoft.com/office/drawing/2014/main" id="{4B037B10-86BF-90C5-2F47-FCA991710152}"/>
-              </a:ext>
-            </a:extLst>
-          </p:cNvPr>
-          <p:cNvSpPr/>
-          <p:nvPr/>
-        </p:nvSpPr>
-        <p:spPr>
-          <a:xfrm>
-            <a:off x="9434788" y="2056003"/>
-            <a:ext cx="1021407" cy="278529"/>
-          </a:xfrm>
-          <a:prstGeom prst="rect">
-            <a:avLst/>
-          </a:prstGeom>
-          <a:noFill/>
-          <a:ln w="9525" cap="flat" cmpd="sng" algn="ctr">
-            <a:solidFill>
-              <a:schemeClr val="accent1"/>
-            </a:solidFill>
-            <a:prstDash val="solid"/>
-            <a:round/>
-            <a:headEnd type="none" w="med" len="med"/>
-            <a:tailEnd type="none" w="med" len="med"/>
-          </a:ln>
-        </p:spPr>
-        <p:style>
-          <a:lnRef idx="0">
-            <a:scrgbClr r="0" g="0" b="0"/>
-          </a:lnRef>
-          <a:fillRef idx="0">
-            <a:scrgbClr r="0" g="0" b="0"/>
-          </a:fillRef>
-          <a:effectRef idx="0">
-            <a:scrgbClr r="0" g="0" b="0"/>
-          </a:effectRef>
-          <a:fontRef idx="minor">
-            <a:schemeClr val="accent1"/>
-          </a:fontRef>
-        </p:style>
-        <p:txBody>
-          <a:bodyPr rtlCol="0" anchor="b"/>
-          <a:lstStyle/>
-          <a:p>
-            <a:pPr marL="0" marR="0" lvl="0" indent="0" algn="ctr" defTabSz="914400" rtl="0" eaLnBrk="1" fontAlgn="auto" latinLnBrk="0" hangingPunct="1">
-              <a:lnSpc>
-                <a:spcPct val="100000"/>
-              </a:lnSpc>
-              <a:spcBef>
-                <a:spcPts val="0"/>
-              </a:spcBef>
-              <a:spcAft>
-                <a:spcPts val="0"/>
-              </a:spcAft>
-              <a:buClrTx/>
-              <a:buSzTx/>
-              <a:buFontTx/>
-              <a:buNone/>
-              <a:tabLst/>
-              <a:defRPr/>
-            </a:pPr>
-            <a:r>
-              <a:rPr kumimoji="0" lang="en-US" altLang="ko-KR" sz="1050" b="0" i="0" u="none" strike="noStrike" kern="1200" cap="none" spc="0" normalizeH="0" baseline="0" noProof="0" dirty="0">
-                <a:ln>
-                  <a:noFill/>
-                </a:ln>
-                <a:solidFill>
-                  <a:srgbClr val="13BE89"/>
-                </a:solidFill>
-                <a:effectLst/>
-                <a:uLnTx/>
-                <a:uFillTx/>
-                <a:latin typeface="맑은 고딕"/>
-                <a:ea typeface="+mn-ea"/>
-                <a:cs typeface="+mn-cs"/>
-              </a:rPr>
-              <a:t>Station2</a:t>
-            </a:r>
-            <a:endParaRPr kumimoji="0" lang="ko-KR" altLang="en-US" sz="1050" b="0" i="0" u="none" strike="noStrike" kern="1200" cap="none" spc="0" normalizeH="0" baseline="0" noProof="0" dirty="0">
-              <a:ln>
-                <a:noFill/>
-              </a:ln>
-              <a:solidFill>
-                <a:prstClr val="white"/>
-              </a:solidFill>
-              <a:effectLst/>
-              <a:uLnTx/>
-              <a:uFillTx/>
-              <a:latin typeface="맑은 고딕"/>
-              <a:ea typeface="+mn-ea"/>
-              <a:cs typeface="+mn-cs"/>
-            </a:endParaRPr>
-          </a:p>
-        </p:txBody>
-      </p:sp>
-      <p:cxnSp>
-        <p:nvCxnSpPr>
-          <p:cNvPr id="83" name="연결선: 꺾임 82">
-            <a:extLst>
-              <a:ext uri="{FF2B5EF4-FFF2-40B4-BE49-F238E27FC236}">
-                <a16:creationId xmlns:a16="http://schemas.microsoft.com/office/drawing/2014/main" id="{2A294153-86A3-D4A9-99A9-A3AF99FD307D}"/>
-              </a:ext>
-            </a:extLst>
-          </p:cNvPr>
-          <p:cNvCxnSpPr>
-            <a:cxnSpLocks/>
-            <a:stCxn id="6" idx="2"/>
-            <a:endCxn id="82" idx="1"/>
-          </p:cNvCxnSpPr>
-          <p:nvPr/>
-        </p:nvCxnSpPr>
-        <p:spPr>
-          <a:xfrm rot="16200000" flipH="1">
-            <a:off x="9053266" y="1813746"/>
-            <a:ext cx="546078" cy="216965"/>
-          </a:xfrm>
-          <a:prstGeom prst="bentConnector2">
-            <a:avLst/>
-          </a:prstGeom>
-        </p:spPr>
-        <p:style>
-          <a:lnRef idx="1">
-            <a:schemeClr val="accent1"/>
-          </a:lnRef>
-          <a:fillRef idx="0">
-            <a:schemeClr val="accent1"/>
-          </a:fillRef>
-          <a:effectRef idx="0">
-            <a:schemeClr val="accent1"/>
-          </a:effectRef>
-          <a:fontRef idx="minor">
-            <a:schemeClr val="tx1"/>
-          </a:fontRef>
-        </p:style>
-      </p:cxnSp>
-      <p:cxnSp>
-        <p:nvCxnSpPr>
-          <p:cNvPr id="87" name="연결선: 꺾임 86">
-            <a:extLst>
-              <a:ext uri="{FF2B5EF4-FFF2-40B4-BE49-F238E27FC236}">
-                <a16:creationId xmlns:a16="http://schemas.microsoft.com/office/drawing/2014/main" id="{3DFDA21F-55EE-FAD9-CD20-41DB1E15D3F8}"/>
-              </a:ext>
-            </a:extLst>
-          </p:cNvPr>
-          <p:cNvCxnSpPr>
-            <a:cxnSpLocks/>
-            <a:stCxn id="82" idx="2"/>
-            <a:endCxn id="86" idx="1"/>
-          </p:cNvCxnSpPr>
-          <p:nvPr/>
-        </p:nvCxnSpPr>
-        <p:spPr>
-          <a:xfrm rot="16200000" flipH="1">
-            <a:off x="9976552" y="2303472"/>
-            <a:ext cx="211300" cy="273420"/>
-          </a:xfrm>
-          <a:prstGeom prst="bentConnector2">
-            <a:avLst/>
-          </a:prstGeom>
-        </p:spPr>
-        <p:style>
-          <a:lnRef idx="1">
-            <a:schemeClr val="accent1"/>
-          </a:lnRef>
-          <a:fillRef idx="0">
-            <a:schemeClr val="accent1"/>
-          </a:fillRef>
-          <a:effectRef idx="0">
-            <a:schemeClr val="accent1"/>
-          </a:effectRef>
-          <a:fontRef idx="minor">
-            <a:schemeClr val="tx1"/>
-          </a:fontRef>
-        </p:style>
-      </p:cxnSp>
-      <p:cxnSp>
-        <p:nvCxnSpPr>
-          <p:cNvPr id="89" name="연결선: 꺾임 88">
-            <a:extLst>
-              <a:ext uri="{FF2B5EF4-FFF2-40B4-BE49-F238E27FC236}">
-                <a16:creationId xmlns:a16="http://schemas.microsoft.com/office/drawing/2014/main" id="{E2424D5F-B12F-0555-2923-88A15E045193}"/>
-              </a:ext>
-            </a:extLst>
-          </p:cNvPr>
-          <p:cNvCxnSpPr>
-            <a:cxnSpLocks/>
-            <a:stCxn id="82" idx="2"/>
-            <a:endCxn id="88" idx="1"/>
-          </p:cNvCxnSpPr>
-          <p:nvPr/>
-        </p:nvCxnSpPr>
-        <p:spPr>
-          <a:xfrm rot="16200000" flipH="1">
-            <a:off x="9816862" y="2463161"/>
-            <a:ext cx="530678" cy="273419"/>
-          </a:xfrm>
-          <a:prstGeom prst="bentConnector2">
-            <a:avLst/>
-          </a:prstGeom>
-        </p:spPr>
-        <p:style>
-          <a:lnRef idx="1">
-            <a:schemeClr val="accent1"/>
-          </a:lnRef>
-          <a:fillRef idx="0">
-            <a:schemeClr val="accent1"/>
-          </a:fillRef>
-          <a:effectRef idx="0">
-            <a:schemeClr val="accent1"/>
-          </a:effectRef>
-          <a:fontRef idx="minor">
-            <a:schemeClr val="tx1"/>
-          </a:fontRef>
-        </p:style>
-      </p:cxnSp>
-      <p:sp>
-        <p:nvSpPr>
-          <p:cNvPr id="86" name="직사각형 85">
-            <a:extLst>
-              <a:ext uri="{FF2B5EF4-FFF2-40B4-BE49-F238E27FC236}">
-                <a16:creationId xmlns:a16="http://schemas.microsoft.com/office/drawing/2014/main" id="{625AC6D1-1576-CDB9-3C10-D339F91C67AF}"/>
-              </a:ext>
-            </a:extLst>
-          </p:cNvPr>
-          <p:cNvSpPr/>
-          <p:nvPr/>
-        </p:nvSpPr>
-        <p:spPr>
-          <a:xfrm>
-            <a:off x="10218912" y="2406567"/>
-            <a:ext cx="1021407" cy="278529"/>
-          </a:xfrm>
-          <a:prstGeom prst="rect">
-            <a:avLst/>
-          </a:prstGeom>
-          <a:noFill/>
-          <a:ln w="9525" cap="flat" cmpd="sng" algn="ctr">
-            <a:solidFill>
-              <a:schemeClr val="accent1"/>
-            </a:solidFill>
-            <a:prstDash val="solid"/>
-            <a:round/>
-            <a:headEnd type="none" w="med" len="med"/>
-            <a:tailEnd type="none" w="med" len="med"/>
-          </a:ln>
-        </p:spPr>
-        <p:style>
-          <a:lnRef idx="0">
-            <a:scrgbClr r="0" g="0" b="0"/>
-          </a:lnRef>
-          <a:fillRef idx="0">
-            <a:scrgbClr r="0" g="0" b="0"/>
-          </a:fillRef>
-          <a:effectRef idx="0">
-            <a:scrgbClr r="0" g="0" b="0"/>
-          </a:effectRef>
-          <a:fontRef idx="minor">
-            <a:schemeClr val="accent1"/>
-          </a:fontRef>
-        </p:style>
-        <p:txBody>
-          <a:bodyPr rtlCol="0" anchor="b"/>
-          <a:lstStyle/>
-          <a:p>
-            <a:pPr marL="0" marR="0" lvl="0" indent="0" algn="ctr" defTabSz="914400" rtl="0" eaLnBrk="1" fontAlgn="auto" latinLnBrk="0" hangingPunct="1">
-              <a:lnSpc>
-                <a:spcPct val="100000"/>
-              </a:lnSpc>
-              <a:spcBef>
-                <a:spcPts val="0"/>
-              </a:spcBef>
-              <a:spcAft>
-                <a:spcPts val="0"/>
-              </a:spcAft>
-              <a:buClrTx/>
-              <a:buSzTx/>
-              <a:buFontTx/>
-              <a:buNone/>
-              <a:tabLst/>
-              <a:defRPr/>
-            </a:pPr>
-            <a:r>
-              <a:rPr kumimoji="0" lang="en-US" altLang="ko-KR" sz="1050" b="0" i="0" u="none" strike="noStrike" kern="1200" cap="none" spc="0" normalizeH="0" baseline="0" noProof="0" dirty="0">
-                <a:ln>
-                  <a:noFill/>
-                </a:ln>
-                <a:solidFill>
-                  <a:srgbClr val="13BE89"/>
-                </a:solidFill>
-                <a:effectLst/>
-                <a:uLnTx/>
-                <a:uFillTx/>
-                <a:latin typeface="맑은 고딕"/>
-                <a:ea typeface="+mn-ea"/>
-                <a:cs typeface="+mn-cs"/>
-              </a:rPr>
-              <a:t>Device1</a:t>
-            </a:r>
-            <a:endParaRPr kumimoji="0" lang="ko-KR" altLang="en-US" sz="1050" b="0" i="0" u="none" strike="noStrike" kern="1200" cap="none" spc="0" normalizeH="0" baseline="0" noProof="0" dirty="0">
-              <a:ln>
-                <a:noFill/>
-              </a:ln>
-              <a:solidFill>
-                <a:prstClr val="white"/>
-              </a:solidFill>
-              <a:effectLst/>
-              <a:uLnTx/>
-              <a:uFillTx/>
-              <a:latin typeface="맑은 고딕"/>
-              <a:ea typeface="+mn-ea"/>
-              <a:cs typeface="+mn-cs"/>
-            </a:endParaRPr>
-          </a:p>
-        </p:txBody>
-      </p:sp>
-      <p:sp>
-        <p:nvSpPr>
-          <p:cNvPr id="88" name="직사각형 87">
-            <a:extLst>
-              <a:ext uri="{FF2B5EF4-FFF2-40B4-BE49-F238E27FC236}">
-                <a16:creationId xmlns:a16="http://schemas.microsoft.com/office/drawing/2014/main" id="{BA245E23-6E74-2A1F-9B5B-EFF243845596}"/>
-              </a:ext>
-            </a:extLst>
-          </p:cNvPr>
-          <p:cNvSpPr/>
-          <p:nvPr/>
-        </p:nvSpPr>
-        <p:spPr>
-          <a:xfrm>
-            <a:off x="10218911" y="2725945"/>
-            <a:ext cx="1021407" cy="278529"/>
-          </a:xfrm>
-          <a:prstGeom prst="rect">
-            <a:avLst/>
-          </a:prstGeom>
-          <a:noFill/>
-          <a:ln w="9525" cap="flat" cmpd="sng" algn="ctr">
-            <a:solidFill>
-              <a:schemeClr val="accent1"/>
-            </a:solidFill>
-            <a:prstDash val="solid"/>
-            <a:round/>
-            <a:headEnd type="none" w="med" len="med"/>
-            <a:tailEnd type="none" w="med" len="med"/>
-          </a:ln>
-        </p:spPr>
-        <p:style>
-          <a:lnRef idx="0">
-            <a:scrgbClr r="0" g="0" b="0"/>
-          </a:lnRef>
-          <a:fillRef idx="0">
-            <a:scrgbClr r="0" g="0" b="0"/>
-          </a:fillRef>
-          <a:effectRef idx="0">
-            <a:scrgbClr r="0" g="0" b="0"/>
-          </a:effectRef>
-          <a:fontRef idx="minor">
-            <a:schemeClr val="accent1"/>
-          </a:fontRef>
-        </p:style>
-        <p:txBody>
-          <a:bodyPr rtlCol="0" anchor="b"/>
-          <a:lstStyle/>
-          <a:p>
-            <a:pPr marL="0" marR="0" lvl="0" indent="0" algn="ctr" defTabSz="914400" rtl="0" eaLnBrk="1" fontAlgn="auto" latinLnBrk="0" hangingPunct="1">
-              <a:lnSpc>
-                <a:spcPct val="100000"/>
-              </a:lnSpc>
-              <a:spcBef>
-                <a:spcPts val="0"/>
-              </a:spcBef>
-              <a:spcAft>
-                <a:spcPts val="0"/>
-              </a:spcAft>
-              <a:buClrTx/>
-              <a:buSzTx/>
-              <a:buFontTx/>
-              <a:buNone/>
-              <a:tabLst/>
-              <a:defRPr/>
-            </a:pPr>
-            <a:r>
-              <a:rPr kumimoji="0" lang="en-US" altLang="ko-KR" sz="1050" b="0" i="0" u="none" strike="noStrike" kern="1200" cap="none" spc="0" normalizeH="0" baseline="0" noProof="0" dirty="0">
-                <a:ln>
-                  <a:noFill/>
-                </a:ln>
-                <a:solidFill>
-                  <a:srgbClr val="13BE89"/>
-                </a:solidFill>
-                <a:effectLst/>
-                <a:uLnTx/>
-                <a:uFillTx/>
-                <a:latin typeface="맑은 고딕"/>
-                <a:ea typeface="+mn-ea"/>
-                <a:cs typeface="+mn-cs"/>
-              </a:rPr>
-              <a:t>Device2</a:t>
-            </a:r>
-            <a:endParaRPr kumimoji="0" lang="ko-KR" altLang="en-US" sz="1050" b="0" i="0" u="none" strike="noStrike" kern="1200" cap="none" spc="0" normalizeH="0" baseline="0" noProof="0" dirty="0">
-              <a:ln>
-                <a:noFill/>
-              </a:ln>
-              <a:solidFill>
-                <a:prstClr val="white"/>
-              </a:solidFill>
-              <a:effectLst/>
-              <a:uLnTx/>
-              <a:uFillTx/>
-              <a:latin typeface="맑은 고딕"/>
-              <a:ea typeface="+mn-ea"/>
-              <a:cs typeface="+mn-cs"/>
-            </a:endParaRPr>
-          </a:p>
-        </p:txBody>
-      </p:sp>
-      <p:sp>
-        <p:nvSpPr>
-          <p:cNvPr id="102" name="직사각형 101">
-            <a:extLst>
-              <a:ext uri="{FF2B5EF4-FFF2-40B4-BE49-F238E27FC236}">
-                <a16:creationId xmlns:a16="http://schemas.microsoft.com/office/drawing/2014/main" id="{424310F4-3899-BB7B-19C3-4A961F98E111}"/>
-              </a:ext>
-            </a:extLst>
-          </p:cNvPr>
-          <p:cNvSpPr/>
-          <p:nvPr/>
-        </p:nvSpPr>
-        <p:spPr>
-          <a:xfrm>
-            <a:off x="10218910" y="3034719"/>
-            <a:ext cx="1021407" cy="278529"/>
-          </a:xfrm>
-          <a:prstGeom prst="rect">
-            <a:avLst/>
-          </a:prstGeom>
-          <a:noFill/>
-          <a:ln w="9525" cap="flat" cmpd="sng" algn="ctr">
-            <a:solidFill>
-              <a:schemeClr val="accent1"/>
-            </a:solidFill>
-            <a:prstDash val="solid"/>
-            <a:round/>
-            <a:headEnd type="none" w="med" len="med"/>
-            <a:tailEnd type="none" w="med" len="med"/>
-          </a:ln>
-        </p:spPr>
-        <p:style>
-          <a:lnRef idx="0">
-            <a:scrgbClr r="0" g="0" b="0"/>
-          </a:lnRef>
-          <a:fillRef idx="0">
-            <a:scrgbClr r="0" g="0" b="0"/>
-          </a:fillRef>
-          <a:effectRef idx="0">
-            <a:scrgbClr r="0" g="0" b="0"/>
-          </a:effectRef>
-          <a:fontRef idx="minor">
-            <a:schemeClr val="accent1"/>
-          </a:fontRef>
-        </p:style>
-        <p:txBody>
-          <a:bodyPr rtlCol="0" anchor="b"/>
-          <a:lstStyle/>
-          <a:p>
-            <a:pPr marL="0" marR="0" lvl="0" indent="0" algn="ctr" defTabSz="914400" rtl="0" eaLnBrk="1" fontAlgn="auto" latinLnBrk="0" hangingPunct="1">
-              <a:lnSpc>
-                <a:spcPct val="100000"/>
-              </a:lnSpc>
-              <a:spcBef>
-                <a:spcPts val="0"/>
-              </a:spcBef>
-              <a:spcAft>
-                <a:spcPts val="0"/>
-              </a:spcAft>
-              <a:buClrTx/>
-              <a:buSzTx/>
-              <a:buFontTx/>
-              <a:buNone/>
-              <a:tabLst/>
-              <a:defRPr/>
-            </a:pPr>
-            <a:r>
-              <a:rPr kumimoji="0" lang="en-US" altLang="ko-KR" sz="1050" b="0" i="0" u="none" strike="noStrike" kern="1200" cap="none" spc="0" normalizeH="0" baseline="0" noProof="0" dirty="0">
-                <a:ln>
-                  <a:noFill/>
-                </a:ln>
-                <a:solidFill>
-                  <a:srgbClr val="13BE89"/>
-                </a:solidFill>
-                <a:effectLst/>
-                <a:uLnTx/>
-                <a:uFillTx/>
-                <a:latin typeface="맑은 고딕"/>
-                <a:ea typeface="+mn-ea"/>
-                <a:cs typeface="+mn-cs"/>
-              </a:rPr>
-              <a:t>Device3</a:t>
-            </a:r>
-            <a:endParaRPr kumimoji="0" lang="ko-KR" altLang="en-US" sz="1050" b="0" i="0" u="none" strike="noStrike" kern="1200" cap="none" spc="0" normalizeH="0" baseline="0" noProof="0" dirty="0">
-              <a:ln>
-                <a:noFill/>
-              </a:ln>
-              <a:solidFill>
-                <a:prstClr val="white"/>
-              </a:solidFill>
-              <a:effectLst/>
-              <a:uLnTx/>
-              <a:uFillTx/>
-              <a:latin typeface="맑은 고딕"/>
-              <a:ea typeface="+mn-ea"/>
-              <a:cs typeface="+mn-cs"/>
-            </a:endParaRPr>
-          </a:p>
-        </p:txBody>
-      </p:sp>
-      <p:cxnSp>
-        <p:nvCxnSpPr>
-          <p:cNvPr id="103" name="연결선: 꺾임 102">
-            <a:extLst>
-              <a:ext uri="{FF2B5EF4-FFF2-40B4-BE49-F238E27FC236}">
-                <a16:creationId xmlns:a16="http://schemas.microsoft.com/office/drawing/2014/main" id="{8F4EE54C-25E4-F189-F6BB-21E16199F04E}"/>
-              </a:ext>
-            </a:extLst>
-          </p:cNvPr>
-          <p:cNvCxnSpPr>
-            <a:cxnSpLocks/>
-            <a:stCxn id="82" idx="2"/>
-            <a:endCxn id="102" idx="1"/>
-          </p:cNvCxnSpPr>
-          <p:nvPr/>
-        </p:nvCxnSpPr>
-        <p:spPr>
-          <a:xfrm rot="16200000" flipH="1">
-            <a:off x="9662475" y="2617549"/>
-            <a:ext cx="839452" cy="273418"/>
-          </a:xfrm>
-          <a:prstGeom prst="bentConnector2">
-            <a:avLst/>
-          </a:prstGeom>
-        </p:spPr>
-        <p:style>
-          <a:lnRef idx="1">
-            <a:schemeClr val="accent1"/>
-          </a:lnRef>
-          <a:fillRef idx="0">
-            <a:schemeClr val="accent1"/>
-          </a:fillRef>
-          <a:effectRef idx="0">
-            <a:schemeClr val="accent1"/>
-          </a:effectRef>
-          <a:fontRef idx="minor">
-            <a:schemeClr val="tx1"/>
-          </a:fontRef>
-        </p:style>
-      </p:cxnSp>
     </p:spTree>
     <p:extLst>
       <p:ext uri="{BB962C8B-B14F-4D97-AF65-F5344CB8AC3E}">
-        <p14:creationId xmlns:p14="http://schemas.microsoft.com/office/powerpoint/2010/main" val="1182369652"/>
+        <p14:creationId xmlns:p14="http://schemas.microsoft.com/office/powerpoint/2010/main" val="3592087420"/>
       </p:ext>
     </p:extLst>
   </p:cSld>

--- a/DsDotNet/src/UnitTest/UnitTest.Model/ImportOfficeExample/Sample/Sub/Line.pptx
+++ b/DsDotNet/src/UnitTest/UnitTest.Model/ImportOfficeExample/Sample/Sub/Line.pptx
@@ -2549,7 +2549,7 @@
             <a:pPr algn="ctr"/>
             <a:r>
               <a:rPr lang="en-US" altLang="ko-KR" dirty="0"/>
-              <a:t>Sub/Station </a:t>
+              <a:t>Sub/Sub/Station </a:t>
             </a:r>
           </a:p>
           <a:p>
@@ -2576,7 +2576,7 @@
         </p:nvSpPr>
         <p:spPr>
           <a:xfrm flipH="1">
-            <a:off x="2148407" y="4439456"/>
+            <a:off x="2086917" y="4439456"/>
             <a:ext cx="1279303" cy="651750"/>
           </a:xfrm>
           <a:prstGeom prst="rect">
@@ -3276,8 +3276,8 @@
         </p:nvSpPr>
         <p:spPr>
           <a:xfrm flipH="1">
-            <a:off x="7549773" y="5202337"/>
-            <a:ext cx="1454282" cy="651750"/>
+            <a:off x="7748337" y="5202337"/>
+            <a:ext cx="1255718" cy="651750"/>
           </a:xfrm>
           <a:prstGeom prst="rect">
             <a:avLst/>
@@ -3776,14 +3776,14 @@
           <p:nvPr/>
         </p:nvCxnSpPr>
         <p:spPr>
-          <a:xfrm rot="16200000" flipV="1">
-            <a:off x="5307934" y="2885107"/>
-            <a:ext cx="1088756" cy="4849205"/>
+          <a:xfrm rot="5400000" flipH="1">
+            <a:off x="5326830" y="2804721"/>
+            <a:ext cx="1088756" cy="5009976"/>
           </a:xfrm>
           <a:prstGeom prst="bentConnector4">
             <a:avLst>
-              <a:gd name="adj1" fmla="val -36141"/>
-              <a:gd name="adj2" fmla="val 96631"/>
+              <a:gd name="adj1" fmla="val -20996"/>
+              <a:gd name="adj2" fmla="val 56266"/>
             </a:avLst>
           </a:prstGeom>
           <a:ln w="28575" cap="flat" cmpd="sng" algn="ctr">
@@ -3829,8 +3829,8 @@
         </p:nvCxnSpPr>
         <p:spPr>
           <a:xfrm flipH="1">
-            <a:off x="3427710" y="4765331"/>
-            <a:ext cx="2409871" cy="0"/>
+            <a:off x="3366220" y="4765331"/>
+            <a:ext cx="2471360" cy="0"/>
           </a:xfrm>
           <a:prstGeom prst="straightConnector1">
             <a:avLst/>
@@ -3877,9 +3877,9 @@
           <p:nvPr/>
         </p:nvCxnSpPr>
         <p:spPr>
-          <a:xfrm flipH="1" flipV="1">
-            <a:off x="3427710" y="4765331"/>
-            <a:ext cx="324792" cy="765167"/>
+          <a:xfrm rot="10800000">
+            <a:off x="3366221" y="4765332"/>
+            <a:ext cx="386281" cy="765167"/>
           </a:xfrm>
           <a:prstGeom prst="bentConnector3">
             <a:avLst>
@@ -3928,9 +3928,9 @@
           <p:nvPr/>
         </p:nvCxnSpPr>
         <p:spPr>
-          <a:xfrm flipH="1">
-            <a:off x="3427710" y="4000057"/>
-            <a:ext cx="324792" cy="765274"/>
+          <a:xfrm rot="10800000" flipV="1">
+            <a:off x="3366221" y="4000057"/>
+            <a:ext cx="386281" cy="765273"/>
           </a:xfrm>
           <a:prstGeom prst="bentConnector3">
             <a:avLst>
@@ -4141,66 +4141,8 @@
           <a:p>
             <a:pPr algn="ctr"/>
             <a:r>
-              <a:rPr lang="en-US" altLang="ko-KR" sz="1200"/>
+              <a:rPr lang="en-US" altLang="ko-KR" sz="1200" dirty="0"/>
               <a:t>RUN</a:t>
-            </a:r>
-            <a:endParaRPr lang="ko-KR" altLang="en-US" sz="1200" dirty="0"/>
-          </a:p>
-        </p:txBody>
-      </p:sp>
-      <p:sp>
-        <p:nvSpPr>
-          <p:cNvPr id="88" name="직사각형 87">
-            <a:extLst>
-              <a:ext uri="{FF2B5EF4-FFF2-40B4-BE49-F238E27FC236}">
-                <a16:creationId xmlns:a16="http://schemas.microsoft.com/office/drawing/2014/main" id="{55FBBE52-A610-B7A9-A78C-B0DE0A123088}"/>
-              </a:ext>
-            </a:extLst>
-          </p:cNvPr>
-          <p:cNvSpPr/>
-          <p:nvPr/>
-        </p:nvSpPr>
-        <p:spPr>
-          <a:xfrm>
-            <a:off x="9633610" y="6015181"/>
-            <a:ext cx="1164481" cy="529248"/>
-          </a:xfrm>
-          <a:prstGeom prst="rect">
-            <a:avLst/>
-          </a:prstGeom>
-          <a:solidFill>
-            <a:schemeClr val="accent4">
-              <a:alpha val="50000"/>
-            </a:schemeClr>
-          </a:solidFill>
-          <a:ln>
-            <a:noFill/>
-          </a:ln>
-        </p:spPr>
-        <p:style>
-          <a:lnRef idx="0">
-            <a:scrgbClr r="0" g="0" b="0"/>
-          </a:lnRef>
-          <a:fillRef idx="0">
-            <a:scrgbClr r="0" g="0" b="0"/>
-          </a:fillRef>
-          <a:effectRef idx="0">
-            <a:scrgbClr r="0" g="0" b="0"/>
-          </a:effectRef>
-          <a:fontRef idx="minor">
-            <a:schemeClr val="lt1"/>
-          </a:fontRef>
-        </p:style>
-        <p:txBody>
-          <a:bodyPr rtlCol="0" anchor="ctr"/>
-          <a:lstStyle/>
-          <a:p>
-            <a:pPr algn="ctr"/>
-            <a:r>
-              <a:rPr lang="en-US" altLang="ko-KR" sz="1200" dirty="0">
-                <a:ea typeface="현대하모니 M" panose="02020603020101020101"/>
-              </a:rPr>
-              <a:t>REMOVE</a:t>
             </a:r>
             <a:endParaRPr lang="ko-KR" altLang="en-US" sz="1200" dirty="0"/>
           </a:p>
@@ -4365,7 +4307,11 @@
               <a:rPr lang="en-US" altLang="ko-KR" sz="1200" dirty="0">
                 <a:ea typeface="현대하모니 M" panose="02020603020101020101"/>
               </a:rPr>
-              <a:t>[RUN</a:t>
+              <a:t>[</a:t>
+            </a:r>
+            <a:r>
+              <a:rPr lang="en-US" altLang="ko-KR" sz="1200" dirty="0"/>
+              <a:t>START</a:t>
             </a:r>
             <a:r>
               <a:rPr lang="en-US" altLang="ko-KR" sz="1200" dirty="0">
@@ -4420,12 +4366,525 @@
           </a:p>
         </p:txBody>
       </p:sp>
+      <p:cxnSp>
+        <p:nvCxnSpPr>
+          <p:cNvPr id="91" name="연결선: 꺾임 90">
+            <a:extLst>
+              <a:ext uri="{FF2B5EF4-FFF2-40B4-BE49-F238E27FC236}">
+                <a16:creationId xmlns:a16="http://schemas.microsoft.com/office/drawing/2014/main" id="{8A413A50-240C-A113-B5C4-3AFCA8E14841}"/>
+              </a:ext>
+            </a:extLst>
+          </p:cNvPr>
+          <p:cNvCxnSpPr>
+            <a:cxnSpLocks/>
+            <a:stCxn id="87" idx="1"/>
+            <a:endCxn id="40" idx="1"/>
+          </p:cNvCxnSpPr>
+          <p:nvPr/>
+        </p:nvCxnSpPr>
+        <p:spPr>
+          <a:xfrm rot="10800000">
+            <a:off x="8994228" y="1517533"/>
+            <a:ext cx="639382" cy="2433413"/>
+          </a:xfrm>
+          <a:prstGeom prst="bentConnector3">
+            <a:avLst>
+              <a:gd name="adj1" fmla="val 50000"/>
+            </a:avLst>
+          </a:prstGeom>
+          <a:ln w="28575" cap="flat" cmpd="sng" algn="ctr">
+            <a:solidFill>
+              <a:schemeClr val="accent2"/>
+            </a:solidFill>
+            <a:prstDash val="solid"/>
+            <a:round/>
+            <a:headEnd type="none" w="med" len="med"/>
+            <a:tailEnd type="triangle" w="med" len="med"/>
+          </a:ln>
+        </p:spPr>
+        <p:style>
+          <a:lnRef idx="0">
+            <a:scrgbClr r="0" g="0" b="0"/>
+          </a:lnRef>
+          <a:fillRef idx="0">
+            <a:scrgbClr r="0" g="0" b="0"/>
+          </a:fillRef>
+          <a:effectRef idx="0">
+            <a:scrgbClr r="0" g="0" b="0"/>
+          </a:effectRef>
+          <a:fontRef idx="minor">
+            <a:schemeClr val="tx1"/>
+          </a:fontRef>
+        </p:style>
+      </p:cxnSp>
+      <p:cxnSp>
+        <p:nvCxnSpPr>
+          <p:cNvPr id="92" name="연결선: 꺾임 91">
+            <a:extLst>
+              <a:ext uri="{FF2B5EF4-FFF2-40B4-BE49-F238E27FC236}">
+                <a16:creationId xmlns:a16="http://schemas.microsoft.com/office/drawing/2014/main" id="{2E96DCC2-A22F-B9C8-B329-275975E5A008}"/>
+              </a:ext>
+            </a:extLst>
+          </p:cNvPr>
+          <p:cNvCxnSpPr>
+            <a:cxnSpLocks/>
+            <a:stCxn id="87" idx="1"/>
+            <a:endCxn id="51" idx="1"/>
+          </p:cNvCxnSpPr>
+          <p:nvPr/>
+        </p:nvCxnSpPr>
+        <p:spPr>
+          <a:xfrm rot="10800000" flipV="1">
+            <a:off x="9004056" y="3950944"/>
+            <a:ext cx="629555" cy="1577267"/>
+          </a:xfrm>
+          <a:prstGeom prst="bentConnector3">
+            <a:avLst>
+              <a:gd name="adj1" fmla="val 50000"/>
+            </a:avLst>
+          </a:prstGeom>
+          <a:ln w="28575" cap="flat" cmpd="sng" algn="ctr">
+            <a:solidFill>
+              <a:schemeClr val="accent2"/>
+            </a:solidFill>
+            <a:prstDash val="solid"/>
+            <a:round/>
+            <a:headEnd type="none" w="med" len="med"/>
+            <a:tailEnd type="triangle" w="med" len="med"/>
+          </a:ln>
+        </p:spPr>
+        <p:style>
+          <a:lnRef idx="0">
+            <a:scrgbClr r="0" g="0" b="0"/>
+          </a:lnRef>
+          <a:fillRef idx="0">
+            <a:scrgbClr r="0" g="0" b="0"/>
+          </a:fillRef>
+          <a:effectRef idx="0">
+            <a:scrgbClr r="0" g="0" b="0"/>
+          </a:effectRef>
+          <a:fontRef idx="minor">
+            <a:schemeClr val="tx1"/>
+          </a:fontRef>
+        </p:style>
+      </p:cxnSp>
+      <p:cxnSp>
+        <p:nvCxnSpPr>
+          <p:cNvPr id="100" name="연결선: 꺾임 99">
+            <a:extLst>
+              <a:ext uri="{FF2B5EF4-FFF2-40B4-BE49-F238E27FC236}">
+                <a16:creationId xmlns:a16="http://schemas.microsoft.com/office/drawing/2014/main" id="{522BD638-D4B8-F23F-2898-E54BB9969121}"/>
+              </a:ext>
+            </a:extLst>
+          </p:cNvPr>
+          <p:cNvCxnSpPr>
+            <a:cxnSpLocks/>
+            <a:stCxn id="87" idx="1"/>
+            <a:endCxn id="52" idx="1"/>
+          </p:cNvCxnSpPr>
+          <p:nvPr/>
+        </p:nvCxnSpPr>
+        <p:spPr>
+          <a:xfrm rot="10800000">
+            <a:off x="9004056" y="2276579"/>
+            <a:ext cx="629555" cy="1674367"/>
+          </a:xfrm>
+          <a:prstGeom prst="bentConnector3">
+            <a:avLst>
+              <a:gd name="adj1" fmla="val 50000"/>
+            </a:avLst>
+          </a:prstGeom>
+          <a:ln w="28575" cap="flat" cmpd="sng" algn="ctr">
+            <a:solidFill>
+              <a:schemeClr val="accent2"/>
+            </a:solidFill>
+            <a:prstDash val="solid"/>
+            <a:round/>
+            <a:headEnd type="none" w="med" len="med"/>
+            <a:tailEnd type="triangle" w="med" len="med"/>
+          </a:ln>
+        </p:spPr>
+        <p:style>
+          <a:lnRef idx="0">
+            <a:scrgbClr r="0" g="0" b="0"/>
+          </a:lnRef>
+          <a:fillRef idx="0">
+            <a:scrgbClr r="0" g="0" b="0"/>
+          </a:fillRef>
+          <a:effectRef idx="0">
+            <a:scrgbClr r="0" g="0" b="0"/>
+          </a:effectRef>
+          <a:fontRef idx="minor">
+            <a:schemeClr val="tx1"/>
+          </a:fontRef>
+        </p:style>
+      </p:cxnSp>
+      <p:cxnSp>
+        <p:nvCxnSpPr>
+          <p:cNvPr id="103" name="연결선: 꺾임 102">
+            <a:extLst>
+              <a:ext uri="{FF2B5EF4-FFF2-40B4-BE49-F238E27FC236}">
+                <a16:creationId xmlns:a16="http://schemas.microsoft.com/office/drawing/2014/main" id="{F0ED640E-4C68-900F-4F3B-7D40CFEE4C20}"/>
+              </a:ext>
+            </a:extLst>
+          </p:cNvPr>
+          <p:cNvCxnSpPr>
+            <a:cxnSpLocks/>
+            <a:stCxn id="87" idx="1"/>
+            <a:endCxn id="44" idx="1"/>
+          </p:cNvCxnSpPr>
+          <p:nvPr/>
+        </p:nvCxnSpPr>
+        <p:spPr>
+          <a:xfrm rot="10800000">
+            <a:off x="8994228" y="3047971"/>
+            <a:ext cx="639382" cy="902975"/>
+          </a:xfrm>
+          <a:prstGeom prst="bentConnector3">
+            <a:avLst>
+              <a:gd name="adj1" fmla="val 50000"/>
+            </a:avLst>
+          </a:prstGeom>
+          <a:ln w="28575" cap="flat" cmpd="sng" algn="ctr">
+            <a:solidFill>
+              <a:schemeClr val="accent2"/>
+            </a:solidFill>
+            <a:prstDash val="solid"/>
+            <a:round/>
+            <a:headEnd type="none" w="med" len="med"/>
+            <a:tailEnd type="triangle" w="med" len="med"/>
+          </a:ln>
+        </p:spPr>
+        <p:style>
+          <a:lnRef idx="0">
+            <a:scrgbClr r="0" g="0" b="0"/>
+          </a:lnRef>
+          <a:fillRef idx="0">
+            <a:scrgbClr r="0" g="0" b="0"/>
+          </a:fillRef>
+          <a:effectRef idx="0">
+            <a:scrgbClr r="0" g="0" b="0"/>
+          </a:effectRef>
+          <a:fontRef idx="minor">
+            <a:schemeClr val="tx1"/>
+          </a:fontRef>
+        </p:style>
+      </p:cxnSp>
+      <p:cxnSp>
+        <p:nvCxnSpPr>
+          <p:cNvPr id="14" name="연결선: 꺾임 13">
+            <a:extLst>
+              <a:ext uri="{FF2B5EF4-FFF2-40B4-BE49-F238E27FC236}">
+                <a16:creationId xmlns:a16="http://schemas.microsoft.com/office/drawing/2014/main" id="{53648CE7-300A-32BE-8254-955BA051A463}"/>
+              </a:ext>
+            </a:extLst>
+          </p:cNvPr>
+          <p:cNvCxnSpPr>
+            <a:cxnSpLocks/>
+            <a:stCxn id="44" idx="2"/>
+            <a:endCxn id="87" idx="2"/>
+          </p:cNvCxnSpPr>
+          <p:nvPr/>
+        </p:nvCxnSpPr>
+        <p:spPr>
+          <a:xfrm rot="16200000" flipH="1">
+            <a:off x="8583217" y="2582935"/>
+            <a:ext cx="841724" cy="2423544"/>
+          </a:xfrm>
+          <a:prstGeom prst="bentConnector3">
+            <a:avLst>
+              <a:gd name="adj1" fmla="val 118011"/>
+            </a:avLst>
+          </a:prstGeom>
+          <a:ln w="38100">
+            <a:prstDash val="lgDash"/>
+            <a:tailEnd type="triangle"/>
+          </a:ln>
+        </p:spPr>
+        <p:style>
+          <a:lnRef idx="1">
+            <a:schemeClr val="accent1"/>
+          </a:lnRef>
+          <a:fillRef idx="0">
+            <a:schemeClr val="accent1"/>
+          </a:fillRef>
+          <a:effectRef idx="0">
+            <a:schemeClr val="accent1"/>
+          </a:effectRef>
+          <a:fontRef idx="minor">
+            <a:schemeClr val="tx1"/>
+          </a:fontRef>
+        </p:style>
+      </p:cxnSp>
       <p:sp>
         <p:nvSpPr>
-          <p:cNvPr id="90" name="화살표: 오각형 89">
-            <a:extLst>
-              <a:ext uri="{FF2B5EF4-FFF2-40B4-BE49-F238E27FC236}">
-                <a16:creationId xmlns:a16="http://schemas.microsoft.com/office/drawing/2014/main" id="{8EDD36D5-9A4B-3BBC-894A-6B229D9E9259}"/>
+          <p:cNvPr id="32" name="직사각형 31">
+            <a:extLst>
+              <a:ext uri="{FF2B5EF4-FFF2-40B4-BE49-F238E27FC236}">
+                <a16:creationId xmlns:a16="http://schemas.microsoft.com/office/drawing/2014/main" id="{B60BA749-C1E9-65CC-7762-1F6133AB386B}"/>
+              </a:ext>
+            </a:extLst>
+          </p:cNvPr>
+          <p:cNvSpPr/>
+          <p:nvPr/>
+        </p:nvSpPr>
+        <p:spPr>
+          <a:xfrm>
+            <a:off x="482200" y="3521238"/>
+            <a:ext cx="1164481" cy="529248"/>
+          </a:xfrm>
+          <a:prstGeom prst="rect">
+            <a:avLst/>
+          </a:prstGeom>
+          <a:solidFill>
+            <a:schemeClr val="accent4">
+              <a:alpha val="50000"/>
+            </a:schemeClr>
+          </a:solidFill>
+          <a:ln>
+            <a:noFill/>
+          </a:ln>
+        </p:spPr>
+        <p:style>
+          <a:lnRef idx="0">
+            <a:scrgbClr r="0" g="0" b="0"/>
+          </a:lnRef>
+          <a:fillRef idx="0">
+            <a:scrgbClr r="0" g="0" b="0"/>
+          </a:fillRef>
+          <a:effectRef idx="0">
+            <a:scrgbClr r="0" g="0" b="0"/>
+          </a:effectRef>
+          <a:fontRef idx="minor">
+            <a:schemeClr val="lt1"/>
+          </a:fontRef>
+        </p:style>
+        <p:txBody>
+          <a:bodyPr rtlCol="0" anchor="ctr"/>
+          <a:lstStyle/>
+          <a:p>
+            <a:pPr algn="ctr"/>
+            <a:r>
+              <a:rPr lang="en-US" altLang="ko-KR" sz="1200" dirty="0"/>
+              <a:t>Unloading</a:t>
+            </a:r>
+            <a:endParaRPr lang="ko-KR" altLang="en-US" sz="1200" dirty="0"/>
+          </a:p>
+        </p:txBody>
+      </p:sp>
+      <p:cxnSp>
+        <p:nvCxnSpPr>
+          <p:cNvPr id="34" name="직선 화살표 연결선 33">
+            <a:extLst>
+              <a:ext uri="{FF2B5EF4-FFF2-40B4-BE49-F238E27FC236}">
+                <a16:creationId xmlns:a16="http://schemas.microsoft.com/office/drawing/2014/main" id="{DE284250-FB95-9699-AA50-37EFFD51BC5D}"/>
+              </a:ext>
+            </a:extLst>
+          </p:cNvPr>
+          <p:cNvCxnSpPr>
+            <a:cxnSpLocks/>
+            <a:stCxn id="38" idx="0"/>
+            <a:endCxn id="32" idx="3"/>
+          </p:cNvCxnSpPr>
+          <p:nvPr/>
+        </p:nvCxnSpPr>
+        <p:spPr>
+          <a:xfrm flipH="1" flipV="1">
+            <a:off x="1646681" y="3785862"/>
+            <a:ext cx="1079887" cy="653594"/>
+          </a:xfrm>
+          <a:prstGeom prst="straightConnector1">
+            <a:avLst/>
+          </a:prstGeom>
+          <a:ln w="28575" cap="flat" cmpd="sng" algn="ctr">
+            <a:solidFill>
+              <a:schemeClr val="accent2"/>
+            </a:solidFill>
+            <a:prstDash val="solid"/>
+            <a:round/>
+            <a:headEnd type="diamond" w="med" len="med"/>
+            <a:tailEnd type="triangle" w="med" len="med"/>
+          </a:ln>
+        </p:spPr>
+        <p:style>
+          <a:lnRef idx="0">
+            <a:scrgbClr r="0" g="0" b="0"/>
+          </a:lnRef>
+          <a:fillRef idx="0">
+            <a:scrgbClr r="0" g="0" b="0"/>
+          </a:fillRef>
+          <a:effectRef idx="0">
+            <a:scrgbClr r="0" g="0" b="0"/>
+          </a:effectRef>
+          <a:fontRef idx="minor">
+            <a:schemeClr val="tx1"/>
+          </a:fontRef>
+        </p:style>
+      </p:cxnSp>
+      <p:sp>
+        <p:nvSpPr>
+          <p:cNvPr id="42" name="직사각형 41">
+            <a:extLst>
+              <a:ext uri="{FF2B5EF4-FFF2-40B4-BE49-F238E27FC236}">
+                <a16:creationId xmlns:a16="http://schemas.microsoft.com/office/drawing/2014/main" id="{AD647438-7C4B-93F2-0ADF-3188DB22BC24}"/>
+              </a:ext>
+            </a:extLst>
+          </p:cNvPr>
+          <p:cNvSpPr/>
+          <p:nvPr/>
+        </p:nvSpPr>
+        <p:spPr>
+          <a:xfrm>
+            <a:off x="482200" y="4673089"/>
+            <a:ext cx="1164481" cy="529248"/>
+          </a:xfrm>
+          <a:prstGeom prst="rect">
+            <a:avLst/>
+          </a:prstGeom>
+          <a:solidFill>
+            <a:schemeClr val="accent4">
+              <a:alpha val="50000"/>
+            </a:schemeClr>
+          </a:solidFill>
+          <a:ln>
+            <a:noFill/>
+          </a:ln>
+        </p:spPr>
+        <p:style>
+          <a:lnRef idx="0">
+            <a:scrgbClr r="0" g="0" b="0"/>
+          </a:lnRef>
+          <a:fillRef idx="0">
+            <a:scrgbClr r="0" g="0" b="0"/>
+          </a:fillRef>
+          <a:effectRef idx="0">
+            <a:scrgbClr r="0" g="0" b="0"/>
+          </a:effectRef>
+          <a:fontRef idx="minor">
+            <a:schemeClr val="lt1"/>
+          </a:fontRef>
+        </p:style>
+        <p:txBody>
+          <a:bodyPr rtlCol="0" anchor="ctr"/>
+          <a:lstStyle/>
+          <a:p>
+            <a:pPr algn="ctr"/>
+            <a:r>
+              <a:rPr lang="en-US" altLang="ko-KR" sz="1200" dirty="0"/>
+              <a:t>RESET</a:t>
+            </a:r>
+            <a:endParaRPr lang="ko-KR" altLang="en-US" sz="1200" dirty="0"/>
+          </a:p>
+        </p:txBody>
+      </p:sp>
+      <p:cxnSp>
+        <p:nvCxnSpPr>
+          <p:cNvPr id="43" name="연결선: 꺾임 42">
+            <a:extLst>
+              <a:ext uri="{FF2B5EF4-FFF2-40B4-BE49-F238E27FC236}">
+                <a16:creationId xmlns:a16="http://schemas.microsoft.com/office/drawing/2014/main" id="{3D71725D-DB42-DBDE-D53B-23A014CA7E37}"/>
+              </a:ext>
+            </a:extLst>
+          </p:cNvPr>
+          <p:cNvCxnSpPr>
+            <a:cxnSpLocks/>
+            <a:stCxn id="32" idx="1"/>
+            <a:endCxn id="42" idx="1"/>
+          </p:cNvCxnSpPr>
+          <p:nvPr/>
+        </p:nvCxnSpPr>
+        <p:spPr>
+          <a:xfrm rot="10800000" flipV="1">
+            <a:off x="482200" y="3785861"/>
+            <a:ext cx="12700" cy="1151851"/>
+          </a:xfrm>
+          <a:prstGeom prst="bentConnector3">
+            <a:avLst>
+              <a:gd name="adj1" fmla="val 1800000"/>
+            </a:avLst>
+          </a:prstGeom>
+          <a:ln w="28575" cap="flat" cmpd="sng" algn="ctr">
+            <a:solidFill>
+              <a:schemeClr val="accent2"/>
+            </a:solidFill>
+            <a:prstDash val="solid"/>
+            <a:round/>
+            <a:headEnd type="diamond" w="med" len="med"/>
+            <a:tailEnd type="triangle" w="med" len="med"/>
+          </a:ln>
+        </p:spPr>
+        <p:style>
+          <a:lnRef idx="0">
+            <a:scrgbClr r="0" g="0" b="0"/>
+          </a:lnRef>
+          <a:fillRef idx="0">
+            <a:scrgbClr r="0" g="0" b="0"/>
+          </a:fillRef>
+          <a:effectRef idx="0">
+            <a:scrgbClr r="0" g="0" b="0"/>
+          </a:effectRef>
+          <a:fontRef idx="minor">
+            <a:schemeClr val="tx1"/>
+          </a:fontRef>
+        </p:style>
+      </p:cxnSp>
+      <p:cxnSp>
+        <p:nvCxnSpPr>
+          <p:cNvPr id="49" name="연결선: 꺾임 48">
+            <a:extLst>
+              <a:ext uri="{FF2B5EF4-FFF2-40B4-BE49-F238E27FC236}">
+                <a16:creationId xmlns:a16="http://schemas.microsoft.com/office/drawing/2014/main" id="{CA95C444-CF7C-03B3-60B8-BAA40D6B3924}"/>
+              </a:ext>
+            </a:extLst>
+          </p:cNvPr>
+          <p:cNvCxnSpPr>
+            <a:cxnSpLocks/>
+            <a:stCxn id="42" idx="3"/>
+            <a:endCxn id="32" idx="3"/>
+          </p:cNvCxnSpPr>
+          <p:nvPr/>
+        </p:nvCxnSpPr>
+        <p:spPr>
+          <a:xfrm flipV="1">
+            <a:off x="1646681" y="3785862"/>
+            <a:ext cx="12700" cy="1151851"/>
+          </a:xfrm>
+          <a:prstGeom prst="bentConnector3">
+            <a:avLst>
+              <a:gd name="adj1" fmla="val 1800000"/>
+            </a:avLst>
+          </a:prstGeom>
+          <a:ln w="28575" cap="flat" cmpd="sng" algn="ctr">
+            <a:solidFill>
+              <a:schemeClr val="accent2"/>
+            </a:solidFill>
+            <a:prstDash val="solid"/>
+            <a:round/>
+            <a:headEnd type="diamond" w="med" len="med"/>
+            <a:tailEnd type="triangle" w="med" len="med"/>
+          </a:ln>
+        </p:spPr>
+        <p:style>
+          <a:lnRef idx="0">
+            <a:scrgbClr r="0" g="0" b="0"/>
+          </a:lnRef>
+          <a:fillRef idx="0">
+            <a:scrgbClr r="0" g="0" b="0"/>
+          </a:fillRef>
+          <a:effectRef idx="0">
+            <a:scrgbClr r="0" g="0" b="0"/>
+          </a:effectRef>
+          <a:fontRef idx="minor">
+            <a:schemeClr val="tx1"/>
+          </a:fontRef>
+        </p:style>
+      </p:cxnSp>
+      <p:sp>
+        <p:nvSpPr>
+          <p:cNvPr id="56" name="화살표: 오각형 55">
+            <a:extLst>
+              <a:ext uri="{FF2B5EF4-FFF2-40B4-BE49-F238E27FC236}">
+                <a16:creationId xmlns:a16="http://schemas.microsoft.com/office/drawing/2014/main" id="{61259ECB-2D95-089A-D6BB-B2C745694794}"/>
               </a:ext>
             </a:extLst>
           </p:cNvPr>
@@ -4434,7 +4893,7 @@
         </p:nvSpPr>
         <p:spPr>
           <a:xfrm flipH="1">
-            <a:off x="43644" y="2525378"/>
+            <a:off x="14532" y="2112625"/>
             <a:ext cx="1561671" cy="690024"/>
           </a:xfrm>
           <a:prstGeom prst="homePlate">
@@ -4579,7 +5038,45 @@
               <a:rPr lang="en-US" altLang="ko-KR" sz="1200" dirty="0">
                 <a:ea typeface="현대하모니 M" panose="02020603020101020101"/>
               </a:rPr>
-              <a:t>[REMOVE~]</a:t>
+              <a:t>[</a:t>
+            </a:r>
+            <a:r>
+              <a:rPr lang="en-US" altLang="ko-KR" sz="1200" dirty="0"/>
+              <a:t>RESET</a:t>
+            </a:r>
+            <a:r>
+              <a:rPr lang="en-US" altLang="ko-KR" sz="1200" dirty="0">
+                <a:solidFill>
+                  <a:prstClr val="white"/>
+                </a:solidFill>
+                <a:latin typeface="맑은 고딕"/>
+              </a:rPr>
+              <a:t> </a:t>
+            </a:r>
+            <a:r>
+              <a:rPr lang="en-US" altLang="ko-KR" sz="1200" dirty="0">
+                <a:ea typeface="현대하모니 M" panose="02020603020101020101"/>
+              </a:rPr>
+              <a:t>~</a:t>
+            </a:r>
+            <a:r>
+              <a:rPr lang="en-US" altLang="ko-KR" sz="1200" dirty="0">
+                <a:solidFill>
+                  <a:prstClr val="white"/>
+                </a:solidFill>
+                <a:latin typeface="맑은 고딕"/>
+              </a:rPr>
+              <a:t> </a:t>
+            </a:r>
+            <a:r>
+              <a:rPr lang="en-US" altLang="ko-KR" sz="1200" dirty="0"/>
+              <a:t>RESET</a:t>
+            </a:r>
+            <a:r>
+              <a:rPr lang="en-US" altLang="ko-KR" sz="1200" dirty="0">
+                <a:ea typeface="현대하모니 M" panose="02020603020101020101"/>
+              </a:rPr>
+              <a:t>]</a:t>
             </a:r>
             <a:endParaRPr lang="ko-KR" altLang="en-US" sz="1200" dirty="0">
               <a:ea typeface="현대하모니 M" panose="02020603020101020101"/>
@@ -4587,31 +5084,85 @@
           </a:p>
         </p:txBody>
       </p:sp>
+      <p:sp>
+        <p:nvSpPr>
+          <p:cNvPr id="76" name="직사각형 75">
+            <a:extLst>
+              <a:ext uri="{FF2B5EF4-FFF2-40B4-BE49-F238E27FC236}">
+                <a16:creationId xmlns:a16="http://schemas.microsoft.com/office/drawing/2014/main" id="{1EAFF3B1-FA23-7C44-4A9C-F885C01354D0}"/>
+              </a:ext>
+            </a:extLst>
+          </p:cNvPr>
+          <p:cNvSpPr/>
+          <p:nvPr/>
+        </p:nvSpPr>
+        <p:spPr>
+          <a:xfrm>
+            <a:off x="11359172" y="3686320"/>
+            <a:ext cx="701255" cy="529248"/>
+          </a:xfrm>
+          <a:prstGeom prst="rect">
+            <a:avLst/>
+          </a:prstGeom>
+          <a:solidFill>
+            <a:schemeClr val="accent4">
+              <a:alpha val="50000"/>
+            </a:schemeClr>
+          </a:solidFill>
+          <a:ln>
+            <a:noFill/>
+          </a:ln>
+        </p:spPr>
+        <p:style>
+          <a:lnRef idx="0">
+            <a:scrgbClr r="0" g="0" b="0"/>
+          </a:lnRef>
+          <a:fillRef idx="0">
+            <a:scrgbClr r="0" g="0" b="0"/>
+          </a:fillRef>
+          <a:effectRef idx="0">
+            <a:scrgbClr r="0" g="0" b="0"/>
+          </a:effectRef>
+          <a:fontRef idx="minor">
+            <a:schemeClr val="lt1"/>
+          </a:fontRef>
+        </p:style>
+        <p:txBody>
+          <a:bodyPr rtlCol="0" anchor="ctr"/>
+          <a:lstStyle/>
+          <a:p>
+            <a:pPr algn="ctr"/>
+            <a:r>
+              <a:rPr lang="en-US" altLang="ko-KR" sz="1200" dirty="0"/>
+              <a:t>START</a:t>
+            </a:r>
+            <a:endParaRPr lang="ko-KR" altLang="en-US" sz="1200" dirty="0"/>
+          </a:p>
+        </p:txBody>
+      </p:sp>
       <p:cxnSp>
         <p:nvCxnSpPr>
-          <p:cNvPr id="91" name="연결선: 꺾임 90">
-            <a:extLst>
-              <a:ext uri="{FF2B5EF4-FFF2-40B4-BE49-F238E27FC236}">
-                <a16:creationId xmlns:a16="http://schemas.microsoft.com/office/drawing/2014/main" id="{8A413A50-240C-A113-B5C4-3AFCA8E14841}"/>
+          <p:cNvPr id="80" name="직선 화살표 연결선 79">
+            <a:extLst>
+              <a:ext uri="{FF2B5EF4-FFF2-40B4-BE49-F238E27FC236}">
+                <a16:creationId xmlns:a16="http://schemas.microsoft.com/office/drawing/2014/main" id="{B19FB684-E0C7-324E-A2A6-6160F229B474}"/>
               </a:ext>
             </a:extLst>
           </p:cNvPr>
           <p:cNvCxnSpPr>
             <a:cxnSpLocks/>
-            <a:stCxn id="87" idx="1"/>
-            <a:endCxn id="40" idx="1"/>
+            <a:stCxn id="76" idx="1"/>
+            <a:endCxn id="87" idx="3"/>
           </p:cNvCxnSpPr>
           <p:nvPr/>
         </p:nvCxnSpPr>
         <p:spPr>
-          <a:xfrm rot="10800000">
-            <a:off x="8994228" y="1517533"/>
-            <a:ext cx="639382" cy="2433413"/>
-          </a:xfrm>
-          <a:prstGeom prst="bentConnector3">
-            <a:avLst>
-              <a:gd name="adj1" fmla="val 50000"/>
-            </a:avLst>
+          <a:xfrm flipH="1">
+            <a:off x="10798091" y="3950944"/>
+            <a:ext cx="561081" cy="1"/>
+          </a:xfrm>
+          <a:prstGeom prst="straightConnector1">
+            <a:avLst/>
           </a:prstGeom>
           <a:ln w="28575" cap="flat" cmpd="sng" algn="ctr">
             <a:solidFill>
@@ -4619,7 +5170,7 @@
             </a:solidFill>
             <a:prstDash val="solid"/>
             <a:round/>
-            <a:headEnd type="none" w="med" len="med"/>
+            <a:headEnd type="diamond" w="med" len="med"/>
             <a:tailEnd type="triangle" w="med" len="med"/>
           </a:ln>
         </p:spPr>
@@ -4632,295 +5183,6 @@
           </a:fillRef>
           <a:effectRef idx="0">
             <a:scrgbClr r="0" g="0" b="0"/>
-          </a:effectRef>
-          <a:fontRef idx="minor">
-            <a:schemeClr val="tx1"/>
-          </a:fontRef>
-        </p:style>
-      </p:cxnSp>
-      <p:cxnSp>
-        <p:nvCxnSpPr>
-          <p:cNvPr id="92" name="연결선: 꺾임 91">
-            <a:extLst>
-              <a:ext uri="{FF2B5EF4-FFF2-40B4-BE49-F238E27FC236}">
-                <a16:creationId xmlns:a16="http://schemas.microsoft.com/office/drawing/2014/main" id="{2E96DCC2-A22F-B9C8-B329-275975E5A008}"/>
-              </a:ext>
-            </a:extLst>
-          </p:cNvPr>
-          <p:cNvCxnSpPr>
-            <a:cxnSpLocks/>
-            <a:stCxn id="87" idx="1"/>
-            <a:endCxn id="51" idx="1"/>
-          </p:cNvCxnSpPr>
-          <p:nvPr/>
-        </p:nvCxnSpPr>
-        <p:spPr>
-          <a:xfrm rot="10800000" flipV="1">
-            <a:off x="9004056" y="3950944"/>
-            <a:ext cx="629555" cy="1577267"/>
-          </a:xfrm>
-          <a:prstGeom prst="bentConnector3">
-            <a:avLst>
-              <a:gd name="adj1" fmla="val 50000"/>
-            </a:avLst>
-          </a:prstGeom>
-          <a:ln w="28575" cap="flat" cmpd="sng" algn="ctr">
-            <a:solidFill>
-              <a:schemeClr val="accent2"/>
-            </a:solidFill>
-            <a:prstDash val="solid"/>
-            <a:round/>
-            <a:headEnd type="none" w="med" len="med"/>
-            <a:tailEnd type="triangle" w="med" len="med"/>
-          </a:ln>
-        </p:spPr>
-        <p:style>
-          <a:lnRef idx="0">
-            <a:scrgbClr r="0" g="0" b="0"/>
-          </a:lnRef>
-          <a:fillRef idx="0">
-            <a:scrgbClr r="0" g="0" b="0"/>
-          </a:fillRef>
-          <a:effectRef idx="0">
-            <a:scrgbClr r="0" g="0" b="0"/>
-          </a:effectRef>
-          <a:fontRef idx="minor">
-            <a:schemeClr val="tx1"/>
-          </a:fontRef>
-        </p:style>
-      </p:cxnSp>
-      <p:cxnSp>
-        <p:nvCxnSpPr>
-          <p:cNvPr id="100" name="연결선: 꺾임 99">
-            <a:extLst>
-              <a:ext uri="{FF2B5EF4-FFF2-40B4-BE49-F238E27FC236}">
-                <a16:creationId xmlns:a16="http://schemas.microsoft.com/office/drawing/2014/main" id="{522BD638-D4B8-F23F-2898-E54BB9969121}"/>
-              </a:ext>
-            </a:extLst>
-          </p:cNvPr>
-          <p:cNvCxnSpPr>
-            <a:cxnSpLocks/>
-            <a:stCxn id="87" idx="1"/>
-            <a:endCxn id="52" idx="1"/>
-          </p:cNvCxnSpPr>
-          <p:nvPr/>
-        </p:nvCxnSpPr>
-        <p:spPr>
-          <a:xfrm rot="10800000">
-            <a:off x="9004056" y="2276579"/>
-            <a:ext cx="629555" cy="1674367"/>
-          </a:xfrm>
-          <a:prstGeom prst="bentConnector3">
-            <a:avLst>
-              <a:gd name="adj1" fmla="val 50000"/>
-            </a:avLst>
-          </a:prstGeom>
-          <a:ln w="28575" cap="flat" cmpd="sng" algn="ctr">
-            <a:solidFill>
-              <a:schemeClr val="accent2"/>
-            </a:solidFill>
-            <a:prstDash val="solid"/>
-            <a:round/>
-            <a:headEnd type="none" w="med" len="med"/>
-            <a:tailEnd type="triangle" w="med" len="med"/>
-          </a:ln>
-        </p:spPr>
-        <p:style>
-          <a:lnRef idx="0">
-            <a:scrgbClr r="0" g="0" b="0"/>
-          </a:lnRef>
-          <a:fillRef idx="0">
-            <a:scrgbClr r="0" g="0" b="0"/>
-          </a:fillRef>
-          <a:effectRef idx="0">
-            <a:scrgbClr r="0" g="0" b="0"/>
-          </a:effectRef>
-          <a:fontRef idx="minor">
-            <a:schemeClr val="tx1"/>
-          </a:fontRef>
-        </p:style>
-      </p:cxnSp>
-      <p:cxnSp>
-        <p:nvCxnSpPr>
-          <p:cNvPr id="103" name="연결선: 꺾임 102">
-            <a:extLst>
-              <a:ext uri="{FF2B5EF4-FFF2-40B4-BE49-F238E27FC236}">
-                <a16:creationId xmlns:a16="http://schemas.microsoft.com/office/drawing/2014/main" id="{F0ED640E-4C68-900F-4F3B-7D40CFEE4C20}"/>
-              </a:ext>
-            </a:extLst>
-          </p:cNvPr>
-          <p:cNvCxnSpPr>
-            <a:cxnSpLocks/>
-            <a:stCxn id="87" idx="1"/>
-            <a:endCxn id="44" idx="1"/>
-          </p:cNvCxnSpPr>
-          <p:nvPr/>
-        </p:nvCxnSpPr>
-        <p:spPr>
-          <a:xfrm rot="10800000">
-            <a:off x="8994228" y="3047971"/>
-            <a:ext cx="639382" cy="902975"/>
-          </a:xfrm>
-          <a:prstGeom prst="bentConnector3">
-            <a:avLst>
-              <a:gd name="adj1" fmla="val 50000"/>
-            </a:avLst>
-          </a:prstGeom>
-          <a:ln w="28575" cap="flat" cmpd="sng" algn="ctr">
-            <a:solidFill>
-              <a:schemeClr val="accent2"/>
-            </a:solidFill>
-            <a:prstDash val="solid"/>
-            <a:round/>
-            <a:headEnd type="none" w="med" len="med"/>
-            <a:tailEnd type="triangle" w="med" len="med"/>
-          </a:ln>
-        </p:spPr>
-        <p:style>
-          <a:lnRef idx="0">
-            <a:scrgbClr r="0" g="0" b="0"/>
-          </a:lnRef>
-          <a:fillRef idx="0">
-            <a:scrgbClr r="0" g="0" b="0"/>
-          </a:fillRef>
-          <a:effectRef idx="0">
-            <a:scrgbClr r="0" g="0" b="0"/>
-          </a:effectRef>
-          <a:fontRef idx="minor">
-            <a:schemeClr val="tx1"/>
-          </a:fontRef>
-        </p:style>
-      </p:cxnSp>
-      <p:cxnSp>
-        <p:nvCxnSpPr>
-          <p:cNvPr id="138" name="연결선: 꺾임 137">
-            <a:extLst>
-              <a:ext uri="{FF2B5EF4-FFF2-40B4-BE49-F238E27FC236}">
-                <a16:creationId xmlns:a16="http://schemas.microsoft.com/office/drawing/2014/main" id="{D16C924E-4B2C-C4C5-8875-66833BE5279D}"/>
-              </a:ext>
-            </a:extLst>
-          </p:cNvPr>
-          <p:cNvCxnSpPr>
-            <a:cxnSpLocks/>
-            <a:stCxn id="88" idx="2"/>
-            <a:endCxn id="38" idx="2"/>
-          </p:cNvCxnSpPr>
-          <p:nvPr/>
-        </p:nvCxnSpPr>
-        <p:spPr>
-          <a:xfrm rot="5400000" flipH="1">
-            <a:off x="5775343" y="2103922"/>
-            <a:ext cx="1453223" cy="7427793"/>
-          </a:xfrm>
-          <a:prstGeom prst="bentConnector3">
-            <a:avLst>
-              <a:gd name="adj1" fmla="val -15731"/>
-            </a:avLst>
-          </a:prstGeom>
-          <a:ln w="38100">
-            <a:prstDash val="lgDash"/>
-            <a:tailEnd type="triangle"/>
-          </a:ln>
-        </p:spPr>
-        <p:style>
-          <a:lnRef idx="1">
-            <a:schemeClr val="accent1"/>
-          </a:lnRef>
-          <a:fillRef idx="0">
-            <a:schemeClr val="accent1"/>
-          </a:fillRef>
-          <a:effectRef idx="0">
-            <a:schemeClr val="accent1"/>
-          </a:effectRef>
-          <a:fontRef idx="minor">
-            <a:schemeClr val="tx1"/>
-          </a:fontRef>
-        </p:style>
-      </p:cxnSp>
-      <p:cxnSp>
-        <p:nvCxnSpPr>
-          <p:cNvPr id="7" name="연결선: 꺾임 6">
-            <a:extLst>
-              <a:ext uri="{FF2B5EF4-FFF2-40B4-BE49-F238E27FC236}">
-                <a16:creationId xmlns:a16="http://schemas.microsoft.com/office/drawing/2014/main" id="{A51E03D8-8A57-F8FD-CF7D-7FE55B39DA18}"/>
-              </a:ext>
-            </a:extLst>
-          </p:cNvPr>
-          <p:cNvCxnSpPr>
-            <a:cxnSpLocks/>
-            <a:stCxn id="87" idx="2"/>
-            <a:endCxn id="88" idx="0"/>
-          </p:cNvCxnSpPr>
-          <p:nvPr/>
-        </p:nvCxnSpPr>
-        <p:spPr>
-          <a:xfrm rot="5400000">
-            <a:off x="9316045" y="5115375"/>
-            <a:ext cx="1799612" cy="12700"/>
-          </a:xfrm>
-          <a:prstGeom prst="bentConnector3">
-            <a:avLst>
-              <a:gd name="adj1" fmla="val 50000"/>
-            </a:avLst>
-          </a:prstGeom>
-          <a:ln w="38100">
-            <a:prstDash val="lgDash"/>
-            <a:tailEnd type="triangle"/>
-          </a:ln>
-        </p:spPr>
-        <p:style>
-          <a:lnRef idx="1">
-            <a:schemeClr val="accent1"/>
-          </a:lnRef>
-          <a:fillRef idx="0">
-            <a:schemeClr val="accent1"/>
-          </a:fillRef>
-          <a:effectRef idx="0">
-            <a:schemeClr val="accent1"/>
-          </a:effectRef>
-          <a:fontRef idx="minor">
-            <a:schemeClr val="tx1"/>
-          </a:fontRef>
-        </p:style>
-      </p:cxnSp>
-      <p:cxnSp>
-        <p:nvCxnSpPr>
-          <p:cNvPr id="14" name="연결선: 꺾임 13">
-            <a:extLst>
-              <a:ext uri="{FF2B5EF4-FFF2-40B4-BE49-F238E27FC236}">
-                <a16:creationId xmlns:a16="http://schemas.microsoft.com/office/drawing/2014/main" id="{53648CE7-300A-32BE-8254-955BA051A463}"/>
-              </a:ext>
-            </a:extLst>
-          </p:cNvPr>
-          <p:cNvCxnSpPr>
-            <a:cxnSpLocks/>
-            <a:stCxn id="44" idx="1"/>
-            <a:endCxn id="87" idx="0"/>
-          </p:cNvCxnSpPr>
-          <p:nvPr/>
-        </p:nvCxnSpPr>
-        <p:spPr>
-          <a:xfrm>
-            <a:off x="8994228" y="3047970"/>
-            <a:ext cx="1221623" cy="638351"/>
-          </a:xfrm>
-          <a:prstGeom prst="bentConnector2">
-            <a:avLst/>
-          </a:prstGeom>
-          <a:ln w="38100">
-            <a:prstDash val="lgDash"/>
-            <a:tailEnd type="triangle"/>
-          </a:ln>
-        </p:spPr>
-        <p:style>
-          <a:lnRef idx="1">
-            <a:schemeClr val="accent1"/>
-          </a:lnRef>
-          <a:fillRef idx="0">
-            <a:schemeClr val="accent1"/>
-          </a:fillRef>
-          <a:effectRef idx="0">
-            <a:schemeClr val="accent1"/>
           </a:effectRef>
           <a:fontRef idx="minor">
             <a:schemeClr val="tx1"/>

--- a/DsDotNet/src/UnitTest/UnitTest.Model/ImportOfficeExample/Sample/Sub/Line.pptx
+++ b/DsDotNet/src/UnitTest/UnitTest.Model/ImportOfficeExample/Sample/Sub/Line.pptx
@@ -2548,8 +2548,12 @@
           <a:p>
             <a:pPr algn="ctr"/>
             <a:r>
+              <a:rPr lang="en-US" altLang="ko-KR"/>
+              <a:t>Sub</a:t>
+            </a:r>
+            <a:r>
               <a:rPr lang="en-US" altLang="ko-KR" dirty="0"/>
-              <a:t>Sub/Sub/Station </a:t>
+              <a:t>/Station </a:t>
             </a:r>
           </a:p>
           <a:p>

--- a/DsDotNet/src/UnitTest/UnitTest.Model/ImportOfficeExample/Sample/Sub/Line.pptx
+++ b/DsDotNet/src/UnitTest/UnitTest.Model/ImportOfficeExample/Sample/Sub/Line.pptx
@@ -216,7 +216,7 @@
           <a:p>
             <a:fld id="{DD503887-5801-43A0-AEF9-041E8DDC2558}" type="datetimeFigureOut">
               <a:rPr lang="ko-KR" altLang="en-US" smtClean="0"/>
-              <a:t>2023-11-02</a:t>
+              <a:t>2023-11-05</a:t>
             </a:fld>
             <a:endParaRPr lang="ko-KR" altLang="en-US"/>
           </a:p>
@@ -393,7 +393,7 @@
           <a:p>
             <a:fld id="{95336A0E-57B1-4D4C-BD9B-2F72B5943464}" type="datetimeFigureOut">
               <a:rPr lang="ko-KR" altLang="en-US" smtClean="0"/>
-              <a:t>2023-11-02</a:t>
+              <a:t>2023-11-05</a:t>
             </a:fld>
             <a:endParaRPr lang="ko-KR" altLang="en-US"/>
           </a:p>
@@ -3438,7 +3438,7 @@
               <a:pPr algn="ctr"/>
               <a:r>
                 <a:rPr lang="en-US" altLang="ko-KR" sz="700" dirty="0"/>
-                <a:t>Station $Func1</a:t>
+                <a:t>Station .Func1</a:t>
               </a:r>
               <a:endParaRPr lang="ko-KR" altLang="en-US" sz="700" dirty="0"/>
             </a:p>
@@ -3496,7 +3496,7 @@
               <a:pPr algn="ctr"/>
               <a:r>
                 <a:rPr lang="en-US" altLang="ko-KR" sz="700" dirty="0"/>
-                <a:t>Station $Func2</a:t>
+                <a:t>Station .Func2</a:t>
               </a:r>
               <a:endParaRPr lang="ko-KR" altLang="en-US" sz="700" dirty="0"/>
             </a:p>
